--- a/智慧創新平台/成果/智慧創新平台專題報告.pptx
+++ b/智慧創新平台/成果/智慧創新平台專題報告.pptx
@@ -5,7 +5,7 @@
     <p:sldMasterId id="2147483648" r:id="rId1"/>
   </p:sldMasterIdLst>
   <p:notesMasterIdLst>
-    <p:notesMasterId r:id="rId25"/>
+    <p:notesMasterId r:id="rId27"/>
   </p:notesMasterIdLst>
   <p:sldIdLst>
     <p:sldId id="256" r:id="rId2"/>
@@ -30,7 +30,9 @@
     <p:sldId id="290" r:id="rId21"/>
     <p:sldId id="266" r:id="rId22"/>
     <p:sldId id="267" r:id="rId23"/>
-    <p:sldId id="277" r:id="rId24"/>
+    <p:sldId id="291" r:id="rId24"/>
+    <p:sldId id="292" r:id="rId25"/>
+    <p:sldId id="277" r:id="rId26"/>
   </p:sldIdLst>
   <p:sldSz cx="12192000" cy="6858000"/>
   <p:notesSz cx="6858000" cy="9144000"/>
@@ -219,7 +221,7 @@
           <a:p>
             <a:fld id="{2B234554-A553-41EE-A95F-374B7BB8D315}" type="datetimeFigureOut">
               <a:rPr lang="zh-TW" altLang="en-US" smtClean="0"/>
-              <a:t>2025/12/1</a:t>
+              <a:t>2025/12/2</a:t>
             </a:fld>
             <a:endParaRPr lang="zh-TW" altLang="en-US"/>
           </a:p>
@@ -20262,6 +20264,1084 @@
       </p:grpSpPr>
       <p:sp>
         <p:nvSpPr>
+          <p:cNvPr id="2" name="矩形 1"/>
+          <p:cNvSpPr/>
+          <p:nvPr/>
+        </p:nvSpPr>
+        <p:spPr>
+          <a:xfrm>
+            <a:off x="9837869" y="374983"/>
+            <a:ext cx="2031325" cy="646331"/>
+          </a:xfrm>
+          <a:prstGeom prst="rect">
+            <a:avLst/>
+          </a:prstGeom>
+        </p:spPr>
+        <p:txBody>
+          <a:bodyPr wrap="none">
+            <a:spAutoFit/>
+          </a:bodyPr>
+          <a:lstStyle/>
+          <a:p>
+            <a:pPr algn="r"/>
+            <a:r>
+              <a:rPr lang="zh-TW" altLang="en-US" sz="3600" b="1" dirty="0">
+                <a:solidFill>
+                  <a:srgbClr val="FFFFFF"/>
+                </a:solidFill>
+                <a:effectLst>
+                  <a:outerShdw blurRad="38100" dist="38100" dir="2700000" algn="tl">
+                    <a:srgbClr val="000000">
+                      <a:alpha val="43137"/>
+                    </a:srgbClr>
+                  </a:outerShdw>
+                </a:effectLst>
+              </a:rPr>
+              <a:t>未來展望</a:t>
+            </a:r>
+          </a:p>
+        </p:txBody>
+      </p:sp>
+      <p:grpSp>
+        <p:nvGrpSpPr>
+          <p:cNvPr id="25" name="群組 24">
+            <a:extLst>
+              <a:ext uri="{FF2B5EF4-FFF2-40B4-BE49-F238E27FC236}">
+                <a16:creationId xmlns:a16="http://schemas.microsoft.com/office/drawing/2014/main" id="{335ADFB5-35BC-49C9-AAA7-360843779F19}"/>
+              </a:ext>
+            </a:extLst>
+          </p:cNvPr>
+          <p:cNvGrpSpPr/>
+          <p:nvPr/>
+        </p:nvGrpSpPr>
+        <p:grpSpPr>
+          <a:xfrm>
+            <a:off x="784430" y="1559957"/>
+            <a:ext cx="10520929" cy="3995293"/>
+            <a:chOff x="6338829" y="2452629"/>
+            <a:chExt cx="10520929" cy="3995293"/>
+          </a:xfrm>
+        </p:grpSpPr>
+        <p:sp>
+          <p:nvSpPr>
+            <p:cNvPr id="26" name="橢圓 25">
+              <a:extLst>
+                <a:ext uri="{FF2B5EF4-FFF2-40B4-BE49-F238E27FC236}">
+                  <a16:creationId xmlns:a16="http://schemas.microsoft.com/office/drawing/2014/main" id="{479BD92F-1564-45ED-AADB-BE99B79E8543}"/>
+                </a:ext>
+              </a:extLst>
+            </p:cNvPr>
+            <p:cNvSpPr/>
+            <p:nvPr/>
+          </p:nvSpPr>
+          <p:spPr>
+            <a:xfrm>
+              <a:off x="6338829" y="2452629"/>
+              <a:ext cx="450000" cy="450000"/>
+            </a:xfrm>
+            <a:prstGeom prst="ellipse">
+              <a:avLst/>
+            </a:prstGeom>
+            <a:solidFill>
+              <a:schemeClr val="bg1">
+                <a:lumMod val="95000"/>
+              </a:schemeClr>
+            </a:solidFill>
+            <a:ln>
+              <a:noFill/>
+            </a:ln>
+          </p:spPr>
+          <p:style>
+            <a:lnRef idx="2">
+              <a:schemeClr val="accent1">
+                <a:shade val="50000"/>
+              </a:schemeClr>
+            </a:lnRef>
+            <a:fillRef idx="1">
+              <a:schemeClr val="accent1"/>
+            </a:fillRef>
+            <a:effectRef idx="0">
+              <a:schemeClr val="accent1"/>
+            </a:effectRef>
+            <a:fontRef idx="minor">
+              <a:schemeClr val="lt1"/>
+            </a:fontRef>
+          </p:style>
+          <p:txBody>
+            <a:bodyPr rtlCol="0" anchor="ctr"/>
+            <a:lstStyle/>
+            <a:p>
+              <a:pPr algn="ctr"/>
+              <a:endParaRPr lang="zh-TW" altLang="en-US" sz="1100" dirty="0"/>
+            </a:p>
+          </p:txBody>
+        </p:sp>
+        <p:sp>
+          <p:nvSpPr>
+            <p:cNvPr id="27" name="文字方塊 26">
+              <a:extLst>
+                <a:ext uri="{FF2B5EF4-FFF2-40B4-BE49-F238E27FC236}">
+                  <a16:creationId xmlns:a16="http://schemas.microsoft.com/office/drawing/2014/main" id="{BF591B43-4025-4297-9181-D6953CBDC68F}"/>
+                </a:ext>
+              </a:extLst>
+            </p:cNvPr>
+            <p:cNvSpPr txBox="1"/>
+            <p:nvPr/>
+          </p:nvSpPr>
+          <p:spPr>
+            <a:xfrm>
+              <a:off x="6348354" y="2477604"/>
+              <a:ext cx="10511404" cy="3970318"/>
+            </a:xfrm>
+            <a:prstGeom prst="rect">
+              <a:avLst/>
+            </a:prstGeom>
+            <a:noFill/>
+          </p:spPr>
+          <p:txBody>
+            <a:bodyPr wrap="none" rtlCol="0">
+              <a:spAutoFit/>
+            </a:bodyPr>
+            <a:lstStyle/>
+            <a:p>
+              <a:pPr fontAlgn="base">
+                <a:spcBef>
+                  <a:spcPct val="0"/>
+                </a:spcBef>
+                <a:spcAft>
+                  <a:spcPct val="0"/>
+                </a:spcAft>
+              </a:pPr>
+              <a:r>
+                <a:rPr lang="zh-TW" altLang="en-US" sz="2400" b="1" dirty="0">
+                  <a:solidFill>
+                    <a:srgbClr val="A466D8"/>
+                  </a:solidFill>
+                  <a:latin typeface="Arial" panose="020B0604020202020204" pitchFamily="34" charset="0"/>
+                </a:rPr>
+                <a:t>公司聯名帳戶管理</a:t>
+              </a:r>
+              <a:endParaRPr lang="en-US" altLang="zh-TW" sz="2000" b="1" dirty="0">
+                <a:solidFill>
+                  <a:schemeClr val="tx1">
+                    <a:lumMod val="85000"/>
+                    <a:lumOff val="15000"/>
+                  </a:schemeClr>
+                </a:solidFill>
+                <a:latin typeface="Arial" panose="020B0604020202020204" pitchFamily="34" charset="0"/>
+              </a:endParaRPr>
+            </a:p>
+            <a:p>
+              <a:r>
+                <a:rPr lang="zh-TW" altLang="en-US" sz="2000" b="1" dirty="0">
+                  <a:solidFill>
+                    <a:schemeClr val="tx1">
+                      <a:lumMod val="85000"/>
+                      <a:lumOff val="15000"/>
+                    </a:schemeClr>
+                  </a:solidFill>
+                  <a:latin typeface="Arial" panose="020B0604020202020204" pitchFamily="34" charset="0"/>
+                </a:rPr>
+                <a:t>未來可開發多帳戶協作介面，支援企業內跨部門、跨專案的統一帳號管理機制。</a:t>
+              </a:r>
+              <a:endParaRPr lang="en-US" altLang="zh-TW" sz="2000" b="1" dirty="0">
+                <a:solidFill>
+                  <a:schemeClr val="tx1">
+                    <a:lumMod val="85000"/>
+                    <a:lumOff val="15000"/>
+                  </a:schemeClr>
+                </a:solidFill>
+                <a:latin typeface="Arial" panose="020B0604020202020204" pitchFamily="34" charset="0"/>
+              </a:endParaRPr>
+            </a:p>
+            <a:p>
+              <a:r>
+                <a:rPr lang="zh-TW" altLang="en-US" sz="2000" b="1" dirty="0">
+                  <a:solidFill>
+                    <a:schemeClr val="tx1">
+                      <a:lumMod val="85000"/>
+                      <a:lumOff val="15000"/>
+                    </a:schemeClr>
+                  </a:solidFill>
+                  <a:latin typeface="Arial" panose="020B0604020202020204" pitchFamily="34" charset="0"/>
+                </a:rPr>
+                <a:t>透過權限分級、使用紀錄追蹤與共用檔案資料夾等功能，企業用戶能更有效率地協作，</a:t>
+              </a:r>
+              <a:endParaRPr lang="en-US" altLang="zh-TW" sz="2000" b="1" dirty="0">
+                <a:solidFill>
+                  <a:schemeClr val="tx1">
+                    <a:lumMod val="85000"/>
+                    <a:lumOff val="15000"/>
+                  </a:schemeClr>
+                </a:solidFill>
+                <a:latin typeface="Arial" panose="020B0604020202020204" pitchFamily="34" charset="0"/>
+              </a:endParaRPr>
+            </a:p>
+            <a:p>
+              <a:r>
+                <a:rPr lang="zh-TW" altLang="en-US" sz="2000" b="1" dirty="0">
+                  <a:solidFill>
+                    <a:schemeClr val="tx1">
+                      <a:lumMod val="85000"/>
+                      <a:lumOff val="15000"/>
+                    </a:schemeClr>
+                  </a:solidFill>
+                  <a:latin typeface="Arial" panose="020B0604020202020204" pitchFamily="34" charset="0"/>
+                </a:rPr>
+                <a:t>同時提高系統在企業環境的可部署性與安全性。</a:t>
+              </a:r>
+            </a:p>
+            <a:p>
+              <a:pPr fontAlgn="base">
+                <a:spcBef>
+                  <a:spcPct val="0"/>
+                </a:spcBef>
+                <a:spcAft>
+                  <a:spcPct val="0"/>
+                </a:spcAft>
+              </a:pPr>
+              <a:r>
+                <a:rPr lang="zh-TW" altLang="en-US" sz="2400" b="1" dirty="0">
+                  <a:solidFill>
+                    <a:srgbClr val="A466D8"/>
+                  </a:solidFill>
+                  <a:latin typeface="Arial" panose="020B0604020202020204" pitchFamily="34" charset="0"/>
+                </a:rPr>
+                <a:t>排列組生成器</a:t>
+              </a:r>
+              <a:endParaRPr lang="zh-TW" altLang="zh-TW" sz="2400" b="1" dirty="0">
+                <a:solidFill>
+                  <a:srgbClr val="A466D8"/>
+                </a:solidFill>
+                <a:latin typeface="Arial" panose="020B0604020202020204" pitchFamily="34" charset="0"/>
+              </a:endParaRPr>
+            </a:p>
+            <a:p>
+              <a:r>
+                <a:rPr lang="zh-TW" altLang="en-US" sz="2000" b="1" dirty="0">
+                  <a:solidFill>
+                    <a:schemeClr val="tx1">
+                      <a:lumMod val="85000"/>
+                      <a:lumOff val="15000"/>
+                    </a:schemeClr>
+                  </a:solidFill>
+                  <a:latin typeface="Arial" panose="020B0604020202020204" pitchFamily="34" charset="0"/>
+                </a:rPr>
+                <a:t>針對需要大量資料組合的使用情境，系統可提供內建的排列組合演算法模板，讓使用者能依</a:t>
+              </a:r>
+              <a:endParaRPr lang="en-US" altLang="zh-TW" sz="2000" b="1" dirty="0">
+                <a:solidFill>
+                  <a:schemeClr val="tx1">
+                    <a:lumMod val="85000"/>
+                    <a:lumOff val="15000"/>
+                  </a:schemeClr>
+                </a:solidFill>
+                <a:latin typeface="Arial" panose="020B0604020202020204" pitchFamily="34" charset="0"/>
+              </a:endParaRPr>
+            </a:p>
+            <a:p>
+              <a:r>
+                <a:rPr lang="zh-TW" altLang="en-US" sz="2000" b="1" dirty="0">
+                  <a:solidFill>
+                    <a:schemeClr val="tx1">
+                      <a:lumMod val="85000"/>
+                      <a:lumOff val="15000"/>
+                    </a:schemeClr>
+                  </a:solidFill>
+                  <a:latin typeface="Arial" panose="020B0604020202020204" pitchFamily="34" charset="0"/>
+                </a:rPr>
+                <a:t>輸入集合快速生成結果。此工具可支援數據分析、演算法教學、測試案例生成等需求，並能</a:t>
+              </a:r>
+              <a:endParaRPr lang="en-US" altLang="zh-TW" sz="2000" b="1" dirty="0">
+                <a:solidFill>
+                  <a:schemeClr val="tx1">
+                    <a:lumMod val="85000"/>
+                    <a:lumOff val="15000"/>
+                  </a:schemeClr>
+                </a:solidFill>
+                <a:latin typeface="Arial" panose="020B0604020202020204" pitchFamily="34" charset="0"/>
+              </a:endParaRPr>
+            </a:p>
+            <a:p>
+              <a:r>
+                <a:rPr lang="zh-TW" altLang="en-US" sz="2000" b="1" dirty="0">
+                  <a:solidFill>
+                    <a:schemeClr val="tx1">
+                      <a:lumMod val="85000"/>
+                      <a:lumOff val="15000"/>
+                    </a:schemeClr>
+                  </a:solidFill>
+                  <a:latin typeface="Arial" panose="020B0604020202020204" pitchFamily="34" charset="0"/>
+                </a:rPr>
+                <a:t>作為日後其他數學工具的基礎模組。</a:t>
+              </a:r>
+            </a:p>
+            <a:p>
+              <a:pPr eaLnBrk="0" fontAlgn="base" hangingPunct="0">
+                <a:spcBef>
+                  <a:spcPct val="0"/>
+                </a:spcBef>
+                <a:spcAft>
+                  <a:spcPct val="0"/>
+                </a:spcAft>
+              </a:pPr>
+              <a:r>
+                <a:rPr lang="en-US" altLang="zh-TW" sz="2400" b="1" dirty="0">
+                  <a:solidFill>
+                    <a:srgbClr val="A466D8"/>
+                  </a:solidFill>
+                  <a:latin typeface="Arial" panose="020B0604020202020204" pitchFamily="34" charset="0"/>
+                </a:rPr>
+                <a:t>TensorFlow</a:t>
+              </a:r>
+              <a:r>
+                <a:rPr lang="en-US" altLang="zh-TW" sz="2400" dirty="0"/>
+                <a:t> </a:t>
+              </a:r>
+              <a:r>
+                <a:rPr lang="en-US" altLang="zh-TW" sz="2400" b="1" dirty="0">
+                  <a:solidFill>
+                    <a:srgbClr val="A466D8"/>
+                  </a:solidFill>
+                  <a:latin typeface="Arial" panose="020B0604020202020204" pitchFamily="34" charset="0"/>
+                </a:rPr>
+                <a:t>CNN </a:t>
+              </a:r>
+              <a:r>
+                <a:rPr lang="zh-TW" altLang="en-US" sz="2400" b="1" dirty="0">
+                  <a:solidFill>
+                    <a:srgbClr val="A466D8"/>
+                  </a:solidFill>
+                  <a:latin typeface="Arial" panose="020B0604020202020204" pitchFamily="34" charset="0"/>
+                </a:rPr>
+                <a:t>範例導入</a:t>
+              </a:r>
+              <a:endParaRPr lang="en-US" altLang="zh-TW" sz="2400" b="1" dirty="0">
+                <a:solidFill>
+                  <a:srgbClr val="A466D8"/>
+                </a:solidFill>
+                <a:latin typeface="Arial" panose="020B0604020202020204" pitchFamily="34" charset="0"/>
+              </a:endParaRPr>
+            </a:p>
+            <a:p>
+              <a:r>
+                <a:rPr lang="zh-TW" altLang="en-US" sz="2000" b="1" dirty="0">
+                  <a:solidFill>
+                    <a:schemeClr val="tx1">
+                      <a:lumMod val="85000"/>
+                      <a:lumOff val="15000"/>
+                    </a:schemeClr>
+                  </a:solidFill>
+                  <a:latin typeface="Arial" panose="020B0604020202020204" pitchFamily="34" charset="0"/>
+                </a:rPr>
+                <a:t>未來將加入更多深度學習範例，其中包含 </a:t>
+              </a:r>
+              <a:r>
+                <a:rPr lang="en-US" altLang="zh-TW" sz="2000" b="1" dirty="0">
+                  <a:solidFill>
+                    <a:schemeClr val="tx1">
+                      <a:lumMod val="85000"/>
+                      <a:lumOff val="15000"/>
+                    </a:schemeClr>
+                  </a:solidFill>
+                  <a:latin typeface="Arial" panose="020B0604020202020204" pitchFamily="34" charset="0"/>
+                </a:rPr>
+                <a:t>TensorFlow </a:t>
+              </a:r>
+              <a:r>
+                <a:rPr lang="zh-TW" altLang="en-US" sz="2000" b="1" dirty="0">
+                  <a:solidFill>
+                    <a:schemeClr val="tx1">
+                      <a:lumMod val="85000"/>
+                      <a:lumOff val="15000"/>
+                    </a:schemeClr>
+                  </a:solidFill>
+                  <a:latin typeface="Arial" panose="020B0604020202020204" pitchFamily="34" charset="0"/>
+                </a:rPr>
+                <a:t>的卷積神經網路（</a:t>
+              </a:r>
+              <a:r>
+                <a:rPr lang="en-US" altLang="zh-TW" sz="2000" b="1" dirty="0">
+                  <a:solidFill>
+                    <a:schemeClr val="tx1">
+                      <a:lumMod val="85000"/>
+                      <a:lumOff val="15000"/>
+                    </a:schemeClr>
+                  </a:solidFill>
+                  <a:latin typeface="Arial" panose="020B0604020202020204" pitchFamily="34" charset="0"/>
+                </a:rPr>
+                <a:t>CNN</a:t>
+              </a:r>
+              <a:r>
+                <a:rPr lang="zh-TW" altLang="en-US" sz="2000" b="1" dirty="0">
+                  <a:solidFill>
+                    <a:schemeClr val="tx1">
+                      <a:lumMod val="85000"/>
+                      <a:lumOff val="15000"/>
+                    </a:schemeClr>
+                  </a:solidFill>
+                  <a:latin typeface="Arial" panose="020B0604020202020204" pitchFamily="34" charset="0"/>
+                </a:rPr>
+                <a:t>）完整示例。</a:t>
+              </a:r>
+              <a:endParaRPr lang="en-US" altLang="zh-TW" sz="2000" b="1" dirty="0">
+                <a:solidFill>
+                  <a:schemeClr val="tx1">
+                    <a:lumMod val="85000"/>
+                    <a:lumOff val="15000"/>
+                  </a:schemeClr>
+                </a:solidFill>
+                <a:latin typeface="Arial" panose="020B0604020202020204" pitchFamily="34" charset="0"/>
+              </a:endParaRPr>
+            </a:p>
+            <a:p>
+              <a:r>
+                <a:rPr lang="zh-TW" altLang="en-US" sz="2000" b="1" dirty="0">
+                  <a:solidFill>
+                    <a:schemeClr val="tx1">
+                      <a:lumMod val="85000"/>
+                      <a:lumOff val="15000"/>
+                    </a:schemeClr>
+                  </a:solidFill>
+                  <a:latin typeface="Arial" panose="020B0604020202020204" pitchFamily="34" charset="0"/>
+                </a:rPr>
+                <a:t>使用者可透過模板快速產生模型架構、訓練流程與資料前處理程式碼，縮短初學者的入門</a:t>
+              </a:r>
+              <a:endParaRPr lang="en-US" altLang="zh-TW" sz="2000" b="1" dirty="0">
+                <a:solidFill>
+                  <a:schemeClr val="tx1">
+                    <a:lumMod val="85000"/>
+                    <a:lumOff val="15000"/>
+                  </a:schemeClr>
+                </a:solidFill>
+                <a:latin typeface="Arial" panose="020B0604020202020204" pitchFamily="34" charset="0"/>
+              </a:endParaRPr>
+            </a:p>
+            <a:p>
+              <a:r>
+                <a:rPr lang="zh-TW" altLang="en-US" sz="2000" b="1" dirty="0">
+                  <a:solidFill>
+                    <a:schemeClr val="tx1">
+                      <a:lumMod val="85000"/>
+                      <a:lumOff val="15000"/>
+                    </a:schemeClr>
+                  </a:solidFill>
+                  <a:latin typeface="Arial" panose="020B0604020202020204" pitchFamily="34" charset="0"/>
+                </a:rPr>
+                <a:t>時間，並提供高階使用者進一步改寫與優化的基礎。</a:t>
+              </a:r>
+            </a:p>
+          </p:txBody>
+        </p:sp>
+      </p:grpSp>
+    </p:spTree>
+    <p:extLst>
+      <p:ext uri="{BB962C8B-B14F-4D97-AF65-F5344CB8AC3E}">
+        <p14:creationId xmlns:p14="http://schemas.microsoft.com/office/powerpoint/2010/main" val="1800735928"/>
+      </p:ext>
+    </p:extLst>
+  </p:cSld>
+  <p:clrMapOvr>
+    <a:masterClrMapping/>
+  </p:clrMapOvr>
+  <p:timing>
+    <p:tnLst>
+      <p:par>
+        <p:cTn id="1" dur="indefinite" restart="never" nodeType="tmRoot">
+          <p:childTnLst>
+            <p:seq concurrent="1" nextAc="seek">
+              <p:cTn id="2" dur="indefinite" nodeType="mainSeq">
+                <p:childTnLst>
+                  <p:par>
+                    <p:cTn id="3" fill="hold">
+                      <p:stCondLst>
+                        <p:cond delay="indefinite"/>
+                        <p:cond evt="onBegin" delay="0">
+                          <p:tn val="2"/>
+                        </p:cond>
+                      </p:stCondLst>
+                      <p:childTnLst>
+                        <p:par>
+                          <p:cTn id="4" fill="hold">
+                            <p:stCondLst>
+                              <p:cond delay="0"/>
+                            </p:stCondLst>
+                            <p:childTnLst>
+                              <p:par>
+                                <p:cTn id="5" presetID="10" presetClass="entr" presetSubtype="0" fill="hold" nodeType="afterEffect">
+                                  <p:stCondLst>
+                                    <p:cond delay="0"/>
+                                  </p:stCondLst>
+                                  <p:childTnLst>
+                                    <p:set>
+                                      <p:cBhvr>
+                                        <p:cTn id="6" dur="1" fill="hold">
+                                          <p:stCondLst>
+                                            <p:cond delay="0"/>
+                                          </p:stCondLst>
+                                        </p:cTn>
+                                        <p:tgtEl>
+                                          <p:spTgt spid="25"/>
+                                        </p:tgtEl>
+                                        <p:attrNameLst>
+                                          <p:attrName>style.visibility</p:attrName>
+                                        </p:attrNameLst>
+                                      </p:cBhvr>
+                                      <p:to>
+                                        <p:strVal val="visible"/>
+                                      </p:to>
+                                    </p:set>
+                                    <p:animEffect transition="in" filter="fade">
+                                      <p:cBhvr>
+                                        <p:cTn id="7" dur="400"/>
+                                        <p:tgtEl>
+                                          <p:spTgt spid="25"/>
+                                        </p:tgtEl>
+                                      </p:cBhvr>
+                                    </p:animEffect>
+                                  </p:childTnLst>
+                                </p:cTn>
+                              </p:par>
+                            </p:childTnLst>
+                          </p:cTn>
+                        </p:par>
+                      </p:childTnLst>
+                    </p:cTn>
+                  </p:par>
+                </p:childTnLst>
+              </p:cTn>
+              <p:prevCondLst>
+                <p:cond evt="onPrev" delay="0">
+                  <p:tgtEl>
+                    <p:sldTgt/>
+                  </p:tgtEl>
+                </p:cond>
+              </p:prevCondLst>
+              <p:nextCondLst>
+                <p:cond evt="onNext" delay="0">
+                  <p:tgtEl>
+                    <p:sldTgt/>
+                  </p:tgtEl>
+                </p:cond>
+              </p:nextCondLst>
+            </p:seq>
+          </p:childTnLst>
+        </p:cTn>
+      </p:par>
+    </p:tnLst>
+  </p:timing>
+</p:sld>
+</file>
+
+<file path=ppt/slides/slide24.xml><?xml version="1.0" encoding="utf-8"?>
+<p:sld xmlns:a="http://schemas.openxmlformats.org/drawingml/2006/main" xmlns:r="http://schemas.openxmlformats.org/officeDocument/2006/relationships" xmlns:p="http://schemas.openxmlformats.org/presentationml/2006/main">
+  <p:cSld>
+    <p:spTree>
+      <p:nvGrpSpPr>
+        <p:cNvPr id="1" name=""/>
+        <p:cNvGrpSpPr/>
+        <p:nvPr/>
+      </p:nvGrpSpPr>
+      <p:grpSpPr>
+        <a:xfrm>
+          <a:off x="0" y="0"/>
+          <a:ext cx="0" cy="0"/>
+          <a:chOff x="0" y="0"/>
+          <a:chExt cx="0" cy="0"/>
+        </a:xfrm>
+      </p:grpSpPr>
+      <p:sp>
+        <p:nvSpPr>
+          <p:cNvPr id="2" name="矩形 1"/>
+          <p:cNvSpPr/>
+          <p:nvPr/>
+        </p:nvSpPr>
+        <p:spPr>
+          <a:xfrm>
+            <a:off x="9837869" y="374983"/>
+            <a:ext cx="2031325" cy="646331"/>
+          </a:xfrm>
+          <a:prstGeom prst="rect">
+            <a:avLst/>
+          </a:prstGeom>
+        </p:spPr>
+        <p:txBody>
+          <a:bodyPr wrap="none">
+            <a:spAutoFit/>
+          </a:bodyPr>
+          <a:lstStyle/>
+          <a:p>
+            <a:pPr algn="r"/>
+            <a:r>
+              <a:rPr lang="zh-TW" altLang="en-US" sz="3600" b="1" dirty="0">
+                <a:solidFill>
+                  <a:srgbClr val="FFFFFF"/>
+                </a:solidFill>
+                <a:effectLst>
+                  <a:outerShdw blurRad="38100" dist="38100" dir="2700000" algn="tl">
+                    <a:srgbClr val="000000">
+                      <a:alpha val="43137"/>
+                    </a:srgbClr>
+                  </a:outerShdw>
+                </a:effectLst>
+              </a:rPr>
+              <a:t>未來展望</a:t>
+            </a:r>
+          </a:p>
+        </p:txBody>
+      </p:sp>
+      <p:grpSp>
+        <p:nvGrpSpPr>
+          <p:cNvPr id="25" name="群組 24">
+            <a:extLst>
+              <a:ext uri="{FF2B5EF4-FFF2-40B4-BE49-F238E27FC236}">
+                <a16:creationId xmlns:a16="http://schemas.microsoft.com/office/drawing/2014/main" id="{335ADFB5-35BC-49C9-AAA7-360843779F19}"/>
+              </a:ext>
+            </a:extLst>
+          </p:cNvPr>
+          <p:cNvGrpSpPr/>
+          <p:nvPr/>
+        </p:nvGrpSpPr>
+        <p:grpSpPr>
+          <a:xfrm>
+            <a:off x="784430" y="1559957"/>
+            <a:ext cx="10695464" cy="2702631"/>
+            <a:chOff x="6338829" y="2452629"/>
+            <a:chExt cx="10695464" cy="2702631"/>
+          </a:xfrm>
+        </p:grpSpPr>
+        <p:sp>
+          <p:nvSpPr>
+            <p:cNvPr id="26" name="橢圓 25">
+              <a:extLst>
+                <a:ext uri="{FF2B5EF4-FFF2-40B4-BE49-F238E27FC236}">
+                  <a16:creationId xmlns:a16="http://schemas.microsoft.com/office/drawing/2014/main" id="{479BD92F-1564-45ED-AADB-BE99B79E8543}"/>
+                </a:ext>
+              </a:extLst>
+            </p:cNvPr>
+            <p:cNvSpPr/>
+            <p:nvPr/>
+          </p:nvSpPr>
+          <p:spPr>
+            <a:xfrm>
+              <a:off x="6338829" y="2452629"/>
+              <a:ext cx="450000" cy="450000"/>
+            </a:xfrm>
+            <a:prstGeom prst="ellipse">
+              <a:avLst/>
+            </a:prstGeom>
+            <a:solidFill>
+              <a:schemeClr val="bg1">
+                <a:lumMod val="95000"/>
+              </a:schemeClr>
+            </a:solidFill>
+            <a:ln>
+              <a:noFill/>
+            </a:ln>
+          </p:spPr>
+          <p:style>
+            <a:lnRef idx="2">
+              <a:schemeClr val="accent1">
+                <a:shade val="50000"/>
+              </a:schemeClr>
+            </a:lnRef>
+            <a:fillRef idx="1">
+              <a:schemeClr val="accent1"/>
+            </a:fillRef>
+            <a:effectRef idx="0">
+              <a:schemeClr val="accent1"/>
+            </a:effectRef>
+            <a:fontRef idx="minor">
+              <a:schemeClr val="lt1"/>
+            </a:fontRef>
+          </p:style>
+          <p:txBody>
+            <a:bodyPr rtlCol="0" anchor="ctr"/>
+            <a:lstStyle/>
+            <a:p>
+              <a:pPr algn="ctr"/>
+              <a:endParaRPr lang="zh-TW" altLang="en-US" sz="1100" dirty="0"/>
+            </a:p>
+          </p:txBody>
+        </p:sp>
+        <p:sp>
+          <p:nvSpPr>
+            <p:cNvPr id="27" name="文字方塊 26">
+              <a:extLst>
+                <a:ext uri="{FF2B5EF4-FFF2-40B4-BE49-F238E27FC236}">
+                  <a16:creationId xmlns:a16="http://schemas.microsoft.com/office/drawing/2014/main" id="{BF591B43-4025-4297-9181-D6953CBDC68F}"/>
+                </a:ext>
+              </a:extLst>
+            </p:cNvPr>
+            <p:cNvSpPr txBox="1"/>
+            <p:nvPr/>
+          </p:nvSpPr>
+          <p:spPr>
+            <a:xfrm>
+              <a:off x="6348354" y="2477604"/>
+              <a:ext cx="10685939" cy="2677656"/>
+            </a:xfrm>
+            <a:prstGeom prst="rect">
+              <a:avLst/>
+            </a:prstGeom>
+            <a:noFill/>
+          </p:spPr>
+          <p:txBody>
+            <a:bodyPr wrap="none" rtlCol="0">
+              <a:spAutoFit/>
+            </a:bodyPr>
+            <a:lstStyle/>
+            <a:p>
+              <a:pPr fontAlgn="base">
+                <a:spcBef>
+                  <a:spcPct val="0"/>
+                </a:spcBef>
+                <a:spcAft>
+                  <a:spcPct val="0"/>
+                </a:spcAft>
+              </a:pPr>
+              <a:r>
+                <a:rPr lang="en-US" altLang="zh-TW" sz="2400" b="1" dirty="0">
+                  <a:solidFill>
+                    <a:srgbClr val="A466D8"/>
+                  </a:solidFill>
+                  <a:latin typeface="Arial" panose="020B0604020202020204" pitchFamily="34" charset="0"/>
+                </a:rPr>
+                <a:t>Python</a:t>
+              </a:r>
+              <a:r>
+                <a:rPr lang="zh-TW" altLang="en-US" sz="2400" b="1" dirty="0">
+                  <a:solidFill>
+                    <a:srgbClr val="A466D8"/>
+                  </a:solidFill>
+                  <a:latin typeface="Arial" panose="020B0604020202020204" pitchFamily="34" charset="0"/>
+                </a:rPr>
+                <a:t>入門指南</a:t>
+              </a:r>
+              <a:endParaRPr lang="en-US" altLang="zh-TW" sz="2000" b="1" dirty="0">
+                <a:solidFill>
+                  <a:schemeClr val="tx1">
+                    <a:lumMod val="85000"/>
+                    <a:lumOff val="15000"/>
+                  </a:schemeClr>
+                </a:solidFill>
+                <a:latin typeface="Arial" panose="020B0604020202020204" pitchFamily="34" charset="0"/>
+              </a:endParaRPr>
+            </a:p>
+            <a:p>
+              <a:r>
+                <a:rPr lang="zh-TW" altLang="en-US" sz="2000" b="1" dirty="0">
+                  <a:solidFill>
+                    <a:schemeClr val="tx1">
+                      <a:lumMod val="85000"/>
+                      <a:lumOff val="15000"/>
+                    </a:schemeClr>
+                  </a:solidFill>
+                  <a:latin typeface="Arial" panose="020B0604020202020204" pitchFamily="34" charset="0"/>
+                </a:rPr>
+                <a:t>系統可提供互動式 </a:t>
+              </a:r>
+              <a:r>
+                <a:rPr lang="en-US" altLang="zh-TW" sz="2000" b="1" dirty="0">
+                  <a:solidFill>
+                    <a:schemeClr val="tx1">
+                      <a:lumMod val="85000"/>
+                      <a:lumOff val="15000"/>
+                    </a:schemeClr>
+                  </a:solidFill>
+                  <a:latin typeface="Arial" panose="020B0604020202020204" pitchFamily="34" charset="0"/>
+                </a:rPr>
+                <a:t>Python </a:t>
+              </a:r>
+              <a:r>
+                <a:rPr lang="zh-TW" altLang="en-US" sz="2000" b="1" dirty="0">
+                  <a:solidFill>
+                    <a:schemeClr val="tx1">
+                      <a:lumMod val="85000"/>
+                      <a:lumOff val="15000"/>
+                    </a:schemeClr>
+                  </a:solidFill>
+                  <a:latin typeface="Arial" panose="020B0604020202020204" pitchFamily="34" charset="0"/>
+                </a:rPr>
+                <a:t>新手教學模式，包含語法介紹、即時範例、錯誤提示與小練習題。</a:t>
+              </a:r>
+              <a:endParaRPr lang="en-US" altLang="zh-TW" sz="2000" b="1" dirty="0">
+                <a:solidFill>
+                  <a:schemeClr val="tx1">
+                    <a:lumMod val="85000"/>
+                    <a:lumOff val="15000"/>
+                  </a:schemeClr>
+                </a:solidFill>
+                <a:latin typeface="Arial" panose="020B0604020202020204" pitchFamily="34" charset="0"/>
+              </a:endParaRPr>
+            </a:p>
+            <a:p>
+              <a:r>
+                <a:rPr lang="zh-TW" altLang="en-US" sz="2000" b="1" dirty="0">
+                  <a:solidFill>
+                    <a:schemeClr val="tx1">
+                      <a:lumMod val="85000"/>
+                      <a:lumOff val="15000"/>
+                    </a:schemeClr>
+                  </a:solidFill>
+                  <a:latin typeface="Arial" panose="020B0604020202020204" pitchFamily="34" charset="0"/>
+                </a:rPr>
+                <a:t>此功能可降低入門者學習難度，並透過引導式互動提升理解深度，使平台不僅能生成程式，</a:t>
+              </a:r>
+              <a:endParaRPr lang="en-US" altLang="zh-TW" sz="2000" b="1" dirty="0">
+                <a:solidFill>
+                  <a:schemeClr val="tx1">
+                    <a:lumMod val="85000"/>
+                    <a:lumOff val="15000"/>
+                  </a:schemeClr>
+                </a:solidFill>
+                <a:latin typeface="Arial" panose="020B0604020202020204" pitchFamily="34" charset="0"/>
+              </a:endParaRPr>
+            </a:p>
+            <a:p>
+              <a:r>
+                <a:rPr lang="zh-TW" altLang="en-US" sz="2000" b="1" dirty="0">
+                  <a:solidFill>
+                    <a:schemeClr val="tx1">
+                      <a:lumMod val="85000"/>
+                      <a:lumOff val="15000"/>
+                    </a:schemeClr>
+                  </a:solidFill>
+                  <a:latin typeface="Arial" panose="020B0604020202020204" pitchFamily="34" charset="0"/>
+                </a:rPr>
+                <a:t>也能作為學習工具。</a:t>
+              </a:r>
+            </a:p>
+            <a:p>
+              <a:pPr fontAlgn="base">
+                <a:spcBef>
+                  <a:spcPct val="0"/>
+                </a:spcBef>
+                <a:spcAft>
+                  <a:spcPct val="0"/>
+                </a:spcAft>
+              </a:pPr>
+              <a:r>
+                <a:rPr lang="zh-TW" altLang="en-US" sz="2400" b="1" dirty="0">
+                  <a:solidFill>
+                    <a:srgbClr val="A466D8"/>
+                  </a:solidFill>
+                  <a:latin typeface="Arial" panose="020B0604020202020204" pitchFamily="34" charset="0"/>
+                </a:rPr>
+                <a:t>學習資安基本概念</a:t>
+              </a:r>
+              <a:endParaRPr lang="zh-TW" altLang="zh-TW" sz="2400" b="1" dirty="0">
+                <a:solidFill>
+                  <a:srgbClr val="A466D8"/>
+                </a:solidFill>
+                <a:latin typeface="Arial" panose="020B0604020202020204" pitchFamily="34" charset="0"/>
+              </a:endParaRPr>
+            </a:p>
+            <a:p>
+              <a:r>
+                <a:rPr lang="zh-TW" altLang="en-US" sz="2000" b="1" dirty="0">
+                  <a:solidFill>
+                    <a:schemeClr val="tx1">
+                      <a:lumMod val="85000"/>
+                      <a:lumOff val="15000"/>
+                    </a:schemeClr>
+                  </a:solidFill>
+                  <a:latin typeface="Arial" panose="020B0604020202020204" pitchFamily="34" charset="0"/>
+                </a:rPr>
+                <a:t>未來可加入資安基礎教學，例如常見攻擊手法、程式碼安全性原則、輸入驗證機制與安全</a:t>
+              </a:r>
+              <a:endParaRPr lang="en-US" altLang="zh-TW" sz="2000" b="1" dirty="0">
+                <a:solidFill>
+                  <a:schemeClr val="tx1">
+                    <a:lumMod val="85000"/>
+                    <a:lumOff val="15000"/>
+                  </a:schemeClr>
+                </a:solidFill>
+                <a:latin typeface="Arial" panose="020B0604020202020204" pitchFamily="34" charset="0"/>
+              </a:endParaRPr>
+            </a:p>
+            <a:p>
+              <a:r>
+                <a:rPr lang="zh-TW" altLang="en-US" sz="2000" b="1" dirty="0">
+                  <a:solidFill>
+                    <a:schemeClr val="tx1">
+                      <a:lumMod val="85000"/>
+                      <a:lumOff val="15000"/>
+                    </a:schemeClr>
+                  </a:solidFill>
+                  <a:latin typeface="Arial" panose="020B0604020202020204" pitchFamily="34" charset="0"/>
+                </a:rPr>
+                <a:t> </a:t>
+              </a:r>
+              <a:r>
+                <a:rPr lang="en-US" altLang="zh-TW" sz="2000" b="1" dirty="0">
+                  <a:solidFill>
+                    <a:schemeClr val="tx1">
+                      <a:lumMod val="85000"/>
+                      <a:lumOff val="15000"/>
+                    </a:schemeClr>
+                  </a:solidFill>
+                  <a:latin typeface="Arial" panose="020B0604020202020204" pitchFamily="34" charset="0"/>
+                </a:rPr>
+                <a:t>API </a:t>
+              </a:r>
+              <a:r>
+                <a:rPr lang="zh-TW" altLang="en-US" sz="2000" b="1" dirty="0">
+                  <a:solidFill>
+                    <a:schemeClr val="tx1">
+                      <a:lumMod val="85000"/>
+                      <a:lumOff val="15000"/>
+                    </a:schemeClr>
+                  </a:solidFill>
+                  <a:latin typeface="Arial" panose="020B0604020202020204" pitchFamily="34" charset="0"/>
+                </a:rPr>
+                <a:t>使用方式。透過將資安邏輯內建於系統中，可讓使用者在撰寫程式時同步建立安全意識</a:t>
+              </a:r>
+              <a:endParaRPr lang="en-US" altLang="zh-TW" sz="2000" b="1" dirty="0">
+                <a:solidFill>
+                  <a:schemeClr val="tx1">
+                    <a:lumMod val="85000"/>
+                    <a:lumOff val="15000"/>
+                  </a:schemeClr>
+                </a:solidFill>
+                <a:latin typeface="Arial" panose="020B0604020202020204" pitchFamily="34" charset="0"/>
+              </a:endParaRPr>
+            </a:p>
+            <a:p>
+              <a:r>
+                <a:rPr lang="zh-TW" altLang="en-US" sz="2000" b="1" dirty="0">
+                  <a:solidFill>
+                    <a:schemeClr val="tx1">
+                      <a:lumMod val="85000"/>
+                      <a:lumOff val="15000"/>
+                    </a:schemeClr>
+                  </a:solidFill>
+                  <a:latin typeface="Arial" panose="020B0604020202020204" pitchFamily="34" charset="0"/>
+                </a:rPr>
+                <a:t>，提升整體系統生成程式碼的安全標準。</a:t>
+              </a:r>
+            </a:p>
+          </p:txBody>
+        </p:sp>
+      </p:grpSp>
+    </p:spTree>
+    <p:extLst>
+      <p:ext uri="{BB962C8B-B14F-4D97-AF65-F5344CB8AC3E}">
+        <p14:creationId xmlns:p14="http://schemas.microsoft.com/office/powerpoint/2010/main" val="1136262146"/>
+      </p:ext>
+    </p:extLst>
+  </p:cSld>
+  <p:clrMapOvr>
+    <a:masterClrMapping/>
+  </p:clrMapOvr>
+  <p:timing>
+    <p:tnLst>
+      <p:par>
+        <p:cTn id="1" dur="indefinite" restart="never" nodeType="tmRoot">
+          <p:childTnLst>
+            <p:seq concurrent="1" nextAc="seek">
+              <p:cTn id="2" dur="indefinite" nodeType="mainSeq">
+                <p:childTnLst>
+                  <p:par>
+                    <p:cTn id="3" fill="hold">
+                      <p:stCondLst>
+                        <p:cond delay="indefinite"/>
+                        <p:cond evt="onBegin" delay="0">
+                          <p:tn val="2"/>
+                        </p:cond>
+                      </p:stCondLst>
+                      <p:childTnLst>
+                        <p:par>
+                          <p:cTn id="4" fill="hold">
+                            <p:stCondLst>
+                              <p:cond delay="0"/>
+                            </p:stCondLst>
+                            <p:childTnLst>
+                              <p:par>
+                                <p:cTn id="5" presetID="10" presetClass="entr" presetSubtype="0" fill="hold" nodeType="afterEffect">
+                                  <p:stCondLst>
+                                    <p:cond delay="0"/>
+                                  </p:stCondLst>
+                                  <p:childTnLst>
+                                    <p:set>
+                                      <p:cBhvr>
+                                        <p:cTn id="6" dur="1" fill="hold">
+                                          <p:stCondLst>
+                                            <p:cond delay="0"/>
+                                          </p:stCondLst>
+                                        </p:cTn>
+                                        <p:tgtEl>
+                                          <p:spTgt spid="25"/>
+                                        </p:tgtEl>
+                                        <p:attrNameLst>
+                                          <p:attrName>style.visibility</p:attrName>
+                                        </p:attrNameLst>
+                                      </p:cBhvr>
+                                      <p:to>
+                                        <p:strVal val="visible"/>
+                                      </p:to>
+                                    </p:set>
+                                    <p:animEffect transition="in" filter="fade">
+                                      <p:cBhvr>
+                                        <p:cTn id="7" dur="400"/>
+                                        <p:tgtEl>
+                                          <p:spTgt spid="25"/>
+                                        </p:tgtEl>
+                                      </p:cBhvr>
+                                    </p:animEffect>
+                                  </p:childTnLst>
+                                </p:cTn>
+                              </p:par>
+                            </p:childTnLst>
+                          </p:cTn>
+                        </p:par>
+                      </p:childTnLst>
+                    </p:cTn>
+                  </p:par>
+                </p:childTnLst>
+              </p:cTn>
+              <p:prevCondLst>
+                <p:cond evt="onPrev" delay="0">
+                  <p:tgtEl>
+                    <p:sldTgt/>
+                  </p:tgtEl>
+                </p:cond>
+              </p:prevCondLst>
+              <p:nextCondLst>
+                <p:cond evt="onNext" delay="0">
+                  <p:tgtEl>
+                    <p:sldTgt/>
+                  </p:tgtEl>
+                </p:cond>
+              </p:nextCondLst>
+            </p:seq>
+          </p:childTnLst>
+        </p:cTn>
+      </p:par>
+    </p:tnLst>
+  </p:timing>
+</p:sld>
+</file>
+
+<file path=ppt/slides/slide25.xml><?xml version="1.0" encoding="utf-8"?>
+<p:sld xmlns:a="http://schemas.openxmlformats.org/drawingml/2006/main" xmlns:r="http://schemas.openxmlformats.org/officeDocument/2006/relationships" xmlns:p="http://schemas.openxmlformats.org/presentationml/2006/main">
+  <p:cSld>
+    <p:spTree>
+      <p:nvGrpSpPr>
+        <p:cNvPr id="1" name=""/>
+        <p:cNvGrpSpPr/>
+        <p:nvPr/>
+      </p:nvGrpSpPr>
+      <p:grpSpPr>
+        <a:xfrm>
+          <a:off x="0" y="0"/>
+          <a:ext cx="0" cy="0"/>
+          <a:chOff x="0" y="0"/>
+          <a:chExt cx="0" cy="0"/>
+        </a:xfrm>
+      </p:grpSpPr>
+      <p:sp>
+        <p:nvSpPr>
           <p:cNvPr id="2" name="文字方塊 1"/>
           <p:cNvSpPr txBox="1"/>
           <p:nvPr/>

--- a/智慧創新平台/成果/智慧創新平台專題報告.pptx
+++ b/智慧創新平台/成果/智慧創新平台專題報告.pptx
@@ -5,7 +5,7 @@
     <p:sldMasterId id="2147483648" r:id="rId1"/>
   </p:sldMasterIdLst>
   <p:notesMasterIdLst>
-    <p:notesMasterId r:id="rId27"/>
+    <p:notesMasterId r:id="rId30"/>
   </p:notesMasterIdLst>
   <p:sldIdLst>
     <p:sldId id="256" r:id="rId2"/>
@@ -13,26 +13,29 @@
     <p:sldId id="258" r:id="rId4"/>
     <p:sldId id="259" r:id="rId5"/>
     <p:sldId id="281" r:id="rId6"/>
-    <p:sldId id="260" r:id="rId7"/>
-    <p:sldId id="261" r:id="rId8"/>
-    <p:sldId id="282" r:id="rId9"/>
-    <p:sldId id="283" r:id="rId10"/>
-    <p:sldId id="262" r:id="rId11"/>
-    <p:sldId id="263" r:id="rId12"/>
-    <p:sldId id="284" r:id="rId13"/>
-    <p:sldId id="285" r:id="rId14"/>
-    <p:sldId id="286" r:id="rId15"/>
-    <p:sldId id="287" r:id="rId16"/>
-    <p:sldId id="288" r:id="rId17"/>
-    <p:sldId id="264" r:id="rId18"/>
-    <p:sldId id="289" r:id="rId19"/>
-    <p:sldId id="265" r:id="rId20"/>
-    <p:sldId id="290" r:id="rId21"/>
-    <p:sldId id="266" r:id="rId22"/>
-    <p:sldId id="267" r:id="rId23"/>
-    <p:sldId id="291" r:id="rId24"/>
-    <p:sldId id="292" r:id="rId25"/>
-    <p:sldId id="277" r:id="rId26"/>
+    <p:sldId id="293" r:id="rId7"/>
+    <p:sldId id="260" r:id="rId8"/>
+    <p:sldId id="261" r:id="rId9"/>
+    <p:sldId id="282" r:id="rId10"/>
+    <p:sldId id="283" r:id="rId11"/>
+    <p:sldId id="294" r:id="rId12"/>
+    <p:sldId id="295" r:id="rId13"/>
+    <p:sldId id="262" r:id="rId14"/>
+    <p:sldId id="263" r:id="rId15"/>
+    <p:sldId id="284" r:id="rId16"/>
+    <p:sldId id="285" r:id="rId17"/>
+    <p:sldId id="286" r:id="rId18"/>
+    <p:sldId id="287" r:id="rId19"/>
+    <p:sldId id="288" r:id="rId20"/>
+    <p:sldId id="264" r:id="rId21"/>
+    <p:sldId id="289" r:id="rId22"/>
+    <p:sldId id="265" r:id="rId23"/>
+    <p:sldId id="290" r:id="rId24"/>
+    <p:sldId id="266" r:id="rId25"/>
+    <p:sldId id="267" r:id="rId26"/>
+    <p:sldId id="291" r:id="rId27"/>
+    <p:sldId id="292" r:id="rId28"/>
+    <p:sldId id="277" r:id="rId29"/>
   </p:sldIdLst>
   <p:sldSz cx="12192000" cy="6858000"/>
   <p:notesSz cx="6858000" cy="9144000"/>
@@ -221,7 +224,7 @@
           <a:p>
             <a:fld id="{2B234554-A553-41EE-A95F-374B7BB8D315}" type="datetimeFigureOut">
               <a:rPr lang="zh-TW" altLang="en-US" smtClean="0"/>
-              <a:t>2025/12/2</a:t>
+              <a:t>2026/1/7</a:t>
             </a:fld>
             <a:endParaRPr lang="zh-TW" altLang="en-US"/>
           </a:p>
@@ -553,7 +556,7 @@
           <a:p>
             <a:fld id="{F4762463-63C1-4011-958C-1E568B162AA3}" type="slidenum">
               <a:rPr lang="zh-TW" altLang="en-US" smtClean="0"/>
-              <a:t>15</a:t>
+              <a:t>18</a:t>
             </a:fld>
             <a:endParaRPr lang="zh-TW" altLang="en-US"/>
           </a:p>
@@ -637,7 +640,7 @@
           <a:p>
             <a:fld id="{F4762463-63C1-4011-958C-1E568B162AA3}" type="slidenum">
               <a:rPr lang="zh-TW" altLang="en-US" smtClean="0"/>
-              <a:t>16</a:t>
+              <a:t>19</a:t>
             </a:fld>
             <a:endParaRPr lang="zh-TW" altLang="en-US"/>
           </a:p>
@@ -14317,6 +14320,1975 @@
           <a:chExt cx="0" cy="0"/>
         </a:xfrm>
       </p:grpSpPr>
+      <p:sp>
+        <p:nvSpPr>
+          <p:cNvPr id="15" name="矩形 14"/>
+          <p:cNvSpPr/>
+          <p:nvPr/>
+        </p:nvSpPr>
+        <p:spPr>
+          <a:xfrm>
+            <a:off x="11035311" y="374983"/>
+            <a:ext cx="833883" cy="646331"/>
+          </a:xfrm>
+          <a:prstGeom prst="rect">
+            <a:avLst/>
+          </a:prstGeom>
+        </p:spPr>
+        <p:txBody>
+          <a:bodyPr wrap="none">
+            <a:spAutoFit/>
+          </a:bodyPr>
+          <a:lstStyle/>
+          <a:p>
+            <a:pPr algn="r"/>
+            <a:r>
+              <a:rPr lang="en-US" altLang="zh-TW" sz="3600" b="1" dirty="0">
+                <a:solidFill>
+                  <a:srgbClr val="FFFFFF"/>
+                </a:solidFill>
+                <a:effectLst>
+                  <a:outerShdw blurRad="38100" dist="38100" dir="2700000" algn="tl">
+                    <a:srgbClr val="000000">
+                      <a:alpha val="43137"/>
+                    </a:srgbClr>
+                  </a:outerShdw>
+                </a:effectLst>
+              </a:rPr>
+              <a:t>API</a:t>
+            </a:r>
+            <a:endParaRPr lang="zh-TW" altLang="en-US" sz="3600" b="1" dirty="0">
+              <a:solidFill>
+                <a:srgbClr val="FFFFFF"/>
+              </a:solidFill>
+              <a:effectLst>
+                <a:outerShdw blurRad="38100" dist="38100" dir="2700000" algn="tl">
+                  <a:srgbClr val="000000">
+                    <a:alpha val="43137"/>
+                  </a:srgbClr>
+                </a:outerShdw>
+              </a:effectLst>
+            </a:endParaRPr>
+          </a:p>
+        </p:txBody>
+      </p:sp>
+      <p:grpSp>
+        <p:nvGrpSpPr>
+          <p:cNvPr id="8" name="群組 7">
+            <a:extLst>
+              <a:ext uri="{FF2B5EF4-FFF2-40B4-BE49-F238E27FC236}">
+                <a16:creationId xmlns:a16="http://schemas.microsoft.com/office/drawing/2014/main" id="{B00C3B08-55F0-43FE-8D45-2C554FF04F80}"/>
+              </a:ext>
+            </a:extLst>
+          </p:cNvPr>
+          <p:cNvGrpSpPr/>
+          <p:nvPr/>
+        </p:nvGrpSpPr>
+        <p:grpSpPr>
+          <a:xfrm>
+            <a:off x="707807" y="1789518"/>
+            <a:ext cx="10966371" cy="3564405"/>
+            <a:chOff x="6338829" y="2452629"/>
+            <a:chExt cx="10966371" cy="3564405"/>
+          </a:xfrm>
+        </p:grpSpPr>
+        <p:sp>
+          <p:nvSpPr>
+            <p:cNvPr id="9" name="橢圓 8">
+              <a:extLst>
+                <a:ext uri="{FF2B5EF4-FFF2-40B4-BE49-F238E27FC236}">
+                  <a16:creationId xmlns:a16="http://schemas.microsoft.com/office/drawing/2014/main" id="{30122278-F9F0-4F74-9B24-51D0D2BA6549}"/>
+                </a:ext>
+              </a:extLst>
+            </p:cNvPr>
+            <p:cNvSpPr/>
+            <p:nvPr/>
+          </p:nvSpPr>
+          <p:spPr>
+            <a:xfrm>
+              <a:off x="6338829" y="2452629"/>
+              <a:ext cx="450000" cy="450000"/>
+            </a:xfrm>
+            <a:prstGeom prst="ellipse">
+              <a:avLst/>
+            </a:prstGeom>
+            <a:solidFill>
+              <a:schemeClr val="bg1">
+                <a:lumMod val="95000"/>
+              </a:schemeClr>
+            </a:solidFill>
+            <a:ln>
+              <a:noFill/>
+            </a:ln>
+          </p:spPr>
+          <p:style>
+            <a:lnRef idx="2">
+              <a:schemeClr val="accent1">
+                <a:shade val="50000"/>
+              </a:schemeClr>
+            </a:lnRef>
+            <a:fillRef idx="1">
+              <a:schemeClr val="accent1"/>
+            </a:fillRef>
+            <a:effectRef idx="0">
+              <a:schemeClr val="accent1"/>
+            </a:effectRef>
+            <a:fontRef idx="minor">
+              <a:schemeClr val="lt1"/>
+            </a:fontRef>
+          </p:style>
+          <p:txBody>
+            <a:bodyPr rtlCol="0" anchor="ctr"/>
+            <a:lstStyle/>
+            <a:p>
+              <a:pPr algn="ctr"/>
+              <a:endParaRPr lang="zh-TW" altLang="en-US" dirty="0"/>
+            </a:p>
+          </p:txBody>
+        </p:sp>
+        <p:sp>
+          <p:nvSpPr>
+            <p:cNvPr id="10" name="文字方塊 9">
+              <a:extLst>
+                <a:ext uri="{FF2B5EF4-FFF2-40B4-BE49-F238E27FC236}">
+                  <a16:creationId xmlns:a16="http://schemas.microsoft.com/office/drawing/2014/main" id="{93E31F15-D162-4465-952A-C58AA31DAD72}"/>
+                </a:ext>
+              </a:extLst>
+            </p:cNvPr>
+            <p:cNvSpPr txBox="1"/>
+            <p:nvPr/>
+          </p:nvSpPr>
+          <p:spPr>
+            <a:xfrm>
+              <a:off x="6348354" y="2477604"/>
+              <a:ext cx="10956846" cy="3539430"/>
+            </a:xfrm>
+            <a:prstGeom prst="rect">
+              <a:avLst/>
+            </a:prstGeom>
+            <a:noFill/>
+          </p:spPr>
+          <p:txBody>
+            <a:bodyPr wrap="none" rtlCol="0">
+              <a:spAutoFit/>
+            </a:bodyPr>
+            <a:lstStyle/>
+            <a:p>
+              <a:r>
+                <a:rPr lang="zh-TW" altLang="en-US" sz="2800" b="1" dirty="0">
+                  <a:solidFill>
+                    <a:schemeClr val="tx1">
+                      <a:lumMod val="50000"/>
+                      <a:lumOff val="50000"/>
+                    </a:schemeClr>
+                  </a:solidFill>
+                </a:rPr>
+                <a:t>本系統主要整合兩大 </a:t>
+              </a:r>
+              <a:r>
+                <a:rPr lang="en-US" altLang="zh-TW" sz="2800" b="1" dirty="0">
+                  <a:solidFill>
+                    <a:schemeClr val="tx1">
+                      <a:lumMod val="50000"/>
+                      <a:lumOff val="50000"/>
+                    </a:schemeClr>
+                  </a:solidFill>
+                </a:rPr>
+                <a:t>API </a:t>
+              </a:r>
+              <a:r>
+                <a:rPr lang="zh-TW" altLang="en-US" sz="2800" b="1" dirty="0">
+                  <a:solidFill>
+                    <a:schemeClr val="tx1">
+                      <a:lumMod val="50000"/>
+                      <a:lumOff val="50000"/>
+                    </a:schemeClr>
+                  </a:solidFill>
+                </a:rPr>
+                <a:t>以實現智慧程式碼生成與執行功能。</a:t>
+              </a:r>
+              <a:endParaRPr lang="en-US" altLang="zh-TW" sz="2800" b="1" dirty="0">
+                <a:solidFill>
+                  <a:schemeClr val="tx1">
+                    <a:lumMod val="50000"/>
+                    <a:lumOff val="50000"/>
+                  </a:schemeClr>
+                </a:solidFill>
+              </a:endParaRPr>
+            </a:p>
+            <a:p>
+              <a:r>
+                <a:rPr lang="zh-TW" altLang="en-US" sz="2800" b="1" dirty="0">
+                  <a:solidFill>
+                    <a:schemeClr val="tx1">
+                      <a:lumMod val="50000"/>
+                      <a:lumOff val="50000"/>
+                    </a:schemeClr>
+                  </a:solidFill>
+                </a:rPr>
+                <a:t>首先，</a:t>
+              </a:r>
+              <a:r>
+                <a:rPr lang="en-US" altLang="zh-TW" sz="2800" b="1" dirty="0" err="1">
+                  <a:solidFill>
+                    <a:schemeClr val="tx1">
+                      <a:lumMod val="50000"/>
+                      <a:lumOff val="50000"/>
+                    </a:schemeClr>
+                  </a:solidFill>
+                </a:rPr>
+                <a:t>OpenAI</a:t>
+              </a:r>
+              <a:r>
+                <a:rPr lang="en-US" altLang="zh-TW" sz="2800" b="1" dirty="0">
+                  <a:solidFill>
+                    <a:schemeClr val="tx1">
+                      <a:lumMod val="50000"/>
+                      <a:lumOff val="50000"/>
+                    </a:schemeClr>
+                  </a:solidFill>
+                </a:rPr>
+                <a:t> API </a:t>
+              </a:r>
+              <a:r>
+                <a:rPr lang="zh-TW" altLang="en-US" sz="2800" b="1" dirty="0">
+                  <a:solidFill>
+                    <a:schemeClr val="tx1">
+                      <a:lumMod val="50000"/>
+                      <a:lumOff val="50000"/>
+                    </a:schemeClr>
+                  </a:solidFill>
+                </a:rPr>
+                <a:t>用於分析使用者需求、選擇合適模板，並生</a:t>
+              </a:r>
+              <a:endParaRPr lang="en-US" altLang="zh-TW" sz="2800" b="1" dirty="0">
+                <a:solidFill>
+                  <a:schemeClr val="tx1">
+                    <a:lumMod val="50000"/>
+                    <a:lumOff val="50000"/>
+                  </a:schemeClr>
+                </a:solidFill>
+              </a:endParaRPr>
+            </a:p>
+            <a:p>
+              <a:r>
+                <a:rPr lang="zh-TW" altLang="en-US" sz="2800" b="1" dirty="0">
+                  <a:solidFill>
+                    <a:schemeClr val="tx1">
+                      <a:lumMod val="50000"/>
+                      <a:lumOff val="50000"/>
+                    </a:schemeClr>
+                  </a:solidFill>
+                </a:rPr>
+                <a:t>成完整程式碼，同時提供時間與空間複雜度分析以及簡明的程</a:t>
+              </a:r>
+              <a:endParaRPr lang="en-US" altLang="zh-TW" sz="2800" b="1" dirty="0">
+                <a:solidFill>
+                  <a:schemeClr val="tx1">
+                    <a:lumMod val="50000"/>
+                    <a:lumOff val="50000"/>
+                  </a:schemeClr>
+                </a:solidFill>
+              </a:endParaRPr>
+            </a:p>
+            <a:p>
+              <a:r>
+                <a:rPr lang="zh-TW" altLang="en-US" sz="2800" b="1" dirty="0">
+                  <a:solidFill>
+                    <a:schemeClr val="tx1">
+                      <a:lumMod val="50000"/>
+                      <a:lumOff val="50000"/>
+                    </a:schemeClr>
+                  </a:solidFill>
+                </a:rPr>
+                <a:t>式優化建議。此外，</a:t>
+              </a:r>
+              <a:r>
+                <a:rPr lang="en-US" altLang="zh-TW" sz="2800" b="1" dirty="0" err="1">
+                  <a:solidFill>
+                    <a:schemeClr val="tx1">
+                      <a:lumMod val="50000"/>
+                      <a:lumOff val="50000"/>
+                    </a:schemeClr>
+                  </a:solidFill>
+                </a:rPr>
+                <a:t>OpenAI</a:t>
+              </a:r>
+              <a:r>
+                <a:rPr lang="en-US" altLang="zh-TW" sz="2800" b="1" dirty="0">
+                  <a:solidFill>
+                    <a:schemeClr val="tx1">
+                      <a:lumMod val="50000"/>
+                      <a:lumOff val="50000"/>
+                    </a:schemeClr>
+                  </a:solidFill>
+                </a:rPr>
+                <a:t> API </a:t>
+              </a:r>
+              <a:r>
+                <a:rPr lang="zh-TW" altLang="en-US" sz="2800" b="1" dirty="0">
+                  <a:solidFill>
+                    <a:schemeClr val="tx1">
+                      <a:lumMod val="50000"/>
+                      <a:lumOff val="50000"/>
+                    </a:schemeClr>
+                  </a:solidFill>
+                </a:rPr>
+                <a:t>還可模擬程式執行結果，幫助</a:t>
+              </a:r>
+              <a:endParaRPr lang="en-US" altLang="zh-TW" sz="2800" b="1" dirty="0">
+                <a:solidFill>
+                  <a:schemeClr val="tx1">
+                    <a:lumMod val="50000"/>
+                    <a:lumOff val="50000"/>
+                  </a:schemeClr>
+                </a:solidFill>
+              </a:endParaRPr>
+            </a:p>
+            <a:p>
+              <a:r>
+                <a:rPr lang="zh-TW" altLang="en-US" sz="2800" b="1" dirty="0">
+                  <a:solidFill>
+                    <a:schemeClr val="tx1">
+                      <a:lumMod val="50000"/>
+                      <a:lumOff val="50000"/>
+                    </a:schemeClr>
+                  </a:solidFill>
+                </a:rPr>
+                <a:t>使用者預覽程式運行狀態。其次，</a:t>
+              </a:r>
+              <a:r>
+                <a:rPr lang="en-US" altLang="zh-TW" sz="2800" b="1" dirty="0" err="1">
+                  <a:solidFill>
+                    <a:schemeClr val="tx1">
+                      <a:lumMod val="50000"/>
+                      <a:lumOff val="50000"/>
+                    </a:schemeClr>
+                  </a:solidFill>
+                </a:rPr>
+                <a:t>JDoodle</a:t>
+              </a:r>
+              <a:r>
+                <a:rPr lang="en-US" altLang="zh-TW" sz="2800" b="1" dirty="0">
+                  <a:solidFill>
+                    <a:schemeClr val="tx1">
+                      <a:lumMod val="50000"/>
+                      <a:lumOff val="50000"/>
+                    </a:schemeClr>
+                  </a:solidFill>
+                </a:rPr>
+                <a:t> API </a:t>
+              </a:r>
+              <a:r>
+                <a:rPr lang="zh-TW" altLang="en-US" sz="2800" b="1" dirty="0">
+                  <a:solidFill>
+                    <a:schemeClr val="tx1">
+                      <a:lumMod val="50000"/>
+                      <a:lumOff val="50000"/>
+                    </a:schemeClr>
+                  </a:solidFill>
+                </a:rPr>
+                <a:t>負責將生成程式</a:t>
+              </a:r>
+              <a:endParaRPr lang="en-US" altLang="zh-TW" sz="2800" b="1" dirty="0">
+                <a:solidFill>
+                  <a:schemeClr val="tx1">
+                    <a:lumMod val="50000"/>
+                    <a:lumOff val="50000"/>
+                  </a:schemeClr>
+                </a:solidFill>
+              </a:endParaRPr>
+            </a:p>
+            <a:p>
+              <a:r>
+                <a:rPr lang="zh-TW" altLang="en-US" sz="2800" b="1" dirty="0">
+                  <a:solidFill>
+                    <a:schemeClr val="tx1">
+                      <a:lumMod val="50000"/>
+                      <a:lumOff val="50000"/>
+                    </a:schemeClr>
+                  </a:solidFill>
+                </a:rPr>
+                <a:t>碼實際執行，回傳真實測試輸出結果，確保程式碼能正確運作</a:t>
+              </a:r>
+              <a:endParaRPr lang="en-US" altLang="zh-TW" sz="2800" b="1" dirty="0">
+                <a:solidFill>
+                  <a:schemeClr val="tx1">
+                    <a:lumMod val="50000"/>
+                    <a:lumOff val="50000"/>
+                  </a:schemeClr>
+                </a:solidFill>
+              </a:endParaRPr>
+            </a:p>
+            <a:p>
+              <a:r>
+                <a:rPr lang="zh-TW" altLang="en-US" sz="2800" b="1" dirty="0">
+                  <a:solidFill>
+                    <a:schemeClr val="tx1">
+                      <a:lumMod val="50000"/>
+                      <a:lumOff val="50000"/>
+                    </a:schemeClr>
+                  </a:solidFill>
+                </a:rPr>
+                <a:t>。透過這兩個 </a:t>
+              </a:r>
+              <a:r>
+                <a:rPr lang="en-US" altLang="zh-TW" sz="2800" b="1" dirty="0">
+                  <a:solidFill>
+                    <a:schemeClr val="tx1">
+                      <a:lumMod val="50000"/>
+                      <a:lumOff val="50000"/>
+                    </a:schemeClr>
+                  </a:solidFill>
+                </a:rPr>
+                <a:t>API </a:t>
+              </a:r>
+              <a:r>
+                <a:rPr lang="zh-TW" altLang="en-US" sz="2800" b="1" dirty="0">
+                  <a:solidFill>
+                    <a:schemeClr val="tx1">
+                      <a:lumMod val="50000"/>
+                      <a:lumOff val="50000"/>
+                    </a:schemeClr>
+                  </a:solidFill>
+                </a:rPr>
+                <a:t>的結合，系統能夠自動化從需求分析到程式</a:t>
+              </a:r>
+              <a:endParaRPr lang="en-US" altLang="zh-TW" sz="2800" b="1" dirty="0">
+                <a:solidFill>
+                  <a:schemeClr val="tx1">
+                    <a:lumMod val="50000"/>
+                    <a:lumOff val="50000"/>
+                  </a:schemeClr>
+                </a:solidFill>
+              </a:endParaRPr>
+            </a:p>
+            <a:p>
+              <a:r>
+                <a:rPr lang="zh-TW" altLang="en-US" sz="2800" b="1" dirty="0">
+                  <a:solidFill>
+                    <a:schemeClr val="tx1">
+                      <a:lumMod val="50000"/>
+                      <a:lumOff val="50000"/>
+                    </a:schemeClr>
+                  </a:solidFill>
+                </a:rPr>
+                <a:t>生成，再到測試執行的完整流程，大幅提升開發效率與使用者體驗。</a:t>
+              </a:r>
+            </a:p>
+          </p:txBody>
+        </p:sp>
+      </p:grpSp>
+      <p:sp>
+        <p:nvSpPr>
+          <p:cNvPr id="11" name="矩形 10">
+            <a:extLst>
+              <a:ext uri="{FF2B5EF4-FFF2-40B4-BE49-F238E27FC236}">
+                <a16:creationId xmlns:a16="http://schemas.microsoft.com/office/drawing/2014/main" id="{F31BC870-AABC-44BA-B64C-5BB5EDAD63EB}"/>
+              </a:ext>
+            </a:extLst>
+          </p:cNvPr>
+          <p:cNvSpPr/>
+          <p:nvPr/>
+        </p:nvSpPr>
+        <p:spPr>
+          <a:xfrm>
+            <a:off x="2424899" y="5746992"/>
+            <a:ext cx="7342203" cy="400110"/>
+          </a:xfrm>
+          <a:prstGeom prst="rect">
+            <a:avLst/>
+          </a:prstGeom>
+        </p:spPr>
+        <p:txBody>
+          <a:bodyPr wrap="none">
+            <a:spAutoFit/>
+          </a:bodyPr>
+          <a:lstStyle/>
+          <a:p>
+            <a:r>
+              <a:rPr lang="zh-TW" altLang="en-US" sz="2000" b="1" dirty="0">
+                <a:solidFill>
+                  <a:srgbClr val="F8B70C"/>
+                </a:solidFill>
+                <a:latin typeface="Arial" panose="020B0604020202020204" pitchFamily="34" charset="0"/>
+              </a:rPr>
+              <a:t>系統整合前後端與 </a:t>
+            </a:r>
+            <a:r>
+              <a:rPr lang="en-US" altLang="zh-TW" sz="2000" b="1" dirty="0">
+                <a:solidFill>
+                  <a:srgbClr val="F8B70C"/>
+                </a:solidFill>
+                <a:latin typeface="Arial" panose="020B0604020202020204" pitchFamily="34" charset="0"/>
+              </a:rPr>
+              <a:t>API</a:t>
+            </a:r>
+            <a:r>
+              <a:rPr lang="zh-TW" altLang="en-US" sz="2000" b="1" dirty="0">
+                <a:solidFill>
+                  <a:srgbClr val="F8B70C"/>
+                </a:solidFill>
+                <a:latin typeface="Arial" panose="020B0604020202020204" pitchFamily="34" charset="0"/>
+              </a:rPr>
+              <a:t>，自動生成程式碼並提供分析與執行結果</a:t>
+            </a:r>
+          </a:p>
+        </p:txBody>
+      </p:sp>
+    </p:spTree>
+    <p:extLst>
+      <p:ext uri="{BB962C8B-B14F-4D97-AF65-F5344CB8AC3E}">
+        <p14:creationId xmlns:p14="http://schemas.microsoft.com/office/powerpoint/2010/main" val="1086093454"/>
+      </p:ext>
+    </p:extLst>
+  </p:cSld>
+  <p:clrMapOvr>
+    <a:masterClrMapping/>
+  </p:clrMapOvr>
+  <p:timing>
+    <p:tnLst>
+      <p:par>
+        <p:cTn id="1" dur="indefinite" restart="never" nodeType="tmRoot">
+          <p:childTnLst>
+            <p:seq concurrent="1" nextAc="seek">
+              <p:cTn id="2" dur="indefinite" nodeType="mainSeq">
+                <p:childTnLst>
+                  <p:par>
+                    <p:cTn id="3" fill="hold">
+                      <p:stCondLst>
+                        <p:cond delay="indefinite"/>
+                        <p:cond evt="onBegin" delay="0">
+                          <p:tn val="2"/>
+                        </p:cond>
+                      </p:stCondLst>
+                      <p:childTnLst>
+                        <p:par>
+                          <p:cTn id="4" fill="hold">
+                            <p:stCondLst>
+                              <p:cond delay="0"/>
+                            </p:stCondLst>
+                            <p:childTnLst>
+                              <p:par>
+                                <p:cTn id="5" presetID="10" presetClass="entr" presetSubtype="0" fill="hold" nodeType="afterEffect">
+                                  <p:stCondLst>
+                                    <p:cond delay="0"/>
+                                  </p:stCondLst>
+                                  <p:childTnLst>
+                                    <p:set>
+                                      <p:cBhvr>
+                                        <p:cTn id="6" dur="1" fill="hold">
+                                          <p:stCondLst>
+                                            <p:cond delay="0"/>
+                                          </p:stCondLst>
+                                        </p:cTn>
+                                        <p:tgtEl>
+                                          <p:spTgt spid="8"/>
+                                        </p:tgtEl>
+                                        <p:attrNameLst>
+                                          <p:attrName>style.visibility</p:attrName>
+                                        </p:attrNameLst>
+                                      </p:cBhvr>
+                                      <p:to>
+                                        <p:strVal val="visible"/>
+                                      </p:to>
+                                    </p:set>
+                                    <p:animEffect transition="in" filter="fade">
+                                      <p:cBhvr>
+                                        <p:cTn id="7" dur="400"/>
+                                        <p:tgtEl>
+                                          <p:spTgt spid="8"/>
+                                        </p:tgtEl>
+                                      </p:cBhvr>
+                                    </p:animEffect>
+                                  </p:childTnLst>
+                                </p:cTn>
+                              </p:par>
+                            </p:childTnLst>
+                          </p:cTn>
+                        </p:par>
+                        <p:par>
+                          <p:cTn id="8" fill="hold">
+                            <p:stCondLst>
+                              <p:cond delay="400"/>
+                            </p:stCondLst>
+                            <p:childTnLst>
+                              <p:par>
+                                <p:cTn id="9" presetID="10" presetClass="entr" presetSubtype="0" fill="hold" grpId="0" nodeType="afterEffect">
+                                  <p:stCondLst>
+                                    <p:cond delay="0"/>
+                                  </p:stCondLst>
+                                  <p:childTnLst>
+                                    <p:set>
+                                      <p:cBhvr>
+                                        <p:cTn id="10" dur="1" fill="hold">
+                                          <p:stCondLst>
+                                            <p:cond delay="0"/>
+                                          </p:stCondLst>
+                                        </p:cTn>
+                                        <p:tgtEl>
+                                          <p:spTgt spid="11"/>
+                                        </p:tgtEl>
+                                        <p:attrNameLst>
+                                          <p:attrName>style.visibility</p:attrName>
+                                        </p:attrNameLst>
+                                      </p:cBhvr>
+                                      <p:to>
+                                        <p:strVal val="visible"/>
+                                      </p:to>
+                                    </p:set>
+                                    <p:animEffect transition="in" filter="fade">
+                                      <p:cBhvr>
+                                        <p:cTn id="11" dur="400"/>
+                                        <p:tgtEl>
+                                          <p:spTgt spid="11"/>
+                                        </p:tgtEl>
+                                      </p:cBhvr>
+                                    </p:animEffect>
+                                  </p:childTnLst>
+                                </p:cTn>
+                              </p:par>
+                            </p:childTnLst>
+                          </p:cTn>
+                        </p:par>
+                      </p:childTnLst>
+                    </p:cTn>
+                  </p:par>
+                </p:childTnLst>
+              </p:cTn>
+              <p:prevCondLst>
+                <p:cond evt="onPrev" delay="0">
+                  <p:tgtEl>
+                    <p:sldTgt/>
+                  </p:tgtEl>
+                </p:cond>
+              </p:prevCondLst>
+              <p:nextCondLst>
+                <p:cond evt="onNext" delay="0">
+                  <p:tgtEl>
+                    <p:sldTgt/>
+                  </p:tgtEl>
+                </p:cond>
+              </p:nextCondLst>
+            </p:seq>
+          </p:childTnLst>
+        </p:cTn>
+      </p:par>
+    </p:tnLst>
+    <p:bldLst>
+      <p:bldP spid="11" grpId="0"/>
+    </p:bldLst>
+  </p:timing>
+</p:sld>
+</file>
+
+<file path=ppt/slides/slide11.xml><?xml version="1.0" encoding="utf-8"?>
+<p:sld xmlns:a="http://schemas.openxmlformats.org/drawingml/2006/main" xmlns:r="http://schemas.openxmlformats.org/officeDocument/2006/relationships" xmlns:p="http://schemas.openxmlformats.org/presentationml/2006/main">
+  <p:cSld>
+    <p:spTree>
+      <p:nvGrpSpPr>
+        <p:cNvPr id="1" name=""/>
+        <p:cNvGrpSpPr/>
+        <p:nvPr/>
+      </p:nvGrpSpPr>
+      <p:grpSpPr>
+        <a:xfrm>
+          <a:off x="0" y="0"/>
+          <a:ext cx="0" cy="0"/>
+          <a:chOff x="0" y="0"/>
+          <a:chExt cx="0" cy="0"/>
+        </a:xfrm>
+      </p:grpSpPr>
+      <p:sp>
+        <p:nvSpPr>
+          <p:cNvPr id="2" name="矩形 1">
+            <a:extLst>
+              <a:ext uri="{FF2B5EF4-FFF2-40B4-BE49-F238E27FC236}">
+                <a16:creationId xmlns:a16="http://schemas.microsoft.com/office/drawing/2014/main" id="{36FC586C-AFAD-422A-BF90-547448C8F023}"/>
+              </a:ext>
+            </a:extLst>
+          </p:cNvPr>
+          <p:cNvSpPr/>
+          <p:nvPr/>
+        </p:nvSpPr>
+        <p:spPr>
+          <a:xfrm>
+            <a:off x="9837869" y="374983"/>
+            <a:ext cx="2031325" cy="646331"/>
+          </a:xfrm>
+          <a:prstGeom prst="rect">
+            <a:avLst/>
+          </a:prstGeom>
+        </p:spPr>
+        <p:txBody>
+          <a:bodyPr wrap="none">
+            <a:spAutoFit/>
+          </a:bodyPr>
+          <a:lstStyle/>
+          <a:p>
+            <a:pPr algn="r"/>
+            <a:r>
+              <a:rPr lang="zh-TW" altLang="en-US" sz="3600" b="1" dirty="0">
+                <a:solidFill>
+                  <a:srgbClr val="FFFFFF"/>
+                </a:solidFill>
+                <a:effectLst>
+                  <a:outerShdw blurRad="38100" dist="38100" dir="2700000" algn="tl">
+                    <a:srgbClr val="000000">
+                      <a:alpha val="43137"/>
+                    </a:srgbClr>
+                  </a:outerShdw>
+                </a:effectLst>
+              </a:rPr>
+              <a:t>執行結果</a:t>
+            </a:r>
+          </a:p>
+        </p:txBody>
+      </p:sp>
+      <p:pic>
+        <p:nvPicPr>
+          <p:cNvPr id="5" name="圖片 4">
+            <a:extLst>
+              <a:ext uri="{FF2B5EF4-FFF2-40B4-BE49-F238E27FC236}">
+                <a16:creationId xmlns:a16="http://schemas.microsoft.com/office/drawing/2014/main" id="{47ABAA8A-2649-4EF0-9257-439B4B76AF62}"/>
+              </a:ext>
+            </a:extLst>
+          </p:cNvPr>
+          <p:cNvPicPr>
+            <a:picLocks noChangeAspect="1"/>
+          </p:cNvPicPr>
+          <p:nvPr/>
+        </p:nvPicPr>
+        <p:blipFill>
+          <a:blip r:embed="rId2"/>
+          <a:stretch>
+            <a:fillRect/>
+          </a:stretch>
+        </p:blipFill>
+        <p:spPr>
+          <a:xfrm>
+            <a:off x="474551" y="1451728"/>
+            <a:ext cx="5280719" cy="4798244"/>
+          </a:xfrm>
+          <a:prstGeom prst="rect">
+            <a:avLst/>
+          </a:prstGeom>
+        </p:spPr>
+      </p:pic>
+      <p:grpSp>
+        <p:nvGrpSpPr>
+          <p:cNvPr id="6" name="群組 5">
+            <a:extLst>
+              <a:ext uri="{FF2B5EF4-FFF2-40B4-BE49-F238E27FC236}">
+                <a16:creationId xmlns:a16="http://schemas.microsoft.com/office/drawing/2014/main" id="{A713C0A8-58FE-463E-9CDB-61F75725B411}"/>
+              </a:ext>
+            </a:extLst>
+          </p:cNvPr>
+          <p:cNvGrpSpPr/>
+          <p:nvPr/>
+        </p:nvGrpSpPr>
+        <p:grpSpPr>
+          <a:xfrm>
+            <a:off x="6096000" y="1780091"/>
+            <a:ext cx="5679667" cy="3564405"/>
+            <a:chOff x="6338829" y="2452629"/>
+            <a:chExt cx="5679667" cy="3564405"/>
+          </a:xfrm>
+        </p:grpSpPr>
+        <p:sp>
+          <p:nvSpPr>
+            <p:cNvPr id="7" name="橢圓 6">
+              <a:extLst>
+                <a:ext uri="{FF2B5EF4-FFF2-40B4-BE49-F238E27FC236}">
+                  <a16:creationId xmlns:a16="http://schemas.microsoft.com/office/drawing/2014/main" id="{A2FDD806-C469-4E35-B7EA-E282417FA84E}"/>
+                </a:ext>
+              </a:extLst>
+            </p:cNvPr>
+            <p:cNvSpPr/>
+            <p:nvPr/>
+          </p:nvSpPr>
+          <p:spPr>
+            <a:xfrm>
+              <a:off x="6338829" y="2452629"/>
+              <a:ext cx="450000" cy="450000"/>
+            </a:xfrm>
+            <a:prstGeom prst="ellipse">
+              <a:avLst/>
+            </a:prstGeom>
+            <a:solidFill>
+              <a:schemeClr val="bg1">
+                <a:lumMod val="95000"/>
+              </a:schemeClr>
+            </a:solidFill>
+            <a:ln>
+              <a:noFill/>
+            </a:ln>
+          </p:spPr>
+          <p:style>
+            <a:lnRef idx="2">
+              <a:schemeClr val="accent1">
+                <a:shade val="50000"/>
+              </a:schemeClr>
+            </a:lnRef>
+            <a:fillRef idx="1">
+              <a:schemeClr val="accent1"/>
+            </a:fillRef>
+            <a:effectRef idx="0">
+              <a:schemeClr val="accent1"/>
+            </a:effectRef>
+            <a:fontRef idx="minor">
+              <a:schemeClr val="lt1"/>
+            </a:fontRef>
+          </p:style>
+          <p:txBody>
+            <a:bodyPr rtlCol="0" anchor="ctr"/>
+            <a:lstStyle/>
+            <a:p>
+              <a:pPr algn="ctr"/>
+              <a:endParaRPr lang="zh-TW" altLang="en-US" dirty="0"/>
+            </a:p>
+          </p:txBody>
+        </p:sp>
+        <p:sp>
+          <p:nvSpPr>
+            <p:cNvPr id="8" name="文字方塊 7">
+              <a:extLst>
+                <a:ext uri="{FF2B5EF4-FFF2-40B4-BE49-F238E27FC236}">
+                  <a16:creationId xmlns:a16="http://schemas.microsoft.com/office/drawing/2014/main" id="{9D237DF6-E247-45F3-8324-CFD7DC38AD16}"/>
+                </a:ext>
+              </a:extLst>
+            </p:cNvPr>
+            <p:cNvSpPr txBox="1"/>
+            <p:nvPr/>
+          </p:nvSpPr>
+          <p:spPr>
+            <a:xfrm>
+              <a:off x="6348354" y="2477604"/>
+              <a:ext cx="5670142" cy="3539430"/>
+            </a:xfrm>
+            <a:prstGeom prst="rect">
+              <a:avLst/>
+            </a:prstGeom>
+            <a:noFill/>
+          </p:spPr>
+          <p:txBody>
+            <a:bodyPr wrap="none" rtlCol="0">
+              <a:spAutoFit/>
+            </a:bodyPr>
+            <a:lstStyle/>
+            <a:p>
+              <a:r>
+                <a:rPr lang="zh-TW" altLang="en-US" sz="2800" b="1" dirty="0">
+                  <a:solidFill>
+                    <a:schemeClr val="tx1">
+                      <a:lumMod val="50000"/>
+                      <a:lumOff val="50000"/>
+                    </a:schemeClr>
+                  </a:solidFill>
+                </a:rPr>
+                <a:t>從上到下的功能分別為</a:t>
+              </a:r>
+              <a:br>
+                <a:rPr lang="en-US" altLang="zh-TW" sz="2800" b="1" dirty="0">
+                  <a:solidFill>
+                    <a:schemeClr val="tx1">
+                      <a:lumMod val="50000"/>
+                      <a:lumOff val="50000"/>
+                    </a:schemeClr>
+                  </a:solidFill>
+                </a:rPr>
+              </a:br>
+              <a:r>
+                <a:rPr lang="zh-TW" altLang="en-US" sz="2800" b="1" dirty="0">
+                  <a:solidFill>
+                    <a:schemeClr val="tx1">
+                      <a:lumMod val="50000"/>
+                      <a:lumOff val="50000"/>
+                    </a:schemeClr>
+                  </a:solidFill>
+                </a:rPr>
+                <a:t>需求描述</a:t>
+              </a:r>
+              <a:r>
+                <a:rPr lang="en-US" altLang="zh-TW" sz="2800" b="1" dirty="0">
+                  <a:solidFill>
+                    <a:schemeClr val="tx1">
+                      <a:lumMod val="50000"/>
+                      <a:lumOff val="50000"/>
+                    </a:schemeClr>
+                  </a:solidFill>
+                </a:rPr>
+                <a:t>:</a:t>
+              </a:r>
+              <a:r>
+                <a:rPr lang="zh-TW" altLang="en-US" sz="2800" b="1" dirty="0">
+                  <a:solidFill>
+                    <a:schemeClr val="tx1">
+                      <a:lumMod val="50000"/>
+                      <a:lumOff val="50000"/>
+                    </a:schemeClr>
+                  </a:solidFill>
+                </a:rPr>
+                <a:t>描述需求</a:t>
+              </a:r>
+              <a:br>
+                <a:rPr lang="en-US" altLang="zh-TW" sz="2800" b="1" dirty="0">
+                  <a:solidFill>
+                    <a:schemeClr val="tx1">
+                      <a:lumMod val="50000"/>
+                      <a:lumOff val="50000"/>
+                    </a:schemeClr>
+                  </a:solidFill>
+                </a:rPr>
+              </a:br>
+              <a:r>
+                <a:rPr lang="zh-TW" altLang="en-US" sz="2800" b="1" dirty="0">
+                  <a:solidFill>
+                    <a:schemeClr val="tx1">
+                      <a:lumMod val="50000"/>
+                      <a:lumOff val="50000"/>
+                    </a:schemeClr>
+                  </a:solidFill>
+                </a:rPr>
+                <a:t>選擇語言</a:t>
+              </a:r>
+              <a:r>
+                <a:rPr lang="en-US" altLang="zh-TW" sz="2800" b="1" dirty="0">
+                  <a:solidFill>
+                    <a:schemeClr val="tx1">
+                      <a:lumMod val="50000"/>
+                      <a:lumOff val="50000"/>
+                    </a:schemeClr>
+                  </a:solidFill>
+                </a:rPr>
+                <a:t>:</a:t>
+              </a:r>
+              <a:r>
+                <a:rPr lang="zh-TW" altLang="en-US" sz="2800" b="1" dirty="0">
+                  <a:solidFill>
+                    <a:schemeClr val="tx1">
+                      <a:lumMod val="50000"/>
+                      <a:lumOff val="50000"/>
+                    </a:schemeClr>
+                  </a:solidFill>
+                </a:rPr>
+                <a:t>讓使用者能有更多選擇</a:t>
+              </a:r>
+              <a:endParaRPr lang="en-US" altLang="zh-TW" sz="2800" b="1" dirty="0">
+                <a:solidFill>
+                  <a:schemeClr val="tx1">
+                    <a:lumMod val="50000"/>
+                    <a:lumOff val="50000"/>
+                  </a:schemeClr>
+                </a:solidFill>
+              </a:endParaRPr>
+            </a:p>
+            <a:p>
+              <a:r>
+                <a:rPr lang="zh-TW" altLang="en-US" sz="2800" b="1" dirty="0">
+                  <a:solidFill>
+                    <a:schemeClr val="tx1">
+                      <a:lumMod val="50000"/>
+                      <a:lumOff val="50000"/>
+                    </a:schemeClr>
+                  </a:solidFill>
+                </a:rPr>
+                <a:t>測試輸入</a:t>
+              </a:r>
+              <a:r>
+                <a:rPr lang="en-US" altLang="zh-TW" sz="2800" b="1" dirty="0">
+                  <a:solidFill>
+                    <a:schemeClr val="tx1">
+                      <a:lumMod val="50000"/>
+                      <a:lumOff val="50000"/>
+                    </a:schemeClr>
+                  </a:solidFill>
+                </a:rPr>
+                <a:t>:</a:t>
+              </a:r>
+              <a:r>
+                <a:rPr lang="zh-TW" altLang="en-US" sz="2800" b="1" dirty="0">
+                  <a:solidFill>
+                    <a:schemeClr val="tx1">
+                      <a:lumMod val="50000"/>
+                      <a:lumOff val="50000"/>
+                    </a:schemeClr>
+                  </a:solidFill>
+                </a:rPr>
+                <a:t>輸入自己想要的測資方便</a:t>
+              </a:r>
+              <a:endParaRPr lang="en-US" altLang="zh-TW" sz="2800" b="1" dirty="0">
+                <a:solidFill>
+                  <a:schemeClr val="tx1">
+                    <a:lumMod val="50000"/>
+                    <a:lumOff val="50000"/>
+                  </a:schemeClr>
+                </a:solidFill>
+              </a:endParaRPr>
+            </a:p>
+            <a:p>
+              <a:r>
+                <a:rPr lang="en-US" altLang="zh-TW" sz="2800" b="1" dirty="0">
+                  <a:solidFill>
+                    <a:schemeClr val="tx1">
+                      <a:lumMod val="50000"/>
+                      <a:lumOff val="50000"/>
+                    </a:schemeClr>
+                  </a:solidFill>
+                </a:rPr>
+                <a:t>	</a:t>
+              </a:r>
+              <a:r>
+                <a:rPr lang="zh-TW" altLang="en-US" sz="2800" b="1" dirty="0">
+                  <a:solidFill>
+                    <a:schemeClr val="tx1">
+                      <a:lumMod val="50000"/>
+                      <a:lumOff val="50000"/>
+                    </a:schemeClr>
+                  </a:solidFill>
+                </a:rPr>
+                <a:t>       驗算以及檢查執行結果</a:t>
+              </a:r>
+              <a:endParaRPr lang="en-US" altLang="zh-TW" sz="2800" b="1" dirty="0">
+                <a:solidFill>
+                  <a:schemeClr val="tx1">
+                    <a:lumMod val="50000"/>
+                    <a:lumOff val="50000"/>
+                  </a:schemeClr>
+                </a:solidFill>
+              </a:endParaRPr>
+            </a:p>
+            <a:p>
+              <a:r>
+                <a:rPr lang="zh-TW" altLang="en-US" sz="2800" b="1" dirty="0">
+                  <a:solidFill>
+                    <a:schemeClr val="tx1">
+                      <a:lumMod val="50000"/>
+                      <a:lumOff val="50000"/>
+                    </a:schemeClr>
+                  </a:solidFill>
+                </a:rPr>
+                <a:t>生成的程式碼</a:t>
+              </a:r>
+              <a:r>
+                <a:rPr lang="en-US" altLang="zh-TW" sz="2800" b="1" dirty="0">
+                  <a:solidFill>
+                    <a:schemeClr val="tx1">
+                      <a:lumMod val="50000"/>
+                      <a:lumOff val="50000"/>
+                    </a:schemeClr>
+                  </a:solidFill>
+                </a:rPr>
+                <a:t>:</a:t>
+              </a:r>
+              <a:r>
+                <a:rPr lang="zh-TW" altLang="en-US" sz="2800" b="1" dirty="0">
+                  <a:solidFill>
+                    <a:schemeClr val="tx1">
+                      <a:lumMod val="50000"/>
+                      <a:lumOff val="50000"/>
+                    </a:schemeClr>
+                  </a:solidFill>
+                </a:rPr>
+                <a:t>生成根據模板及</a:t>
+              </a:r>
+              <a:r>
+                <a:rPr lang="en-US" altLang="zh-TW" sz="2800" b="1" dirty="0">
+                  <a:solidFill>
+                    <a:schemeClr val="tx1">
+                      <a:lumMod val="50000"/>
+                      <a:lumOff val="50000"/>
+                    </a:schemeClr>
+                  </a:solidFill>
+                </a:rPr>
+                <a:t>AI</a:t>
+              </a:r>
+            </a:p>
+            <a:p>
+              <a:r>
+                <a:rPr lang="zh-TW" altLang="en-US" sz="2800" b="1" dirty="0">
+                  <a:solidFill>
+                    <a:schemeClr val="tx1">
+                      <a:lumMod val="50000"/>
+                      <a:lumOff val="50000"/>
+                    </a:schemeClr>
+                  </a:solidFill>
+                </a:rPr>
+                <a:t>                            生成完的成品並讓</a:t>
+              </a:r>
+              <a:endParaRPr lang="en-US" altLang="zh-TW" sz="2800" b="1" dirty="0">
+                <a:solidFill>
+                  <a:schemeClr val="tx1">
+                    <a:lumMod val="50000"/>
+                    <a:lumOff val="50000"/>
+                  </a:schemeClr>
+                </a:solidFill>
+              </a:endParaRPr>
+            </a:p>
+            <a:p>
+              <a:r>
+                <a:rPr lang="zh-TW" altLang="en-US" sz="2800" b="1" dirty="0">
+                  <a:solidFill>
+                    <a:schemeClr val="tx1">
+                      <a:lumMod val="50000"/>
+                      <a:lumOff val="50000"/>
+                    </a:schemeClr>
+                  </a:solidFill>
+                </a:rPr>
+                <a:t>                            使用者複製</a:t>
+              </a:r>
+              <a:endParaRPr lang="en-US" altLang="zh-TW" sz="2800" b="1" dirty="0">
+                <a:solidFill>
+                  <a:schemeClr val="tx1">
+                    <a:lumMod val="50000"/>
+                    <a:lumOff val="50000"/>
+                  </a:schemeClr>
+                </a:solidFill>
+              </a:endParaRPr>
+            </a:p>
+          </p:txBody>
+        </p:sp>
+      </p:grpSp>
+    </p:spTree>
+    <p:extLst>
+      <p:ext uri="{BB962C8B-B14F-4D97-AF65-F5344CB8AC3E}">
+        <p14:creationId xmlns:p14="http://schemas.microsoft.com/office/powerpoint/2010/main" val="1093534884"/>
+      </p:ext>
+    </p:extLst>
+  </p:cSld>
+  <p:clrMapOvr>
+    <a:masterClrMapping/>
+  </p:clrMapOvr>
+  <p:timing>
+    <p:tnLst>
+      <p:par>
+        <p:cTn id="1" dur="indefinite" restart="never" nodeType="tmRoot">
+          <p:childTnLst>
+            <p:seq concurrent="1" nextAc="seek">
+              <p:cTn id="2" dur="indefinite" nodeType="mainSeq">
+                <p:childTnLst>
+                  <p:par>
+                    <p:cTn id="3" fill="hold">
+                      <p:stCondLst>
+                        <p:cond delay="indefinite"/>
+                        <p:cond evt="onBegin" delay="0">
+                          <p:tn val="2"/>
+                        </p:cond>
+                      </p:stCondLst>
+                      <p:childTnLst>
+                        <p:par>
+                          <p:cTn id="4" fill="hold">
+                            <p:stCondLst>
+                              <p:cond delay="0"/>
+                            </p:stCondLst>
+                            <p:childTnLst>
+                              <p:par>
+                                <p:cTn id="5" presetID="10" presetClass="entr" presetSubtype="0" fill="hold" nodeType="afterEffect">
+                                  <p:stCondLst>
+                                    <p:cond delay="0"/>
+                                  </p:stCondLst>
+                                  <p:childTnLst>
+                                    <p:set>
+                                      <p:cBhvr>
+                                        <p:cTn id="6" dur="1" fill="hold">
+                                          <p:stCondLst>
+                                            <p:cond delay="0"/>
+                                          </p:stCondLst>
+                                        </p:cTn>
+                                        <p:tgtEl>
+                                          <p:spTgt spid="6"/>
+                                        </p:tgtEl>
+                                        <p:attrNameLst>
+                                          <p:attrName>style.visibility</p:attrName>
+                                        </p:attrNameLst>
+                                      </p:cBhvr>
+                                      <p:to>
+                                        <p:strVal val="visible"/>
+                                      </p:to>
+                                    </p:set>
+                                    <p:animEffect transition="in" filter="fade">
+                                      <p:cBhvr>
+                                        <p:cTn id="7" dur="400"/>
+                                        <p:tgtEl>
+                                          <p:spTgt spid="6"/>
+                                        </p:tgtEl>
+                                      </p:cBhvr>
+                                    </p:animEffect>
+                                  </p:childTnLst>
+                                </p:cTn>
+                              </p:par>
+                            </p:childTnLst>
+                          </p:cTn>
+                        </p:par>
+                      </p:childTnLst>
+                    </p:cTn>
+                  </p:par>
+                </p:childTnLst>
+              </p:cTn>
+              <p:prevCondLst>
+                <p:cond evt="onPrev" delay="0">
+                  <p:tgtEl>
+                    <p:sldTgt/>
+                  </p:tgtEl>
+                </p:cond>
+              </p:prevCondLst>
+              <p:nextCondLst>
+                <p:cond evt="onNext" delay="0">
+                  <p:tgtEl>
+                    <p:sldTgt/>
+                  </p:tgtEl>
+                </p:cond>
+              </p:nextCondLst>
+            </p:seq>
+          </p:childTnLst>
+        </p:cTn>
+      </p:par>
+    </p:tnLst>
+  </p:timing>
+</p:sld>
+</file>
+
+<file path=ppt/slides/slide12.xml><?xml version="1.0" encoding="utf-8"?>
+<p:sld xmlns:a="http://schemas.openxmlformats.org/drawingml/2006/main" xmlns:r="http://schemas.openxmlformats.org/officeDocument/2006/relationships" xmlns:p="http://schemas.openxmlformats.org/presentationml/2006/main">
+  <p:cSld>
+    <p:spTree>
+      <p:nvGrpSpPr>
+        <p:cNvPr id="1" name=""/>
+        <p:cNvGrpSpPr/>
+        <p:nvPr/>
+      </p:nvGrpSpPr>
+      <p:grpSpPr>
+        <a:xfrm>
+          <a:off x="0" y="0"/>
+          <a:ext cx="0" cy="0"/>
+          <a:chOff x="0" y="0"/>
+          <a:chExt cx="0" cy="0"/>
+        </a:xfrm>
+      </p:grpSpPr>
+      <p:sp>
+        <p:nvSpPr>
+          <p:cNvPr id="2" name="矩形 1">
+            <a:extLst>
+              <a:ext uri="{FF2B5EF4-FFF2-40B4-BE49-F238E27FC236}">
+                <a16:creationId xmlns:a16="http://schemas.microsoft.com/office/drawing/2014/main" id="{36FC586C-AFAD-422A-BF90-547448C8F023}"/>
+              </a:ext>
+            </a:extLst>
+          </p:cNvPr>
+          <p:cNvSpPr/>
+          <p:nvPr/>
+        </p:nvSpPr>
+        <p:spPr>
+          <a:xfrm>
+            <a:off x="9837869" y="374983"/>
+            <a:ext cx="2031325" cy="646331"/>
+          </a:xfrm>
+          <a:prstGeom prst="rect">
+            <a:avLst/>
+          </a:prstGeom>
+        </p:spPr>
+        <p:txBody>
+          <a:bodyPr wrap="none">
+            <a:spAutoFit/>
+          </a:bodyPr>
+          <a:lstStyle/>
+          <a:p>
+            <a:pPr algn="r"/>
+            <a:r>
+              <a:rPr lang="zh-TW" altLang="en-US" sz="3600" b="1" dirty="0">
+                <a:solidFill>
+                  <a:srgbClr val="FFFFFF"/>
+                </a:solidFill>
+                <a:effectLst>
+                  <a:outerShdw blurRad="38100" dist="38100" dir="2700000" algn="tl">
+                    <a:srgbClr val="000000">
+                      <a:alpha val="43137"/>
+                    </a:srgbClr>
+                  </a:outerShdw>
+                </a:effectLst>
+              </a:rPr>
+              <a:t>執行結果</a:t>
+            </a:r>
+          </a:p>
+        </p:txBody>
+      </p:sp>
+      <p:grpSp>
+        <p:nvGrpSpPr>
+          <p:cNvPr id="6" name="群組 5">
+            <a:extLst>
+              <a:ext uri="{FF2B5EF4-FFF2-40B4-BE49-F238E27FC236}">
+                <a16:creationId xmlns:a16="http://schemas.microsoft.com/office/drawing/2014/main" id="{A713C0A8-58FE-463E-9CDB-61F75725B411}"/>
+              </a:ext>
+            </a:extLst>
+          </p:cNvPr>
+          <p:cNvGrpSpPr/>
+          <p:nvPr/>
+        </p:nvGrpSpPr>
+        <p:grpSpPr>
+          <a:xfrm>
+            <a:off x="6096001" y="1536570"/>
+            <a:ext cx="5773194" cy="4534292"/>
+            <a:chOff x="6338829" y="2452629"/>
+            <a:chExt cx="5936853" cy="4549290"/>
+          </a:xfrm>
+        </p:grpSpPr>
+        <p:sp>
+          <p:nvSpPr>
+            <p:cNvPr id="7" name="橢圓 6">
+              <a:extLst>
+                <a:ext uri="{FF2B5EF4-FFF2-40B4-BE49-F238E27FC236}">
+                  <a16:creationId xmlns:a16="http://schemas.microsoft.com/office/drawing/2014/main" id="{A2FDD806-C469-4E35-B7EA-E282417FA84E}"/>
+                </a:ext>
+              </a:extLst>
+            </p:cNvPr>
+            <p:cNvSpPr/>
+            <p:nvPr/>
+          </p:nvSpPr>
+          <p:spPr>
+            <a:xfrm>
+              <a:off x="6338829" y="2452629"/>
+              <a:ext cx="450000" cy="450000"/>
+            </a:xfrm>
+            <a:prstGeom prst="ellipse">
+              <a:avLst/>
+            </a:prstGeom>
+            <a:solidFill>
+              <a:schemeClr val="bg1">
+                <a:lumMod val="95000"/>
+              </a:schemeClr>
+            </a:solidFill>
+            <a:ln>
+              <a:noFill/>
+            </a:ln>
+          </p:spPr>
+          <p:style>
+            <a:lnRef idx="2">
+              <a:schemeClr val="accent1">
+                <a:shade val="50000"/>
+              </a:schemeClr>
+            </a:lnRef>
+            <a:fillRef idx="1">
+              <a:schemeClr val="accent1"/>
+            </a:fillRef>
+            <a:effectRef idx="0">
+              <a:schemeClr val="accent1"/>
+            </a:effectRef>
+            <a:fontRef idx="minor">
+              <a:schemeClr val="lt1"/>
+            </a:fontRef>
+          </p:style>
+          <p:txBody>
+            <a:bodyPr rtlCol="0" anchor="ctr"/>
+            <a:lstStyle/>
+            <a:p>
+              <a:pPr algn="ctr"/>
+              <a:endParaRPr lang="zh-TW" altLang="en-US" sz="1600" dirty="0"/>
+            </a:p>
+          </p:txBody>
+        </p:sp>
+        <p:sp>
+          <p:nvSpPr>
+            <p:cNvPr id="8" name="文字方塊 7">
+              <a:extLst>
+                <a:ext uri="{FF2B5EF4-FFF2-40B4-BE49-F238E27FC236}">
+                  <a16:creationId xmlns:a16="http://schemas.microsoft.com/office/drawing/2014/main" id="{9D237DF6-E247-45F3-8324-CFD7DC38AD16}"/>
+                </a:ext>
+              </a:extLst>
+            </p:cNvPr>
+            <p:cNvSpPr txBox="1"/>
+            <p:nvPr/>
+          </p:nvSpPr>
+          <p:spPr>
+            <a:xfrm>
+              <a:off x="6348354" y="2477604"/>
+              <a:ext cx="5927328" cy="4524315"/>
+            </a:xfrm>
+            <a:prstGeom prst="rect">
+              <a:avLst/>
+            </a:prstGeom>
+            <a:noFill/>
+          </p:spPr>
+          <p:txBody>
+            <a:bodyPr wrap="none" rtlCol="0">
+              <a:spAutoFit/>
+            </a:bodyPr>
+            <a:lstStyle/>
+            <a:p>
+              <a:r>
+                <a:rPr lang="zh-TW" altLang="en-US" sz="2400" b="1" dirty="0">
+                  <a:solidFill>
+                    <a:schemeClr val="tx1">
+                      <a:lumMod val="50000"/>
+                      <a:lumOff val="50000"/>
+                    </a:schemeClr>
+                  </a:solidFill>
+                </a:rPr>
+                <a:t>從上到下的功能分別為</a:t>
+              </a:r>
+              <a:br>
+                <a:rPr lang="en-US" altLang="zh-TW" sz="2400" b="1" dirty="0">
+                  <a:solidFill>
+                    <a:schemeClr val="tx1">
+                      <a:lumMod val="50000"/>
+                      <a:lumOff val="50000"/>
+                    </a:schemeClr>
+                  </a:solidFill>
+                </a:rPr>
+              </a:br>
+              <a:r>
+                <a:rPr lang="zh-TW" altLang="en-US" sz="2400" b="1" dirty="0">
+                  <a:solidFill>
+                    <a:schemeClr val="tx1">
+                      <a:lumMod val="50000"/>
+                      <a:lumOff val="50000"/>
+                    </a:schemeClr>
+                  </a:solidFill>
+                </a:rPr>
+                <a:t>優化與建議</a:t>
+              </a:r>
+              <a:r>
+                <a:rPr lang="en-US" altLang="zh-TW" sz="2400" b="1" dirty="0">
+                  <a:solidFill>
+                    <a:schemeClr val="tx1">
+                      <a:lumMod val="50000"/>
+                      <a:lumOff val="50000"/>
+                    </a:schemeClr>
+                  </a:solidFill>
+                </a:rPr>
+                <a:t>:</a:t>
+              </a:r>
+              <a:r>
+                <a:rPr lang="zh-TW" altLang="en-US" sz="2400" b="1" dirty="0">
+                  <a:solidFill>
+                    <a:schemeClr val="tx1">
+                      <a:lumMod val="50000"/>
+                      <a:lumOff val="50000"/>
+                    </a:schemeClr>
+                  </a:solidFill>
+                </a:rPr>
+                <a:t>因為生出來的結果只是</a:t>
+              </a:r>
+              <a:endParaRPr lang="en-US" altLang="zh-TW" sz="2400" b="1" dirty="0">
+                <a:solidFill>
+                  <a:schemeClr val="tx1">
+                    <a:lumMod val="50000"/>
+                    <a:lumOff val="50000"/>
+                  </a:schemeClr>
+                </a:solidFill>
+              </a:endParaRPr>
+            </a:p>
+            <a:p>
+              <a:r>
+                <a:rPr lang="zh-TW" altLang="en-US" sz="2400" b="1" dirty="0">
+                  <a:solidFill>
+                    <a:schemeClr val="tx1">
+                      <a:lumMod val="50000"/>
+                      <a:lumOff val="50000"/>
+                    </a:schemeClr>
+                  </a:solidFill>
+                </a:rPr>
+                <a:t>最基本的要求這裡能給你衍伸建議</a:t>
+              </a:r>
+              <a:br>
+                <a:rPr lang="en-US" altLang="zh-TW" sz="2400" b="1" dirty="0">
+                  <a:solidFill>
+                    <a:schemeClr val="tx1">
+                      <a:lumMod val="50000"/>
+                      <a:lumOff val="50000"/>
+                    </a:schemeClr>
+                  </a:solidFill>
+                </a:rPr>
+              </a:br>
+              <a:r>
+                <a:rPr lang="zh-TW" altLang="en-US" sz="2400" b="1" dirty="0">
+                  <a:solidFill>
+                    <a:schemeClr val="tx1">
+                      <a:lumMod val="50000"/>
+                      <a:lumOff val="50000"/>
+                    </a:schemeClr>
+                  </a:solidFill>
+                </a:rPr>
+                <a:t>時間複雜度</a:t>
+              </a:r>
+              <a:r>
+                <a:rPr lang="en-US" altLang="zh-TW" sz="2400" b="1" dirty="0">
+                  <a:solidFill>
+                    <a:schemeClr val="tx1">
+                      <a:lumMod val="50000"/>
+                      <a:lumOff val="50000"/>
+                    </a:schemeClr>
+                  </a:solidFill>
+                </a:rPr>
+                <a:t>:</a:t>
+              </a:r>
+              <a:r>
+                <a:rPr lang="zh-TW" altLang="en-US" sz="2400" b="1" dirty="0">
+                  <a:solidFill>
+                    <a:schemeClr val="tx1">
+                      <a:lumMod val="50000"/>
+                      <a:lumOff val="50000"/>
+                    </a:schemeClr>
+                  </a:solidFill>
+                </a:rPr>
+                <a:t>讓使用者看的到時間複</a:t>
+              </a:r>
+              <a:endParaRPr lang="en-US" altLang="zh-TW" sz="2400" b="1" dirty="0">
+                <a:solidFill>
+                  <a:schemeClr val="tx1">
+                    <a:lumMod val="50000"/>
+                    <a:lumOff val="50000"/>
+                  </a:schemeClr>
+                </a:solidFill>
+              </a:endParaRPr>
+            </a:p>
+            <a:p>
+              <a:r>
+                <a:rPr lang="zh-TW" altLang="en-US" sz="2400" b="1" dirty="0">
+                  <a:solidFill>
+                    <a:schemeClr val="tx1">
+                      <a:lumMod val="50000"/>
+                      <a:lumOff val="50000"/>
+                    </a:schemeClr>
+                  </a:solidFill>
+                </a:rPr>
+                <a:t>雜度及空間複雜度讓使用者能更好</a:t>
+              </a:r>
+              <a:endParaRPr lang="en-US" altLang="zh-TW" sz="2400" b="1" dirty="0">
+                <a:solidFill>
+                  <a:schemeClr val="tx1">
+                    <a:lumMod val="50000"/>
+                    <a:lumOff val="50000"/>
+                  </a:schemeClr>
+                </a:solidFill>
+              </a:endParaRPr>
+            </a:p>
+            <a:p>
+              <a:r>
+                <a:rPr lang="zh-TW" altLang="en-US" sz="2400" b="1" dirty="0">
+                  <a:solidFill>
+                    <a:schemeClr val="tx1">
+                      <a:lumMod val="50000"/>
+                      <a:lumOff val="50000"/>
+                    </a:schemeClr>
+                  </a:solidFill>
+                </a:rPr>
+                <a:t>優化</a:t>
+              </a:r>
+              <a:endParaRPr lang="en-US" altLang="zh-TW" sz="2400" b="1" dirty="0">
+                <a:solidFill>
+                  <a:schemeClr val="tx1">
+                    <a:lumMod val="50000"/>
+                    <a:lumOff val="50000"/>
+                  </a:schemeClr>
+                </a:solidFill>
+              </a:endParaRPr>
+            </a:p>
+            <a:p>
+              <a:r>
+                <a:rPr lang="zh-TW" altLang="en-US" sz="2400" b="1" dirty="0">
+                  <a:solidFill>
+                    <a:schemeClr val="tx1">
+                      <a:lumMod val="50000"/>
+                      <a:lumOff val="50000"/>
+                    </a:schemeClr>
+                  </a:solidFill>
+                </a:rPr>
+                <a:t>語法檢查</a:t>
+              </a:r>
+              <a:r>
+                <a:rPr lang="en-US" altLang="zh-TW" sz="2400" b="1" dirty="0">
+                  <a:solidFill>
+                    <a:schemeClr val="tx1">
+                      <a:lumMod val="50000"/>
+                      <a:lumOff val="50000"/>
+                    </a:schemeClr>
+                  </a:solidFill>
+                </a:rPr>
+                <a:t>:</a:t>
+              </a:r>
+              <a:r>
+                <a:rPr lang="zh-TW" altLang="en-US" sz="2400" b="1" dirty="0">
+                  <a:solidFill>
+                    <a:schemeClr val="tx1">
+                      <a:lumMod val="50000"/>
+                      <a:lumOff val="50000"/>
+                    </a:schemeClr>
+                  </a:solidFill>
+                </a:rPr>
+                <a:t>顧名思義可以再次檢查程</a:t>
+              </a:r>
+              <a:endParaRPr lang="en-US" altLang="zh-TW" sz="2400" b="1" dirty="0">
+                <a:solidFill>
+                  <a:schemeClr val="tx1">
+                    <a:lumMod val="50000"/>
+                    <a:lumOff val="50000"/>
+                  </a:schemeClr>
+                </a:solidFill>
+              </a:endParaRPr>
+            </a:p>
+            <a:p>
+              <a:r>
+                <a:rPr lang="zh-TW" altLang="en-US" sz="2400" b="1" dirty="0">
+                  <a:solidFill>
+                    <a:schemeClr val="tx1">
+                      <a:lumMod val="50000"/>
+                      <a:lumOff val="50000"/>
+                    </a:schemeClr>
+                  </a:solidFill>
+                </a:rPr>
+                <a:t>式碼有沒有漏洞</a:t>
+              </a:r>
+              <a:endParaRPr lang="en-US" altLang="zh-TW" sz="2400" b="1" dirty="0">
+                <a:solidFill>
+                  <a:schemeClr val="tx1">
+                    <a:lumMod val="50000"/>
+                    <a:lumOff val="50000"/>
+                  </a:schemeClr>
+                </a:solidFill>
+              </a:endParaRPr>
+            </a:p>
+            <a:p>
+              <a:r>
+                <a:rPr lang="en-US" altLang="zh-TW" sz="2400" b="1" dirty="0">
+                  <a:solidFill>
+                    <a:schemeClr val="tx1">
+                      <a:lumMod val="50000"/>
+                      <a:lumOff val="50000"/>
+                    </a:schemeClr>
+                  </a:solidFill>
+                </a:rPr>
+                <a:t>GPT</a:t>
+              </a:r>
+              <a:r>
+                <a:rPr lang="zh-TW" altLang="en-US" sz="2400" b="1" dirty="0">
+                  <a:solidFill>
+                    <a:schemeClr val="tx1">
+                      <a:lumMod val="50000"/>
+                      <a:lumOff val="50000"/>
+                    </a:schemeClr>
+                  </a:solidFill>
+                </a:rPr>
+                <a:t>執行結果</a:t>
+              </a:r>
+              <a:r>
+                <a:rPr lang="en-US" altLang="zh-TW" sz="2400" b="1" dirty="0">
+                  <a:solidFill>
+                    <a:schemeClr val="tx1">
+                      <a:lumMod val="50000"/>
+                      <a:lumOff val="50000"/>
+                    </a:schemeClr>
+                  </a:solidFill>
+                </a:rPr>
+                <a:t>:</a:t>
+              </a:r>
+              <a:r>
+                <a:rPr lang="zh-TW" altLang="en-US" sz="2400" b="1" dirty="0">
+                  <a:solidFill>
+                    <a:schemeClr val="tx1">
+                      <a:lumMod val="50000"/>
+                      <a:lumOff val="50000"/>
+                    </a:schemeClr>
+                  </a:solidFill>
+                </a:rPr>
+                <a:t>讓使用者還不用複製</a:t>
+              </a:r>
+              <a:endParaRPr lang="en-US" altLang="zh-TW" sz="2400" b="1" dirty="0">
+                <a:solidFill>
+                  <a:schemeClr val="tx1">
+                    <a:lumMod val="50000"/>
+                    <a:lumOff val="50000"/>
+                  </a:schemeClr>
+                </a:solidFill>
+              </a:endParaRPr>
+            </a:p>
+            <a:p>
+              <a:r>
+                <a:rPr lang="zh-TW" altLang="en-US" sz="2400" b="1" dirty="0">
+                  <a:solidFill>
+                    <a:schemeClr val="tx1">
+                      <a:lumMod val="50000"/>
+                      <a:lumOff val="50000"/>
+                    </a:schemeClr>
+                  </a:solidFill>
+                </a:rPr>
+                <a:t>就能先看到執行結果</a:t>
+              </a:r>
+              <a:endParaRPr lang="en-US" altLang="zh-TW" sz="2400" b="1" dirty="0">
+                <a:solidFill>
+                  <a:schemeClr val="tx1">
+                    <a:lumMod val="50000"/>
+                    <a:lumOff val="50000"/>
+                  </a:schemeClr>
+                </a:solidFill>
+              </a:endParaRPr>
+            </a:p>
+            <a:p>
+              <a:r>
+                <a:rPr lang="en-US" altLang="zh-TW" sz="2400" b="1" dirty="0" err="1">
+                  <a:solidFill>
+                    <a:schemeClr val="tx1">
+                      <a:lumMod val="50000"/>
+                      <a:lumOff val="50000"/>
+                    </a:schemeClr>
+                  </a:solidFill>
+                </a:rPr>
+                <a:t>Jdoodle</a:t>
+              </a:r>
+              <a:r>
+                <a:rPr lang="zh-TW" altLang="en-US" sz="2400" b="1" dirty="0">
+                  <a:solidFill>
+                    <a:schemeClr val="tx1">
+                      <a:lumMod val="50000"/>
+                      <a:lumOff val="50000"/>
+                    </a:schemeClr>
+                  </a:solidFill>
+                </a:rPr>
+                <a:t>測試</a:t>
+              </a:r>
+              <a:r>
+                <a:rPr lang="en-US" altLang="zh-TW" sz="2400" b="1" dirty="0">
+                  <a:solidFill>
+                    <a:schemeClr val="tx1">
+                      <a:lumMod val="50000"/>
+                      <a:lumOff val="50000"/>
+                    </a:schemeClr>
+                  </a:solidFill>
+                </a:rPr>
+                <a:t>:</a:t>
+              </a:r>
+              <a:r>
+                <a:rPr lang="zh-TW" altLang="en-US" sz="2400" b="1" dirty="0">
+                  <a:solidFill>
+                    <a:schemeClr val="tx1">
+                      <a:lumMod val="50000"/>
+                      <a:lumOff val="50000"/>
+                    </a:schemeClr>
+                  </a:solidFill>
+                </a:rPr>
+                <a:t>比</a:t>
+              </a:r>
+              <a:r>
+                <a:rPr lang="en-US" altLang="zh-TW" sz="2400" b="1" dirty="0">
+                  <a:solidFill>
+                    <a:schemeClr val="tx1">
+                      <a:lumMod val="50000"/>
+                      <a:lumOff val="50000"/>
+                    </a:schemeClr>
+                  </a:solidFill>
+                </a:rPr>
+                <a:t>GPT</a:t>
+              </a:r>
+              <a:r>
+                <a:rPr lang="zh-TW" altLang="en-US" sz="2400" b="1" dirty="0">
+                  <a:solidFill>
+                    <a:schemeClr val="tx1">
+                      <a:lumMod val="50000"/>
+                      <a:lumOff val="50000"/>
+                    </a:schemeClr>
+                  </a:solidFill>
+                </a:rPr>
+                <a:t>更保險的看書出的部分</a:t>
+              </a:r>
+              <a:endParaRPr lang="en-US" altLang="zh-TW" sz="2400" b="1" dirty="0">
+                <a:solidFill>
+                  <a:schemeClr val="tx1">
+                    <a:lumMod val="50000"/>
+                    <a:lumOff val="50000"/>
+                  </a:schemeClr>
+                </a:solidFill>
+              </a:endParaRPr>
+            </a:p>
+            <a:p>
+              <a:r>
+                <a:rPr lang="zh-TW" altLang="en-US" sz="2400" b="1" dirty="0">
+                  <a:solidFill>
+                    <a:schemeClr val="tx1">
+                      <a:lumMod val="50000"/>
+                      <a:lumOff val="50000"/>
+                    </a:schemeClr>
+                  </a:solidFill>
+                </a:rPr>
+                <a:t>因為</a:t>
+              </a:r>
+              <a:r>
+                <a:rPr lang="en-US" altLang="zh-TW" sz="2400" b="1" dirty="0">
+                  <a:solidFill>
+                    <a:schemeClr val="tx1">
+                      <a:lumMod val="50000"/>
+                      <a:lumOff val="50000"/>
+                    </a:schemeClr>
+                  </a:solidFill>
+                </a:rPr>
+                <a:t>GPT</a:t>
+              </a:r>
+              <a:r>
+                <a:rPr lang="zh-TW" altLang="en-US" sz="2400" b="1" dirty="0">
+                  <a:solidFill>
+                    <a:schemeClr val="tx1">
+                      <a:lumMod val="50000"/>
+                      <a:lumOff val="50000"/>
+                    </a:schemeClr>
+                  </a:solidFill>
+                </a:rPr>
+                <a:t>不會真的跑程式而這裡會真的執行</a:t>
+              </a:r>
+              <a:endParaRPr lang="en-US" altLang="zh-TW" sz="2400" b="1" dirty="0">
+                <a:solidFill>
+                  <a:schemeClr val="tx1">
+                    <a:lumMod val="50000"/>
+                    <a:lumOff val="50000"/>
+                  </a:schemeClr>
+                </a:solidFill>
+              </a:endParaRPr>
+            </a:p>
+          </p:txBody>
+        </p:sp>
+      </p:grpSp>
+      <p:pic>
+        <p:nvPicPr>
+          <p:cNvPr id="3" name="圖片 2">
+            <a:extLst>
+              <a:ext uri="{FF2B5EF4-FFF2-40B4-BE49-F238E27FC236}">
+                <a16:creationId xmlns:a16="http://schemas.microsoft.com/office/drawing/2014/main" id="{D8E1D097-0F2A-4136-83B7-7BA417A6BB8B}"/>
+              </a:ext>
+            </a:extLst>
+          </p:cNvPr>
+          <p:cNvPicPr>
+            <a:picLocks noChangeAspect="1"/>
+          </p:cNvPicPr>
+          <p:nvPr/>
+        </p:nvPicPr>
+        <p:blipFill>
+          <a:blip r:embed="rId2"/>
+          <a:stretch>
+            <a:fillRect/>
+          </a:stretch>
+        </p:blipFill>
+        <p:spPr>
+          <a:xfrm>
+            <a:off x="533275" y="1536570"/>
+            <a:ext cx="5462174" cy="4773300"/>
+          </a:xfrm>
+          <a:prstGeom prst="rect">
+            <a:avLst/>
+          </a:prstGeom>
+        </p:spPr>
+      </p:pic>
+    </p:spTree>
+    <p:extLst>
+      <p:ext uri="{BB962C8B-B14F-4D97-AF65-F5344CB8AC3E}">
+        <p14:creationId xmlns:p14="http://schemas.microsoft.com/office/powerpoint/2010/main" val="3518109877"/>
+      </p:ext>
+    </p:extLst>
+  </p:cSld>
+  <p:clrMapOvr>
+    <a:masterClrMapping/>
+  </p:clrMapOvr>
+  <p:timing>
+    <p:tnLst>
+      <p:par>
+        <p:cTn id="1" dur="indefinite" restart="never" nodeType="tmRoot">
+          <p:childTnLst>
+            <p:seq concurrent="1" nextAc="seek">
+              <p:cTn id="2" dur="indefinite" nodeType="mainSeq">
+                <p:childTnLst>
+                  <p:par>
+                    <p:cTn id="3" fill="hold">
+                      <p:stCondLst>
+                        <p:cond delay="indefinite"/>
+                        <p:cond evt="onBegin" delay="0">
+                          <p:tn val="2"/>
+                        </p:cond>
+                      </p:stCondLst>
+                      <p:childTnLst>
+                        <p:par>
+                          <p:cTn id="4" fill="hold">
+                            <p:stCondLst>
+                              <p:cond delay="0"/>
+                            </p:stCondLst>
+                            <p:childTnLst>
+                              <p:par>
+                                <p:cTn id="5" presetID="10" presetClass="entr" presetSubtype="0" fill="hold" nodeType="afterEffect">
+                                  <p:stCondLst>
+                                    <p:cond delay="0"/>
+                                  </p:stCondLst>
+                                  <p:childTnLst>
+                                    <p:set>
+                                      <p:cBhvr>
+                                        <p:cTn id="6" dur="1" fill="hold">
+                                          <p:stCondLst>
+                                            <p:cond delay="0"/>
+                                          </p:stCondLst>
+                                        </p:cTn>
+                                        <p:tgtEl>
+                                          <p:spTgt spid="6"/>
+                                        </p:tgtEl>
+                                        <p:attrNameLst>
+                                          <p:attrName>style.visibility</p:attrName>
+                                        </p:attrNameLst>
+                                      </p:cBhvr>
+                                      <p:to>
+                                        <p:strVal val="visible"/>
+                                      </p:to>
+                                    </p:set>
+                                    <p:animEffect transition="in" filter="fade">
+                                      <p:cBhvr>
+                                        <p:cTn id="7" dur="400"/>
+                                        <p:tgtEl>
+                                          <p:spTgt spid="6"/>
+                                        </p:tgtEl>
+                                      </p:cBhvr>
+                                    </p:animEffect>
+                                  </p:childTnLst>
+                                </p:cTn>
+                              </p:par>
+                            </p:childTnLst>
+                          </p:cTn>
+                        </p:par>
+                      </p:childTnLst>
+                    </p:cTn>
+                  </p:par>
+                </p:childTnLst>
+              </p:cTn>
+              <p:prevCondLst>
+                <p:cond evt="onPrev" delay="0">
+                  <p:tgtEl>
+                    <p:sldTgt/>
+                  </p:tgtEl>
+                </p:cond>
+              </p:prevCondLst>
+              <p:nextCondLst>
+                <p:cond evt="onNext" delay="0">
+                  <p:tgtEl>
+                    <p:sldTgt/>
+                  </p:tgtEl>
+                </p:cond>
+              </p:nextCondLst>
+            </p:seq>
+          </p:childTnLst>
+        </p:cTn>
+      </p:par>
+    </p:tnLst>
+  </p:timing>
+</p:sld>
+</file>
+
+<file path=ppt/slides/slide13.xml><?xml version="1.0" encoding="utf-8"?>
+<p:sld xmlns:a="http://schemas.openxmlformats.org/drawingml/2006/main" xmlns:r="http://schemas.openxmlformats.org/officeDocument/2006/relationships" xmlns:p="http://schemas.openxmlformats.org/presentationml/2006/main">
+  <p:cSld>
+    <p:spTree>
+      <p:nvGrpSpPr>
+        <p:cNvPr id="1" name=""/>
+        <p:cNvGrpSpPr/>
+        <p:nvPr/>
+      </p:nvGrpSpPr>
+      <p:grpSpPr>
+        <a:xfrm>
+          <a:off x="0" y="0"/>
+          <a:ext cx="0" cy="0"/>
+          <a:chOff x="0" y="0"/>
+          <a:chExt cx="0" cy="0"/>
+        </a:xfrm>
+      </p:grpSpPr>
     </p:spTree>
     <p:extLst>
       <p:ext uri="{BB962C8B-B14F-4D97-AF65-F5344CB8AC3E}">
@@ -14330,7 +16302,7 @@
 </p:sld>
 </file>
 
-<file path=ppt/slides/slide11.xml><?xml version="1.0" encoding="utf-8"?>
+<file path=ppt/slides/slide14.xml><?xml version="1.0" encoding="utf-8"?>
 <p:sld xmlns:a="http://schemas.openxmlformats.org/drawingml/2006/main" xmlns:r="http://schemas.openxmlformats.org/officeDocument/2006/relationships" xmlns:p="http://schemas.openxmlformats.org/presentationml/2006/main">
   <p:cSld>
     <p:spTree>
@@ -14851,7 +16823,7 @@
 </p:sld>
 </file>
 
-<file path=ppt/slides/slide12.xml><?xml version="1.0" encoding="utf-8"?>
+<file path=ppt/slides/slide15.xml><?xml version="1.0" encoding="utf-8"?>
 <p:sld xmlns:a="http://schemas.openxmlformats.org/drawingml/2006/main" xmlns:r="http://schemas.openxmlformats.org/officeDocument/2006/relationships" xmlns:p="http://schemas.openxmlformats.org/presentationml/2006/main">
   <p:cSld>
     <p:spTree>
@@ -15506,7 +17478,7 @@
 </p:sld>
 </file>
 
-<file path=ppt/slides/slide13.xml><?xml version="1.0" encoding="utf-8"?>
+<file path=ppt/slides/slide16.xml><?xml version="1.0" encoding="utf-8"?>
 <p:sld xmlns:a="http://schemas.openxmlformats.org/drawingml/2006/main" xmlns:r="http://schemas.openxmlformats.org/officeDocument/2006/relationships" xmlns:p="http://schemas.openxmlformats.org/presentationml/2006/main">
   <p:cSld>
     <p:spTree>
@@ -15818,1555 +17790,6 @@
     <p:extLst>
       <p:ext uri="{BB962C8B-B14F-4D97-AF65-F5344CB8AC3E}">
         <p14:creationId xmlns:p14="http://schemas.microsoft.com/office/powerpoint/2010/main" val="3418849426"/>
-      </p:ext>
-    </p:extLst>
-  </p:cSld>
-  <p:clrMapOvr>
-    <a:masterClrMapping/>
-  </p:clrMapOvr>
-  <p:timing>
-    <p:tnLst>
-      <p:par>
-        <p:cTn id="1" dur="indefinite" restart="never" nodeType="tmRoot">
-          <p:childTnLst>
-            <p:seq concurrent="1" nextAc="seek">
-              <p:cTn id="2" dur="indefinite" nodeType="mainSeq">
-                <p:childTnLst>
-                  <p:par>
-                    <p:cTn id="3" fill="hold">
-                      <p:stCondLst>
-                        <p:cond delay="indefinite"/>
-                        <p:cond evt="onBegin" delay="0">
-                          <p:tn val="2"/>
-                        </p:cond>
-                      </p:stCondLst>
-                      <p:childTnLst>
-                        <p:par>
-                          <p:cTn id="4" fill="hold">
-                            <p:stCondLst>
-                              <p:cond delay="0"/>
-                            </p:stCondLst>
-                            <p:childTnLst>
-                              <p:par>
-                                <p:cTn id="5" presetID="10" presetClass="entr" presetSubtype="0" fill="hold" nodeType="afterEffect">
-                                  <p:stCondLst>
-                                    <p:cond delay="0"/>
-                                  </p:stCondLst>
-                                  <p:childTnLst>
-                                    <p:set>
-                                      <p:cBhvr>
-                                        <p:cTn id="6" dur="1" fill="hold">
-                                          <p:stCondLst>
-                                            <p:cond delay="0"/>
-                                          </p:stCondLst>
-                                        </p:cTn>
-                                        <p:tgtEl>
-                                          <p:spTgt spid="15"/>
-                                        </p:tgtEl>
-                                        <p:attrNameLst>
-                                          <p:attrName>style.visibility</p:attrName>
-                                        </p:attrNameLst>
-                                      </p:cBhvr>
-                                      <p:to>
-                                        <p:strVal val="visible"/>
-                                      </p:to>
-                                    </p:set>
-                                    <p:animEffect transition="in" filter="fade">
-                                      <p:cBhvr>
-                                        <p:cTn id="7" dur="400"/>
-                                        <p:tgtEl>
-                                          <p:spTgt spid="15"/>
-                                        </p:tgtEl>
-                                      </p:cBhvr>
-                                    </p:animEffect>
-                                  </p:childTnLst>
-                                </p:cTn>
-                              </p:par>
-                            </p:childTnLst>
-                          </p:cTn>
-                        </p:par>
-                        <p:par>
-                          <p:cTn id="8" fill="hold">
-                            <p:stCondLst>
-                              <p:cond delay="400"/>
-                            </p:stCondLst>
-                            <p:childTnLst>
-                              <p:par>
-                                <p:cTn id="9" presetID="10" presetClass="entr" presetSubtype="0" fill="hold" grpId="0" nodeType="afterEffect">
-                                  <p:stCondLst>
-                                    <p:cond delay="0"/>
-                                  </p:stCondLst>
-                                  <p:childTnLst>
-                                    <p:set>
-                                      <p:cBhvr>
-                                        <p:cTn id="10" dur="1" fill="hold">
-                                          <p:stCondLst>
-                                            <p:cond delay="0"/>
-                                          </p:stCondLst>
-                                        </p:cTn>
-                                        <p:tgtEl>
-                                          <p:spTgt spid="23"/>
-                                        </p:tgtEl>
-                                        <p:attrNameLst>
-                                          <p:attrName>style.visibility</p:attrName>
-                                        </p:attrNameLst>
-                                      </p:cBhvr>
-                                      <p:to>
-                                        <p:strVal val="visible"/>
-                                      </p:to>
-                                    </p:set>
-                                    <p:animEffect transition="in" filter="fade">
-                                      <p:cBhvr>
-                                        <p:cTn id="11" dur="400"/>
-                                        <p:tgtEl>
-                                          <p:spTgt spid="23"/>
-                                        </p:tgtEl>
-                                      </p:cBhvr>
-                                    </p:animEffect>
-                                  </p:childTnLst>
-                                </p:cTn>
-                              </p:par>
-                            </p:childTnLst>
-                          </p:cTn>
-                        </p:par>
-                      </p:childTnLst>
-                    </p:cTn>
-                  </p:par>
-                </p:childTnLst>
-              </p:cTn>
-              <p:prevCondLst>
-                <p:cond evt="onPrev" delay="0">
-                  <p:tgtEl>
-                    <p:sldTgt/>
-                  </p:tgtEl>
-                </p:cond>
-              </p:prevCondLst>
-              <p:nextCondLst>
-                <p:cond evt="onNext" delay="0">
-                  <p:tgtEl>
-                    <p:sldTgt/>
-                  </p:tgtEl>
-                </p:cond>
-              </p:nextCondLst>
-            </p:seq>
-          </p:childTnLst>
-        </p:cTn>
-      </p:par>
-    </p:tnLst>
-    <p:bldLst>
-      <p:bldP spid="23" grpId="0"/>
-    </p:bldLst>
-  </p:timing>
-</p:sld>
-</file>
-
-<file path=ppt/slides/slide14.xml><?xml version="1.0" encoding="utf-8"?>
-<p:sld xmlns:a="http://schemas.openxmlformats.org/drawingml/2006/main" xmlns:r="http://schemas.openxmlformats.org/officeDocument/2006/relationships" xmlns:p="http://schemas.openxmlformats.org/presentationml/2006/main">
-  <p:cSld>
-    <p:spTree>
-      <p:nvGrpSpPr>
-        <p:cNvPr id="1" name=""/>
-        <p:cNvGrpSpPr/>
-        <p:nvPr/>
-      </p:nvGrpSpPr>
-      <p:grpSpPr>
-        <a:xfrm>
-          <a:off x="0" y="0"/>
-          <a:ext cx="0" cy="0"/>
-          <a:chOff x="0" y="0"/>
-          <a:chExt cx="0" cy="0"/>
-        </a:xfrm>
-      </p:grpSpPr>
-      <p:grpSp>
-        <p:nvGrpSpPr>
-          <p:cNvPr id="15" name="群組 14">
-            <a:extLst>
-              <a:ext uri="{FF2B5EF4-FFF2-40B4-BE49-F238E27FC236}">
-                <a16:creationId xmlns:a16="http://schemas.microsoft.com/office/drawing/2014/main" id="{1E3C817B-76F2-4559-A4FC-4B650C24416D}"/>
-              </a:ext>
-            </a:extLst>
-          </p:cNvPr>
-          <p:cNvGrpSpPr/>
-          <p:nvPr/>
-        </p:nvGrpSpPr>
-        <p:grpSpPr>
-          <a:xfrm>
-            <a:off x="784430" y="1559953"/>
-            <a:ext cx="10156855" cy="2599466"/>
-            <a:chOff x="6338829" y="2452629"/>
-            <a:chExt cx="10156855" cy="1445254"/>
-          </a:xfrm>
-        </p:grpSpPr>
-        <p:sp>
-          <p:nvSpPr>
-            <p:cNvPr id="16" name="橢圓 15">
-              <a:extLst>
-                <a:ext uri="{FF2B5EF4-FFF2-40B4-BE49-F238E27FC236}">
-                  <a16:creationId xmlns:a16="http://schemas.microsoft.com/office/drawing/2014/main" id="{1868D27F-7A91-4B67-92FA-B95E4DD69BE3}"/>
-                </a:ext>
-              </a:extLst>
-            </p:cNvPr>
-            <p:cNvSpPr/>
-            <p:nvPr/>
-          </p:nvSpPr>
-          <p:spPr>
-            <a:xfrm>
-              <a:off x="6338829" y="2452629"/>
-              <a:ext cx="450000" cy="450000"/>
-            </a:xfrm>
-            <a:prstGeom prst="ellipse">
-              <a:avLst/>
-            </a:prstGeom>
-            <a:solidFill>
-              <a:schemeClr val="bg1">
-                <a:lumMod val="95000"/>
-              </a:schemeClr>
-            </a:solidFill>
-            <a:ln>
-              <a:noFill/>
-            </a:ln>
-          </p:spPr>
-          <p:style>
-            <a:lnRef idx="2">
-              <a:schemeClr val="accent1">
-                <a:shade val="50000"/>
-              </a:schemeClr>
-            </a:lnRef>
-            <a:fillRef idx="1">
-              <a:schemeClr val="accent1"/>
-            </a:fillRef>
-            <a:effectRef idx="0">
-              <a:schemeClr val="accent1"/>
-            </a:effectRef>
-            <a:fontRef idx="minor">
-              <a:schemeClr val="lt1"/>
-            </a:fontRef>
-          </p:style>
-          <p:txBody>
-            <a:bodyPr rtlCol="0" anchor="ctr"/>
-            <a:lstStyle/>
-            <a:p>
-              <a:pPr algn="ctr"/>
-              <a:endParaRPr lang="zh-TW" altLang="en-US" sz="1050" dirty="0"/>
-            </a:p>
-          </p:txBody>
-        </p:sp>
-        <p:sp>
-          <p:nvSpPr>
-            <p:cNvPr id="17" name="文字方塊 16">
-              <a:extLst>
-                <a:ext uri="{FF2B5EF4-FFF2-40B4-BE49-F238E27FC236}">
-                  <a16:creationId xmlns:a16="http://schemas.microsoft.com/office/drawing/2014/main" id="{DD5D0093-B647-482D-84EE-33C0106C0634}"/>
-                </a:ext>
-              </a:extLst>
-            </p:cNvPr>
-            <p:cNvSpPr txBox="1"/>
-            <p:nvPr/>
-          </p:nvSpPr>
-          <p:spPr>
-            <a:xfrm>
-              <a:off x="6348354" y="2477604"/>
-              <a:ext cx="10147330" cy="1420279"/>
-            </a:xfrm>
-            <a:prstGeom prst="rect">
-              <a:avLst/>
-            </a:prstGeom>
-            <a:noFill/>
-          </p:spPr>
-          <p:txBody>
-            <a:bodyPr wrap="none" rtlCol="0">
-              <a:spAutoFit/>
-            </a:bodyPr>
-            <a:lstStyle/>
-            <a:p>
-              <a:pPr eaLnBrk="0" fontAlgn="base" hangingPunct="0">
-                <a:spcBef>
-                  <a:spcPct val="0"/>
-                </a:spcBef>
-                <a:spcAft>
-                  <a:spcPct val="0"/>
-                </a:spcAft>
-              </a:pPr>
-              <a:r>
-                <a:rPr lang="en-US" altLang="zh-TW" sz="3200" b="1" dirty="0">
-                  <a:solidFill>
-                    <a:srgbClr val="149CCA"/>
-                  </a:solidFill>
-                  <a:latin typeface="Arial" panose="020B0604020202020204" pitchFamily="34" charset="0"/>
-                </a:rPr>
-                <a:t>JSON </a:t>
-              </a:r>
-              <a:r>
-                <a:rPr lang="zh-TW" altLang="en-US" sz="3200" b="1" dirty="0">
-                  <a:solidFill>
-                    <a:srgbClr val="149CCA"/>
-                  </a:solidFill>
-                  <a:latin typeface="Arial" panose="020B0604020202020204" pitchFamily="34" charset="0"/>
-                </a:rPr>
-                <a:t>格式強制</a:t>
-              </a:r>
-              <a:endParaRPr lang="en-US" altLang="zh-TW" sz="3200" b="1" dirty="0">
-                <a:solidFill>
-                  <a:srgbClr val="149CCA"/>
-                </a:solidFill>
-                <a:latin typeface="Arial" panose="020B0604020202020204" pitchFamily="34" charset="0"/>
-              </a:endParaRPr>
-            </a:p>
-            <a:p>
-              <a:pPr eaLnBrk="0" fontAlgn="base" hangingPunct="0">
-                <a:spcBef>
-                  <a:spcPct val="0"/>
-                </a:spcBef>
-                <a:spcAft>
-                  <a:spcPct val="0"/>
-                </a:spcAft>
-              </a:pPr>
-              <a:r>
-                <a:rPr lang="zh-TW" altLang="en-US" sz="3200" b="1" dirty="0">
-                  <a:solidFill>
-                    <a:schemeClr val="tx1">
-                      <a:lumMod val="85000"/>
-                      <a:lumOff val="15000"/>
-                    </a:schemeClr>
-                  </a:solidFill>
-                  <a:latin typeface="Arial" panose="020B0604020202020204" pitchFamily="34" charset="0"/>
-                </a:rPr>
-                <a:t>生成程式碼採用統一 </a:t>
-              </a:r>
-              <a:r>
-                <a:rPr lang="en-US" altLang="zh-TW" sz="3200" b="1" dirty="0">
-                  <a:solidFill>
-                    <a:schemeClr val="tx1">
-                      <a:lumMod val="85000"/>
-                      <a:lumOff val="15000"/>
-                    </a:schemeClr>
-                  </a:solidFill>
-                  <a:latin typeface="Arial" panose="020B0604020202020204" pitchFamily="34" charset="0"/>
-                </a:rPr>
-                <a:t>JSON </a:t>
-              </a:r>
-              <a:r>
-                <a:rPr lang="zh-TW" altLang="en-US" sz="3200" b="1" dirty="0">
-                  <a:solidFill>
-                    <a:schemeClr val="tx1">
-                      <a:lumMod val="85000"/>
-                      <a:lumOff val="15000"/>
-                    </a:schemeClr>
-                  </a:solidFill>
-                  <a:latin typeface="Arial" panose="020B0604020202020204" pitchFamily="34" charset="0"/>
-                </a:rPr>
-                <a:t>格式輸出，內含完整程式碼</a:t>
-              </a:r>
-              <a:endParaRPr lang="en-US" altLang="zh-TW" sz="3200" b="1" dirty="0">
-                <a:solidFill>
-                  <a:schemeClr val="tx1">
-                    <a:lumMod val="85000"/>
-                    <a:lumOff val="15000"/>
-                  </a:schemeClr>
-                </a:solidFill>
-                <a:latin typeface="Arial" panose="020B0604020202020204" pitchFamily="34" charset="0"/>
-              </a:endParaRPr>
-            </a:p>
-            <a:p>
-              <a:pPr eaLnBrk="0" fontAlgn="base" hangingPunct="0">
-                <a:spcBef>
-                  <a:spcPct val="0"/>
-                </a:spcBef>
-                <a:spcAft>
-                  <a:spcPct val="0"/>
-                </a:spcAft>
-              </a:pPr>
-              <a:r>
-                <a:rPr lang="zh-TW" altLang="en-US" sz="3200" b="1" dirty="0">
-                  <a:solidFill>
-                    <a:schemeClr val="tx1">
-                      <a:lumMod val="85000"/>
-                      <a:lumOff val="15000"/>
-                    </a:schemeClr>
-                  </a:solidFill>
-                  <a:latin typeface="Arial" panose="020B0604020202020204" pitchFamily="34" charset="0"/>
-                </a:rPr>
-                <a:t>、時間與空間複雜度分析，以及簡明說明文字。這種結</a:t>
-              </a:r>
-              <a:endParaRPr lang="en-US" altLang="zh-TW" sz="3200" b="1" dirty="0">
-                <a:solidFill>
-                  <a:schemeClr val="tx1">
-                    <a:lumMod val="85000"/>
-                    <a:lumOff val="15000"/>
-                  </a:schemeClr>
-                </a:solidFill>
-                <a:latin typeface="Arial" panose="020B0604020202020204" pitchFamily="34" charset="0"/>
-              </a:endParaRPr>
-            </a:p>
-            <a:p>
-              <a:pPr eaLnBrk="0" fontAlgn="base" hangingPunct="0">
-                <a:spcBef>
-                  <a:spcPct val="0"/>
-                </a:spcBef>
-                <a:spcAft>
-                  <a:spcPct val="0"/>
-                </a:spcAft>
-              </a:pPr>
-              <a:r>
-                <a:rPr lang="zh-TW" altLang="en-US" sz="3200" b="1" dirty="0">
-                  <a:solidFill>
-                    <a:schemeClr val="tx1">
-                      <a:lumMod val="85000"/>
-                      <a:lumOff val="15000"/>
-                    </a:schemeClr>
-                  </a:solidFill>
-                  <a:latin typeface="Arial" panose="020B0604020202020204" pitchFamily="34" charset="0"/>
-                </a:rPr>
-                <a:t>構化輸出方便系統進一步處理、解析或顯示，也便於使</a:t>
-              </a:r>
-              <a:endParaRPr lang="en-US" altLang="zh-TW" sz="3200" b="1" dirty="0">
-                <a:solidFill>
-                  <a:schemeClr val="tx1">
-                    <a:lumMod val="85000"/>
-                    <a:lumOff val="15000"/>
-                  </a:schemeClr>
-                </a:solidFill>
-                <a:latin typeface="Arial" panose="020B0604020202020204" pitchFamily="34" charset="0"/>
-              </a:endParaRPr>
-            </a:p>
-            <a:p>
-              <a:pPr eaLnBrk="0" fontAlgn="base" hangingPunct="0">
-                <a:spcBef>
-                  <a:spcPct val="0"/>
-                </a:spcBef>
-                <a:spcAft>
-                  <a:spcPct val="0"/>
-                </a:spcAft>
-              </a:pPr>
-              <a:r>
-                <a:rPr lang="zh-TW" altLang="en-US" sz="3200" b="1" dirty="0">
-                  <a:solidFill>
-                    <a:schemeClr val="tx1">
-                      <a:lumMod val="85000"/>
-                      <a:lumOff val="15000"/>
-                    </a:schemeClr>
-                  </a:solidFill>
-                  <a:latin typeface="Arial" panose="020B0604020202020204" pitchFamily="34" charset="0"/>
-                </a:rPr>
-                <a:t>用者直接在不同平台或工具中引用與操作。</a:t>
-              </a:r>
-            </a:p>
-          </p:txBody>
-        </p:sp>
-      </p:grpSp>
-      <p:sp>
-        <p:nvSpPr>
-          <p:cNvPr id="23" name="矩形 22">
-            <a:extLst>
-              <a:ext uri="{FF2B5EF4-FFF2-40B4-BE49-F238E27FC236}">
-                <a16:creationId xmlns:a16="http://schemas.microsoft.com/office/drawing/2014/main" id="{6B9849F7-69C8-4E77-AEFA-4B573C198B64}"/>
-              </a:ext>
-            </a:extLst>
-          </p:cNvPr>
-          <p:cNvSpPr/>
-          <p:nvPr/>
-        </p:nvSpPr>
-        <p:spPr>
-          <a:xfrm>
-            <a:off x="926957" y="5118342"/>
-            <a:ext cx="10338086" cy="523220"/>
-          </a:xfrm>
-          <a:prstGeom prst="rect">
-            <a:avLst/>
-          </a:prstGeom>
-        </p:spPr>
-        <p:txBody>
-          <a:bodyPr wrap="none">
-            <a:spAutoFit/>
-          </a:bodyPr>
-          <a:lstStyle/>
-          <a:p>
-            <a:r>
-              <a:rPr lang="zh-TW" altLang="en-US" sz="2800" b="1" dirty="0">
-                <a:solidFill>
-                  <a:srgbClr val="149CCA"/>
-                </a:solidFill>
-                <a:latin typeface="Arial" panose="020B0604020202020204" pitchFamily="34" charset="0"/>
-              </a:rPr>
-              <a:t>程式碼以統一 </a:t>
-            </a:r>
-            <a:r>
-              <a:rPr lang="en-US" altLang="zh-TW" sz="2800" b="1" dirty="0">
-                <a:solidFill>
-                  <a:srgbClr val="149CCA"/>
-                </a:solidFill>
-                <a:latin typeface="Arial" panose="020B0604020202020204" pitchFamily="34" charset="0"/>
-              </a:rPr>
-              <a:t>JSON </a:t>
-            </a:r>
-            <a:r>
-              <a:rPr lang="zh-TW" altLang="en-US" sz="2800" b="1" dirty="0">
-                <a:solidFill>
-                  <a:srgbClr val="149CCA"/>
-                </a:solidFill>
-                <a:latin typeface="Arial" panose="020B0604020202020204" pitchFamily="34" charset="0"/>
-              </a:rPr>
-              <a:t>格式輸出，方便解析、展示與跨平台使用。</a:t>
-            </a:r>
-          </a:p>
-        </p:txBody>
-      </p:sp>
-    </p:spTree>
-    <p:extLst>
-      <p:ext uri="{BB962C8B-B14F-4D97-AF65-F5344CB8AC3E}">
-        <p14:creationId xmlns:p14="http://schemas.microsoft.com/office/powerpoint/2010/main" val="3828739911"/>
-      </p:ext>
-    </p:extLst>
-  </p:cSld>
-  <p:clrMapOvr>
-    <a:masterClrMapping/>
-  </p:clrMapOvr>
-  <p:timing>
-    <p:tnLst>
-      <p:par>
-        <p:cTn id="1" dur="indefinite" restart="never" nodeType="tmRoot">
-          <p:childTnLst>
-            <p:seq concurrent="1" nextAc="seek">
-              <p:cTn id="2" dur="indefinite" nodeType="mainSeq">
-                <p:childTnLst>
-                  <p:par>
-                    <p:cTn id="3" fill="hold">
-                      <p:stCondLst>
-                        <p:cond delay="indefinite"/>
-                        <p:cond evt="onBegin" delay="0">
-                          <p:tn val="2"/>
-                        </p:cond>
-                      </p:stCondLst>
-                      <p:childTnLst>
-                        <p:par>
-                          <p:cTn id="4" fill="hold">
-                            <p:stCondLst>
-                              <p:cond delay="0"/>
-                            </p:stCondLst>
-                            <p:childTnLst>
-                              <p:par>
-                                <p:cTn id="5" presetID="10" presetClass="entr" presetSubtype="0" fill="hold" nodeType="afterEffect">
-                                  <p:stCondLst>
-                                    <p:cond delay="0"/>
-                                  </p:stCondLst>
-                                  <p:childTnLst>
-                                    <p:set>
-                                      <p:cBhvr>
-                                        <p:cTn id="6" dur="1" fill="hold">
-                                          <p:stCondLst>
-                                            <p:cond delay="0"/>
-                                          </p:stCondLst>
-                                        </p:cTn>
-                                        <p:tgtEl>
-                                          <p:spTgt spid="15"/>
-                                        </p:tgtEl>
-                                        <p:attrNameLst>
-                                          <p:attrName>style.visibility</p:attrName>
-                                        </p:attrNameLst>
-                                      </p:cBhvr>
-                                      <p:to>
-                                        <p:strVal val="visible"/>
-                                      </p:to>
-                                    </p:set>
-                                    <p:animEffect transition="in" filter="fade">
-                                      <p:cBhvr>
-                                        <p:cTn id="7" dur="400"/>
-                                        <p:tgtEl>
-                                          <p:spTgt spid="15"/>
-                                        </p:tgtEl>
-                                      </p:cBhvr>
-                                    </p:animEffect>
-                                  </p:childTnLst>
-                                </p:cTn>
-                              </p:par>
-                            </p:childTnLst>
-                          </p:cTn>
-                        </p:par>
-                        <p:par>
-                          <p:cTn id="8" fill="hold">
-                            <p:stCondLst>
-                              <p:cond delay="400"/>
-                            </p:stCondLst>
-                            <p:childTnLst>
-                              <p:par>
-                                <p:cTn id="9" presetID="10" presetClass="entr" presetSubtype="0" fill="hold" grpId="0" nodeType="afterEffect">
-                                  <p:stCondLst>
-                                    <p:cond delay="0"/>
-                                  </p:stCondLst>
-                                  <p:childTnLst>
-                                    <p:set>
-                                      <p:cBhvr>
-                                        <p:cTn id="10" dur="1" fill="hold">
-                                          <p:stCondLst>
-                                            <p:cond delay="0"/>
-                                          </p:stCondLst>
-                                        </p:cTn>
-                                        <p:tgtEl>
-                                          <p:spTgt spid="23"/>
-                                        </p:tgtEl>
-                                        <p:attrNameLst>
-                                          <p:attrName>style.visibility</p:attrName>
-                                        </p:attrNameLst>
-                                      </p:cBhvr>
-                                      <p:to>
-                                        <p:strVal val="visible"/>
-                                      </p:to>
-                                    </p:set>
-                                    <p:animEffect transition="in" filter="fade">
-                                      <p:cBhvr>
-                                        <p:cTn id="11" dur="400"/>
-                                        <p:tgtEl>
-                                          <p:spTgt spid="23"/>
-                                        </p:tgtEl>
-                                      </p:cBhvr>
-                                    </p:animEffect>
-                                  </p:childTnLst>
-                                </p:cTn>
-                              </p:par>
-                            </p:childTnLst>
-                          </p:cTn>
-                        </p:par>
-                      </p:childTnLst>
-                    </p:cTn>
-                  </p:par>
-                </p:childTnLst>
-              </p:cTn>
-              <p:prevCondLst>
-                <p:cond evt="onPrev" delay="0">
-                  <p:tgtEl>
-                    <p:sldTgt/>
-                  </p:tgtEl>
-                </p:cond>
-              </p:prevCondLst>
-              <p:nextCondLst>
-                <p:cond evt="onNext" delay="0">
-                  <p:tgtEl>
-                    <p:sldTgt/>
-                  </p:tgtEl>
-                </p:cond>
-              </p:nextCondLst>
-            </p:seq>
-          </p:childTnLst>
-        </p:cTn>
-      </p:par>
-    </p:tnLst>
-    <p:bldLst>
-      <p:bldP spid="23" grpId="0"/>
-    </p:bldLst>
-  </p:timing>
-</p:sld>
-</file>
-
-<file path=ppt/slides/slide15.xml><?xml version="1.0" encoding="utf-8"?>
-<p:sld xmlns:a="http://schemas.openxmlformats.org/drawingml/2006/main" xmlns:r="http://schemas.openxmlformats.org/officeDocument/2006/relationships" xmlns:p="http://schemas.openxmlformats.org/presentationml/2006/main">
-  <p:cSld>
-    <p:spTree>
-      <p:nvGrpSpPr>
-        <p:cNvPr id="1" name=""/>
-        <p:cNvGrpSpPr/>
-        <p:nvPr/>
-      </p:nvGrpSpPr>
-      <p:grpSpPr>
-        <a:xfrm>
-          <a:off x="0" y="0"/>
-          <a:ext cx="0" cy="0"/>
-          <a:chOff x="0" y="0"/>
-          <a:chExt cx="0" cy="0"/>
-        </a:xfrm>
-      </p:grpSpPr>
-      <p:grpSp>
-        <p:nvGrpSpPr>
-          <p:cNvPr id="15" name="群組 14">
-            <a:extLst>
-              <a:ext uri="{FF2B5EF4-FFF2-40B4-BE49-F238E27FC236}">
-                <a16:creationId xmlns:a16="http://schemas.microsoft.com/office/drawing/2014/main" id="{1E3C817B-76F2-4559-A4FC-4B650C24416D}"/>
-              </a:ext>
-            </a:extLst>
-          </p:cNvPr>
-          <p:cNvGrpSpPr/>
-          <p:nvPr/>
-        </p:nvGrpSpPr>
-        <p:grpSpPr>
-          <a:xfrm>
-            <a:off x="784430" y="1559952"/>
-            <a:ext cx="10179297" cy="3091908"/>
-            <a:chOff x="6338829" y="2452629"/>
-            <a:chExt cx="10179297" cy="1719043"/>
-          </a:xfrm>
-        </p:grpSpPr>
-        <p:sp>
-          <p:nvSpPr>
-            <p:cNvPr id="16" name="橢圓 15">
-              <a:extLst>
-                <a:ext uri="{FF2B5EF4-FFF2-40B4-BE49-F238E27FC236}">
-                  <a16:creationId xmlns:a16="http://schemas.microsoft.com/office/drawing/2014/main" id="{1868D27F-7A91-4B67-92FA-B95E4DD69BE3}"/>
-                </a:ext>
-              </a:extLst>
-            </p:cNvPr>
-            <p:cNvSpPr/>
-            <p:nvPr/>
-          </p:nvSpPr>
-          <p:spPr>
-            <a:xfrm>
-              <a:off x="6338829" y="2452629"/>
-              <a:ext cx="450000" cy="450000"/>
-            </a:xfrm>
-            <a:prstGeom prst="ellipse">
-              <a:avLst/>
-            </a:prstGeom>
-            <a:solidFill>
-              <a:schemeClr val="bg1">
-                <a:lumMod val="95000"/>
-              </a:schemeClr>
-            </a:solidFill>
-            <a:ln>
-              <a:noFill/>
-            </a:ln>
-          </p:spPr>
-          <p:style>
-            <a:lnRef idx="2">
-              <a:schemeClr val="accent1">
-                <a:shade val="50000"/>
-              </a:schemeClr>
-            </a:lnRef>
-            <a:fillRef idx="1">
-              <a:schemeClr val="accent1"/>
-            </a:fillRef>
-            <a:effectRef idx="0">
-              <a:schemeClr val="accent1"/>
-            </a:effectRef>
-            <a:fontRef idx="minor">
-              <a:schemeClr val="lt1"/>
-            </a:fontRef>
-          </p:style>
-          <p:txBody>
-            <a:bodyPr rtlCol="0" anchor="ctr"/>
-            <a:lstStyle/>
-            <a:p>
-              <a:pPr algn="ctr"/>
-              <a:endParaRPr lang="zh-TW" altLang="en-US" sz="1050" dirty="0"/>
-            </a:p>
-          </p:txBody>
-        </p:sp>
-        <p:sp>
-          <p:nvSpPr>
-            <p:cNvPr id="17" name="文字方塊 16">
-              <a:extLst>
-                <a:ext uri="{FF2B5EF4-FFF2-40B4-BE49-F238E27FC236}">
-                  <a16:creationId xmlns:a16="http://schemas.microsoft.com/office/drawing/2014/main" id="{DD5D0093-B647-482D-84EE-33C0106C0634}"/>
-                </a:ext>
-              </a:extLst>
-            </p:cNvPr>
-            <p:cNvSpPr txBox="1"/>
-            <p:nvPr/>
-          </p:nvSpPr>
-          <p:spPr>
-            <a:xfrm>
-              <a:off x="6348354" y="2477604"/>
-              <a:ext cx="10169772" cy="1694068"/>
-            </a:xfrm>
-            <a:prstGeom prst="rect">
-              <a:avLst/>
-            </a:prstGeom>
-            <a:noFill/>
-          </p:spPr>
-          <p:txBody>
-            <a:bodyPr wrap="none" rtlCol="0">
-              <a:spAutoFit/>
-            </a:bodyPr>
-            <a:lstStyle/>
-            <a:p>
-              <a:pPr eaLnBrk="0" fontAlgn="base" hangingPunct="0">
-                <a:spcBef>
-                  <a:spcPct val="0"/>
-                </a:spcBef>
-                <a:spcAft>
-                  <a:spcPct val="0"/>
-                </a:spcAft>
-              </a:pPr>
-              <a:r>
-                <a:rPr lang="en-US" altLang="zh-TW" sz="3200" b="1" dirty="0">
-                  <a:solidFill>
-                    <a:srgbClr val="149CCA"/>
-                  </a:solidFill>
-                  <a:latin typeface="Arial" panose="020B0604020202020204" pitchFamily="34" charset="0"/>
-                </a:rPr>
-                <a:t>GPT </a:t>
-              </a:r>
-              <a:r>
-                <a:rPr lang="zh-TW" altLang="en-US" sz="3200" b="1" dirty="0">
-                  <a:solidFill>
-                    <a:srgbClr val="149CCA"/>
-                  </a:solidFill>
-                  <a:latin typeface="Arial" panose="020B0604020202020204" pitchFamily="34" charset="0"/>
-                </a:rPr>
-                <a:t>模擬 </a:t>
-              </a:r>
-              <a:r>
-                <a:rPr lang="en-US" altLang="zh-TW" sz="3200" b="1" dirty="0">
-                  <a:solidFill>
-                    <a:srgbClr val="149CCA"/>
-                  </a:solidFill>
-                  <a:latin typeface="Arial" panose="020B0604020202020204" pitchFamily="34" charset="0"/>
-                </a:rPr>
-                <a:t>+ </a:t>
-              </a:r>
-              <a:r>
-                <a:rPr lang="en-US" altLang="zh-TW" sz="3200" b="1" dirty="0" err="1">
-                  <a:solidFill>
-                    <a:srgbClr val="149CCA"/>
-                  </a:solidFill>
-                  <a:latin typeface="Arial" panose="020B0604020202020204" pitchFamily="34" charset="0"/>
-                </a:rPr>
-                <a:t>JDoodle</a:t>
-              </a:r>
-              <a:r>
-                <a:rPr lang="en-US" altLang="zh-TW" sz="3200" b="1" dirty="0">
-                  <a:solidFill>
-                    <a:srgbClr val="149CCA"/>
-                  </a:solidFill>
-                  <a:latin typeface="Arial" panose="020B0604020202020204" pitchFamily="34" charset="0"/>
-                </a:rPr>
-                <a:t> </a:t>
-              </a:r>
-              <a:r>
-                <a:rPr lang="zh-TW" altLang="en-US" sz="3200" b="1" dirty="0">
-                  <a:solidFill>
-                    <a:srgbClr val="149CCA"/>
-                  </a:solidFill>
-                  <a:latin typeface="Arial" panose="020B0604020202020204" pitchFamily="34" charset="0"/>
-                </a:rPr>
-                <a:t>真實執行</a:t>
-              </a:r>
-              <a:endParaRPr lang="en-US" altLang="zh-TW" sz="3200" b="1" dirty="0">
-                <a:solidFill>
-                  <a:srgbClr val="149CCA"/>
-                </a:solidFill>
-                <a:latin typeface="Arial" panose="020B0604020202020204" pitchFamily="34" charset="0"/>
-              </a:endParaRPr>
-            </a:p>
-            <a:p>
-              <a:pPr eaLnBrk="0" fontAlgn="base" hangingPunct="0">
-                <a:spcBef>
-                  <a:spcPct val="0"/>
-                </a:spcBef>
-                <a:spcAft>
-                  <a:spcPct val="0"/>
-                </a:spcAft>
-              </a:pPr>
-              <a:r>
-                <a:rPr lang="zh-TW" altLang="en-US" sz="3200" b="1" dirty="0">
-                  <a:solidFill>
-                    <a:schemeClr val="tx1">
-                      <a:lumMod val="85000"/>
-                      <a:lumOff val="15000"/>
-                    </a:schemeClr>
-                  </a:solidFill>
-                  <a:latin typeface="Arial" panose="020B0604020202020204" pitchFamily="34" charset="0"/>
-                </a:rPr>
-                <a:t>系統提供雙重程式執行功能：</a:t>
-              </a:r>
-              <a:r>
-                <a:rPr lang="en-US" altLang="zh-TW" sz="3200" b="1" dirty="0">
-                  <a:solidFill>
-                    <a:schemeClr val="tx1">
-                      <a:lumMod val="85000"/>
-                      <a:lumOff val="15000"/>
-                    </a:schemeClr>
-                  </a:solidFill>
-                  <a:latin typeface="Arial" panose="020B0604020202020204" pitchFamily="34" charset="0"/>
-                </a:rPr>
-                <a:t>GPT </a:t>
-              </a:r>
-              <a:r>
-                <a:rPr lang="zh-TW" altLang="en-US" sz="3200" b="1" dirty="0">
-                  <a:solidFill>
-                    <a:schemeClr val="tx1">
-                      <a:lumMod val="85000"/>
-                      <a:lumOff val="15000"/>
-                    </a:schemeClr>
-                  </a:solidFill>
-                  <a:latin typeface="Arial" panose="020B0604020202020204" pitchFamily="34" charset="0"/>
-                </a:rPr>
-                <a:t>模擬可快速預覽程式</a:t>
-              </a:r>
-              <a:endParaRPr lang="en-US" altLang="zh-TW" sz="3200" b="1" dirty="0">
-                <a:solidFill>
-                  <a:schemeClr val="tx1">
-                    <a:lumMod val="85000"/>
-                    <a:lumOff val="15000"/>
-                  </a:schemeClr>
-                </a:solidFill>
-                <a:latin typeface="Arial" panose="020B0604020202020204" pitchFamily="34" charset="0"/>
-              </a:endParaRPr>
-            </a:p>
-            <a:p>
-              <a:pPr eaLnBrk="0" fontAlgn="base" hangingPunct="0">
-                <a:spcBef>
-                  <a:spcPct val="0"/>
-                </a:spcBef>
-                <a:spcAft>
-                  <a:spcPct val="0"/>
-                </a:spcAft>
-              </a:pPr>
-              <a:r>
-                <a:rPr lang="zh-TW" altLang="en-US" sz="3200" b="1" dirty="0">
-                  <a:solidFill>
-                    <a:schemeClr val="tx1">
-                      <a:lumMod val="85000"/>
-                      <a:lumOff val="15000"/>
-                    </a:schemeClr>
-                  </a:solidFill>
-                  <a:latin typeface="Arial" panose="020B0604020202020204" pitchFamily="34" charset="0"/>
-                </a:rPr>
-                <a:t>執行結果，適合快速驗證邏輯；</a:t>
-              </a:r>
-              <a:r>
-                <a:rPr lang="en-US" altLang="zh-TW" sz="3200" b="1" dirty="0" err="1">
-                  <a:solidFill>
-                    <a:schemeClr val="tx1">
-                      <a:lumMod val="85000"/>
-                      <a:lumOff val="15000"/>
-                    </a:schemeClr>
-                  </a:solidFill>
-                  <a:latin typeface="Arial" panose="020B0604020202020204" pitchFamily="34" charset="0"/>
-                </a:rPr>
-                <a:t>JDoodle</a:t>
-              </a:r>
-              <a:r>
-                <a:rPr lang="en-US" altLang="zh-TW" sz="3200" b="1" dirty="0">
-                  <a:solidFill>
-                    <a:schemeClr val="tx1">
-                      <a:lumMod val="85000"/>
-                      <a:lumOff val="15000"/>
-                    </a:schemeClr>
-                  </a:solidFill>
-                  <a:latin typeface="Arial" panose="020B0604020202020204" pitchFamily="34" charset="0"/>
-                </a:rPr>
-                <a:t> API </a:t>
-              </a:r>
-              <a:r>
-                <a:rPr lang="zh-TW" altLang="en-US" sz="3200" b="1" dirty="0">
-                  <a:solidFill>
-                    <a:schemeClr val="tx1">
-                      <a:lumMod val="85000"/>
-                      <a:lumOff val="15000"/>
-                    </a:schemeClr>
-                  </a:solidFill>
-                  <a:latin typeface="Arial" panose="020B0604020202020204" pitchFamily="34" charset="0"/>
-                </a:rPr>
-                <a:t>則能真實</a:t>
-              </a:r>
-              <a:endParaRPr lang="en-US" altLang="zh-TW" sz="3200" b="1" dirty="0">
-                <a:solidFill>
-                  <a:schemeClr val="tx1">
-                    <a:lumMod val="85000"/>
-                    <a:lumOff val="15000"/>
-                  </a:schemeClr>
-                </a:solidFill>
-                <a:latin typeface="Arial" panose="020B0604020202020204" pitchFamily="34" charset="0"/>
-              </a:endParaRPr>
-            </a:p>
-            <a:p>
-              <a:pPr eaLnBrk="0" fontAlgn="base" hangingPunct="0">
-                <a:spcBef>
-                  <a:spcPct val="0"/>
-                </a:spcBef>
-                <a:spcAft>
-                  <a:spcPct val="0"/>
-                </a:spcAft>
-              </a:pPr>
-              <a:r>
-                <a:rPr lang="zh-TW" altLang="en-US" sz="3200" b="1" dirty="0">
-                  <a:solidFill>
-                    <a:schemeClr val="tx1">
-                      <a:lumMod val="85000"/>
-                      <a:lumOff val="15000"/>
-                    </a:schemeClr>
-                  </a:solidFill>
-                  <a:latin typeface="Arial" panose="020B0604020202020204" pitchFamily="34" charset="0"/>
-                </a:rPr>
-                <a:t>執行程式碼，返回正確測試輸出。這種設計讓使用者同</a:t>
-              </a:r>
-              <a:endParaRPr lang="en-US" altLang="zh-TW" sz="3200" b="1" dirty="0">
-                <a:solidFill>
-                  <a:schemeClr val="tx1">
-                    <a:lumMod val="85000"/>
-                    <a:lumOff val="15000"/>
-                  </a:schemeClr>
-                </a:solidFill>
-                <a:latin typeface="Arial" panose="020B0604020202020204" pitchFamily="34" charset="0"/>
-              </a:endParaRPr>
-            </a:p>
-            <a:p>
-              <a:pPr eaLnBrk="0" fontAlgn="base" hangingPunct="0">
-                <a:spcBef>
-                  <a:spcPct val="0"/>
-                </a:spcBef>
-                <a:spcAft>
-                  <a:spcPct val="0"/>
-                </a:spcAft>
-              </a:pPr>
-              <a:r>
-                <a:rPr lang="zh-TW" altLang="en-US" sz="3200" b="1" dirty="0">
-                  <a:solidFill>
-                    <a:schemeClr val="tx1">
-                      <a:lumMod val="85000"/>
-                      <a:lumOff val="15000"/>
-                    </a:schemeClr>
-                  </a:solidFill>
-                  <a:latin typeface="Arial" panose="020B0604020202020204" pitchFamily="34" charset="0"/>
-                </a:rPr>
-                <a:t>時得到預覽與可靠測試結果，避免單純依賴 </a:t>
-              </a:r>
-              <a:r>
-                <a:rPr lang="en-US" altLang="zh-TW" sz="3200" b="1" dirty="0">
-                  <a:solidFill>
-                    <a:schemeClr val="tx1">
-                      <a:lumMod val="85000"/>
-                      <a:lumOff val="15000"/>
-                    </a:schemeClr>
-                  </a:solidFill>
-                  <a:latin typeface="Arial" panose="020B0604020202020204" pitchFamily="34" charset="0"/>
-                </a:rPr>
-                <a:t>AI </a:t>
-              </a:r>
-              <a:r>
-                <a:rPr lang="zh-TW" altLang="en-US" sz="3200" b="1" dirty="0">
-                  <a:solidFill>
-                    <a:schemeClr val="tx1">
-                      <a:lumMod val="85000"/>
-                      <a:lumOff val="15000"/>
-                    </a:schemeClr>
-                  </a:solidFill>
-                  <a:latin typeface="Arial" panose="020B0604020202020204" pitchFamily="34" charset="0"/>
-                </a:rPr>
-                <a:t>模擬可</a:t>
-              </a:r>
-              <a:endParaRPr lang="en-US" altLang="zh-TW" sz="3200" b="1" dirty="0">
-                <a:solidFill>
-                  <a:schemeClr val="tx1">
-                    <a:lumMod val="85000"/>
-                    <a:lumOff val="15000"/>
-                  </a:schemeClr>
-                </a:solidFill>
-                <a:latin typeface="Arial" panose="020B0604020202020204" pitchFamily="34" charset="0"/>
-              </a:endParaRPr>
-            </a:p>
-            <a:p>
-              <a:pPr eaLnBrk="0" fontAlgn="base" hangingPunct="0">
-                <a:spcBef>
-                  <a:spcPct val="0"/>
-                </a:spcBef>
-                <a:spcAft>
-                  <a:spcPct val="0"/>
-                </a:spcAft>
-              </a:pPr>
-              <a:r>
-                <a:rPr lang="zh-TW" altLang="en-US" sz="3200" b="1" dirty="0">
-                  <a:solidFill>
-                    <a:schemeClr val="tx1">
-                      <a:lumMod val="85000"/>
-                      <a:lumOff val="15000"/>
-                    </a:schemeClr>
-                  </a:solidFill>
-                  <a:latin typeface="Arial" panose="020B0604020202020204" pitchFamily="34" charset="0"/>
-                </a:rPr>
-                <a:t>能出現的錯誤。</a:t>
-              </a:r>
-            </a:p>
-          </p:txBody>
-        </p:sp>
-      </p:grpSp>
-      <p:sp>
-        <p:nvSpPr>
-          <p:cNvPr id="23" name="矩形 22">
-            <a:extLst>
-              <a:ext uri="{FF2B5EF4-FFF2-40B4-BE49-F238E27FC236}">
-                <a16:creationId xmlns:a16="http://schemas.microsoft.com/office/drawing/2014/main" id="{6B9849F7-69C8-4E77-AEFA-4B573C198B64}"/>
-              </a:ext>
-            </a:extLst>
-          </p:cNvPr>
-          <p:cNvSpPr/>
-          <p:nvPr/>
-        </p:nvSpPr>
-        <p:spPr>
-          <a:xfrm>
-            <a:off x="1233130" y="5298048"/>
-            <a:ext cx="9725739" cy="461665"/>
-          </a:xfrm>
-          <a:prstGeom prst="rect">
-            <a:avLst/>
-          </a:prstGeom>
-        </p:spPr>
-        <p:txBody>
-          <a:bodyPr wrap="none">
-            <a:spAutoFit/>
-          </a:bodyPr>
-          <a:lstStyle/>
-          <a:p>
-            <a:r>
-              <a:rPr lang="zh-TW" altLang="en-US" sz="2400" b="1" dirty="0">
-                <a:solidFill>
-                  <a:srgbClr val="149CCA"/>
-                </a:solidFill>
-                <a:latin typeface="Arial" panose="020B0604020202020204" pitchFamily="34" charset="0"/>
-              </a:rPr>
-              <a:t>雙重執行功能同時提供程式預覽與真實測試結果，確保程式碼可靠性。</a:t>
-            </a:r>
-          </a:p>
-        </p:txBody>
-      </p:sp>
-    </p:spTree>
-    <p:extLst>
-      <p:ext uri="{BB962C8B-B14F-4D97-AF65-F5344CB8AC3E}">
-        <p14:creationId xmlns:p14="http://schemas.microsoft.com/office/powerpoint/2010/main" val="2746836740"/>
-      </p:ext>
-    </p:extLst>
-  </p:cSld>
-  <p:clrMapOvr>
-    <a:masterClrMapping/>
-  </p:clrMapOvr>
-  <p:timing>
-    <p:tnLst>
-      <p:par>
-        <p:cTn id="1" dur="indefinite" restart="never" nodeType="tmRoot">
-          <p:childTnLst>
-            <p:seq concurrent="1" nextAc="seek">
-              <p:cTn id="2" dur="indefinite" nodeType="mainSeq">
-                <p:childTnLst>
-                  <p:par>
-                    <p:cTn id="3" fill="hold">
-                      <p:stCondLst>
-                        <p:cond delay="indefinite"/>
-                        <p:cond evt="onBegin" delay="0">
-                          <p:tn val="2"/>
-                        </p:cond>
-                      </p:stCondLst>
-                      <p:childTnLst>
-                        <p:par>
-                          <p:cTn id="4" fill="hold">
-                            <p:stCondLst>
-                              <p:cond delay="0"/>
-                            </p:stCondLst>
-                            <p:childTnLst>
-                              <p:par>
-                                <p:cTn id="5" presetID="10" presetClass="entr" presetSubtype="0" fill="hold" nodeType="afterEffect">
-                                  <p:stCondLst>
-                                    <p:cond delay="0"/>
-                                  </p:stCondLst>
-                                  <p:childTnLst>
-                                    <p:set>
-                                      <p:cBhvr>
-                                        <p:cTn id="6" dur="1" fill="hold">
-                                          <p:stCondLst>
-                                            <p:cond delay="0"/>
-                                          </p:stCondLst>
-                                        </p:cTn>
-                                        <p:tgtEl>
-                                          <p:spTgt spid="15"/>
-                                        </p:tgtEl>
-                                        <p:attrNameLst>
-                                          <p:attrName>style.visibility</p:attrName>
-                                        </p:attrNameLst>
-                                      </p:cBhvr>
-                                      <p:to>
-                                        <p:strVal val="visible"/>
-                                      </p:to>
-                                    </p:set>
-                                    <p:animEffect transition="in" filter="fade">
-                                      <p:cBhvr>
-                                        <p:cTn id="7" dur="400"/>
-                                        <p:tgtEl>
-                                          <p:spTgt spid="15"/>
-                                        </p:tgtEl>
-                                      </p:cBhvr>
-                                    </p:animEffect>
-                                  </p:childTnLst>
-                                </p:cTn>
-                              </p:par>
-                            </p:childTnLst>
-                          </p:cTn>
-                        </p:par>
-                        <p:par>
-                          <p:cTn id="8" fill="hold">
-                            <p:stCondLst>
-                              <p:cond delay="400"/>
-                            </p:stCondLst>
-                            <p:childTnLst>
-                              <p:par>
-                                <p:cTn id="9" presetID="10" presetClass="entr" presetSubtype="0" fill="hold" grpId="0" nodeType="afterEffect">
-                                  <p:stCondLst>
-                                    <p:cond delay="0"/>
-                                  </p:stCondLst>
-                                  <p:childTnLst>
-                                    <p:set>
-                                      <p:cBhvr>
-                                        <p:cTn id="10" dur="1" fill="hold">
-                                          <p:stCondLst>
-                                            <p:cond delay="0"/>
-                                          </p:stCondLst>
-                                        </p:cTn>
-                                        <p:tgtEl>
-                                          <p:spTgt spid="23"/>
-                                        </p:tgtEl>
-                                        <p:attrNameLst>
-                                          <p:attrName>style.visibility</p:attrName>
-                                        </p:attrNameLst>
-                                      </p:cBhvr>
-                                      <p:to>
-                                        <p:strVal val="visible"/>
-                                      </p:to>
-                                    </p:set>
-                                    <p:animEffect transition="in" filter="fade">
-                                      <p:cBhvr>
-                                        <p:cTn id="11" dur="400"/>
-                                        <p:tgtEl>
-                                          <p:spTgt spid="23"/>
-                                        </p:tgtEl>
-                                      </p:cBhvr>
-                                    </p:animEffect>
-                                  </p:childTnLst>
-                                </p:cTn>
-                              </p:par>
-                            </p:childTnLst>
-                          </p:cTn>
-                        </p:par>
-                      </p:childTnLst>
-                    </p:cTn>
-                  </p:par>
-                </p:childTnLst>
-              </p:cTn>
-              <p:prevCondLst>
-                <p:cond evt="onPrev" delay="0">
-                  <p:tgtEl>
-                    <p:sldTgt/>
-                  </p:tgtEl>
-                </p:cond>
-              </p:prevCondLst>
-              <p:nextCondLst>
-                <p:cond evt="onNext" delay="0">
-                  <p:tgtEl>
-                    <p:sldTgt/>
-                  </p:tgtEl>
-                </p:cond>
-              </p:nextCondLst>
-            </p:seq>
-          </p:childTnLst>
-        </p:cTn>
-      </p:par>
-    </p:tnLst>
-    <p:bldLst>
-      <p:bldP spid="23" grpId="0"/>
-    </p:bldLst>
-  </p:timing>
-</p:sld>
-</file>
-
-<file path=ppt/slides/slide16.xml><?xml version="1.0" encoding="utf-8"?>
-<p:sld xmlns:a="http://schemas.openxmlformats.org/drawingml/2006/main" xmlns:r="http://schemas.openxmlformats.org/officeDocument/2006/relationships" xmlns:p="http://schemas.openxmlformats.org/presentationml/2006/main">
-  <p:cSld>
-    <p:spTree>
-      <p:nvGrpSpPr>
-        <p:cNvPr id="1" name=""/>
-        <p:cNvGrpSpPr/>
-        <p:nvPr/>
-      </p:nvGrpSpPr>
-      <p:grpSpPr>
-        <a:xfrm>
-          <a:off x="0" y="0"/>
-          <a:ext cx="0" cy="0"/>
-          <a:chOff x="0" y="0"/>
-          <a:chExt cx="0" cy="0"/>
-        </a:xfrm>
-      </p:grpSpPr>
-      <p:grpSp>
-        <p:nvGrpSpPr>
-          <p:cNvPr id="15" name="群組 14">
-            <a:extLst>
-              <a:ext uri="{FF2B5EF4-FFF2-40B4-BE49-F238E27FC236}">
-                <a16:creationId xmlns:a16="http://schemas.microsoft.com/office/drawing/2014/main" id="{1E3C817B-76F2-4559-A4FC-4B650C24416D}"/>
-              </a:ext>
-            </a:extLst>
-          </p:cNvPr>
-          <p:cNvGrpSpPr/>
-          <p:nvPr/>
-        </p:nvGrpSpPr>
-        <p:grpSpPr>
-          <a:xfrm>
-            <a:off x="784430" y="1559952"/>
-            <a:ext cx="9632672" cy="2599465"/>
-            <a:chOff x="6338829" y="2452629"/>
-            <a:chExt cx="9632672" cy="1445254"/>
-          </a:xfrm>
-        </p:grpSpPr>
-        <p:sp>
-          <p:nvSpPr>
-            <p:cNvPr id="16" name="橢圓 15">
-              <a:extLst>
-                <a:ext uri="{FF2B5EF4-FFF2-40B4-BE49-F238E27FC236}">
-                  <a16:creationId xmlns:a16="http://schemas.microsoft.com/office/drawing/2014/main" id="{1868D27F-7A91-4B67-92FA-B95E4DD69BE3}"/>
-                </a:ext>
-              </a:extLst>
-            </p:cNvPr>
-            <p:cNvSpPr/>
-            <p:nvPr/>
-          </p:nvSpPr>
-          <p:spPr>
-            <a:xfrm>
-              <a:off x="6338829" y="2452629"/>
-              <a:ext cx="450000" cy="450000"/>
-            </a:xfrm>
-            <a:prstGeom prst="ellipse">
-              <a:avLst/>
-            </a:prstGeom>
-            <a:solidFill>
-              <a:schemeClr val="bg1">
-                <a:lumMod val="95000"/>
-              </a:schemeClr>
-            </a:solidFill>
-            <a:ln>
-              <a:noFill/>
-            </a:ln>
-          </p:spPr>
-          <p:style>
-            <a:lnRef idx="2">
-              <a:schemeClr val="accent1">
-                <a:shade val="50000"/>
-              </a:schemeClr>
-            </a:lnRef>
-            <a:fillRef idx="1">
-              <a:schemeClr val="accent1"/>
-            </a:fillRef>
-            <a:effectRef idx="0">
-              <a:schemeClr val="accent1"/>
-            </a:effectRef>
-            <a:fontRef idx="minor">
-              <a:schemeClr val="lt1"/>
-            </a:fontRef>
-          </p:style>
-          <p:txBody>
-            <a:bodyPr rtlCol="0" anchor="ctr"/>
-            <a:lstStyle/>
-            <a:p>
-              <a:pPr algn="ctr"/>
-              <a:endParaRPr lang="zh-TW" altLang="en-US" sz="1050" dirty="0"/>
-            </a:p>
-          </p:txBody>
-        </p:sp>
-        <p:sp>
-          <p:nvSpPr>
-            <p:cNvPr id="17" name="文字方塊 16">
-              <a:extLst>
-                <a:ext uri="{FF2B5EF4-FFF2-40B4-BE49-F238E27FC236}">
-                  <a16:creationId xmlns:a16="http://schemas.microsoft.com/office/drawing/2014/main" id="{DD5D0093-B647-482D-84EE-33C0106C0634}"/>
-                </a:ext>
-              </a:extLst>
-            </p:cNvPr>
-            <p:cNvSpPr txBox="1"/>
-            <p:nvPr/>
-          </p:nvSpPr>
-          <p:spPr>
-            <a:xfrm>
-              <a:off x="6348354" y="2477604"/>
-              <a:ext cx="9623147" cy="1420279"/>
-            </a:xfrm>
-            <a:prstGeom prst="rect">
-              <a:avLst/>
-            </a:prstGeom>
-            <a:noFill/>
-          </p:spPr>
-          <p:txBody>
-            <a:bodyPr wrap="none" rtlCol="0">
-              <a:spAutoFit/>
-            </a:bodyPr>
-            <a:lstStyle/>
-            <a:p>
-              <a:pPr eaLnBrk="0" fontAlgn="base" hangingPunct="0">
-                <a:spcBef>
-                  <a:spcPct val="0"/>
-                </a:spcBef>
-                <a:spcAft>
-                  <a:spcPct val="0"/>
-                </a:spcAft>
-              </a:pPr>
-              <a:r>
-                <a:rPr lang="zh-TW" altLang="en-US" sz="3200" b="1" dirty="0">
-                  <a:solidFill>
-                    <a:srgbClr val="149CCA"/>
-                  </a:solidFill>
-                  <a:latin typeface="Arial" panose="020B0604020202020204" pitchFamily="34" charset="0"/>
-                </a:rPr>
-                <a:t>複雜度分析、語法檢查</a:t>
-              </a:r>
-              <a:endParaRPr lang="en-US" altLang="zh-TW" sz="3200" b="1" dirty="0">
-                <a:solidFill>
-                  <a:srgbClr val="149CCA"/>
-                </a:solidFill>
-                <a:latin typeface="Arial" panose="020B0604020202020204" pitchFamily="34" charset="0"/>
-              </a:endParaRPr>
-            </a:p>
-            <a:p>
-              <a:pPr eaLnBrk="0" fontAlgn="base" hangingPunct="0">
-                <a:spcBef>
-                  <a:spcPct val="0"/>
-                </a:spcBef>
-                <a:spcAft>
-                  <a:spcPct val="0"/>
-                </a:spcAft>
-              </a:pPr>
-              <a:r>
-                <a:rPr lang="zh-TW" altLang="en-US" sz="3200" b="1" dirty="0">
-                  <a:solidFill>
-                    <a:schemeClr val="tx1">
-                      <a:lumMod val="85000"/>
-                      <a:lumOff val="15000"/>
-                    </a:schemeClr>
-                  </a:solidFill>
-                  <a:latin typeface="Arial" panose="020B0604020202020204" pitchFamily="34" charset="0"/>
-                </a:rPr>
-                <a:t>系統自動分析生成程式碼的時間與空間複雜度，提供</a:t>
-              </a:r>
-              <a:endParaRPr lang="en-US" altLang="zh-TW" sz="3200" b="1" dirty="0">
-                <a:solidFill>
-                  <a:schemeClr val="tx1">
-                    <a:lumMod val="85000"/>
-                    <a:lumOff val="15000"/>
-                  </a:schemeClr>
-                </a:solidFill>
-                <a:latin typeface="Arial" panose="020B0604020202020204" pitchFamily="34" charset="0"/>
-              </a:endParaRPr>
-            </a:p>
-            <a:p>
-              <a:pPr eaLnBrk="0" fontAlgn="base" hangingPunct="0">
-                <a:spcBef>
-                  <a:spcPct val="0"/>
-                </a:spcBef>
-                <a:spcAft>
-                  <a:spcPct val="0"/>
-                </a:spcAft>
-              </a:pPr>
-              <a:r>
-                <a:rPr lang="zh-TW" altLang="en-US" sz="3200" b="1" dirty="0">
-                  <a:solidFill>
-                    <a:schemeClr val="tx1">
-                      <a:lumMod val="85000"/>
-                      <a:lumOff val="15000"/>
-                    </a:schemeClr>
-                  </a:solidFill>
-                  <a:latin typeface="Arial" panose="020B0604020202020204" pitchFamily="34" charset="0"/>
-                </a:rPr>
-                <a:t>使用者對程式效率的直觀了解。同時進行語法檢查與</a:t>
-              </a:r>
-              <a:endParaRPr lang="en-US" altLang="zh-TW" sz="3200" b="1" dirty="0">
-                <a:solidFill>
-                  <a:schemeClr val="tx1">
-                    <a:lumMod val="85000"/>
-                    <a:lumOff val="15000"/>
-                  </a:schemeClr>
-                </a:solidFill>
-                <a:latin typeface="Arial" panose="020B0604020202020204" pitchFamily="34" charset="0"/>
-              </a:endParaRPr>
-            </a:p>
-            <a:p>
-              <a:pPr eaLnBrk="0" fontAlgn="base" hangingPunct="0">
-                <a:spcBef>
-                  <a:spcPct val="0"/>
-                </a:spcBef>
-                <a:spcAft>
-                  <a:spcPct val="0"/>
-                </a:spcAft>
-              </a:pPr>
-              <a:r>
-                <a:rPr lang="zh-TW" altLang="en-US" sz="3200" b="1" dirty="0">
-                  <a:solidFill>
-                    <a:schemeClr val="tx1">
-                      <a:lumMod val="85000"/>
-                      <a:lumOff val="15000"/>
-                    </a:schemeClr>
-                  </a:solidFill>
-                  <a:latin typeface="Arial" panose="020B0604020202020204" pitchFamily="34" charset="0"/>
-                </a:rPr>
-                <a:t>優化建議，幫助使用者提高程式碼品質、可讀性與維</a:t>
-              </a:r>
-              <a:endParaRPr lang="en-US" altLang="zh-TW" sz="3200" b="1" dirty="0">
-                <a:solidFill>
-                  <a:schemeClr val="tx1">
-                    <a:lumMod val="85000"/>
-                    <a:lumOff val="15000"/>
-                  </a:schemeClr>
-                </a:solidFill>
-                <a:latin typeface="Arial" panose="020B0604020202020204" pitchFamily="34" charset="0"/>
-              </a:endParaRPr>
-            </a:p>
-            <a:p>
-              <a:pPr eaLnBrk="0" fontAlgn="base" hangingPunct="0">
-                <a:spcBef>
-                  <a:spcPct val="0"/>
-                </a:spcBef>
-                <a:spcAft>
-                  <a:spcPct val="0"/>
-                </a:spcAft>
-              </a:pPr>
-              <a:r>
-                <a:rPr lang="zh-TW" altLang="en-US" sz="3200" b="1" dirty="0">
-                  <a:solidFill>
-                    <a:schemeClr val="tx1">
-                      <a:lumMod val="85000"/>
-                      <a:lumOff val="15000"/>
-                    </a:schemeClr>
-                  </a:solidFill>
-                  <a:latin typeface="Arial" panose="020B0604020202020204" pitchFamily="34" charset="0"/>
-                </a:rPr>
-                <a:t>護性，降低潛在錯誤發生率。</a:t>
-              </a:r>
-            </a:p>
-          </p:txBody>
-        </p:sp>
-      </p:grpSp>
-      <p:sp>
-        <p:nvSpPr>
-          <p:cNvPr id="23" name="矩形 22">
-            <a:extLst>
-              <a:ext uri="{FF2B5EF4-FFF2-40B4-BE49-F238E27FC236}">
-                <a16:creationId xmlns:a16="http://schemas.microsoft.com/office/drawing/2014/main" id="{6B9849F7-69C8-4E77-AEFA-4B573C198B64}"/>
-              </a:ext>
-            </a:extLst>
-          </p:cNvPr>
-          <p:cNvSpPr/>
-          <p:nvPr/>
-        </p:nvSpPr>
-        <p:spPr>
-          <a:xfrm>
-            <a:off x="1009430" y="5253127"/>
-            <a:ext cx="10033516" cy="461665"/>
-          </a:xfrm>
-          <a:prstGeom prst="rect">
-            <a:avLst/>
-          </a:prstGeom>
-        </p:spPr>
-        <p:txBody>
-          <a:bodyPr wrap="none">
-            <a:spAutoFit/>
-          </a:bodyPr>
-          <a:lstStyle/>
-          <a:p>
-            <a:r>
-              <a:rPr lang="zh-TW" altLang="en-US" sz="2400" b="1" dirty="0">
-                <a:solidFill>
-                  <a:srgbClr val="149CCA"/>
-                </a:solidFill>
-                <a:latin typeface="Arial" panose="020B0604020202020204" pitchFamily="34" charset="0"/>
-              </a:rPr>
-              <a:t>自動提供時間與空間複雜度分析及語法檢查，提升程式碼品質與可讀性。</a:t>
-            </a:r>
-          </a:p>
-        </p:txBody>
-      </p:sp>
-    </p:spTree>
-    <p:extLst>
-      <p:ext uri="{BB962C8B-B14F-4D97-AF65-F5344CB8AC3E}">
-        <p14:creationId xmlns:p14="http://schemas.microsoft.com/office/powerpoint/2010/main" val="4220024281"/>
       </p:ext>
     </p:extLst>
   </p:cSld>
@@ -17526,6 +17949,1585 @@
           <a:chExt cx="0" cy="0"/>
         </a:xfrm>
       </p:grpSpPr>
+      <p:grpSp>
+        <p:nvGrpSpPr>
+          <p:cNvPr id="15" name="群組 14">
+            <a:extLst>
+              <a:ext uri="{FF2B5EF4-FFF2-40B4-BE49-F238E27FC236}">
+                <a16:creationId xmlns:a16="http://schemas.microsoft.com/office/drawing/2014/main" id="{1E3C817B-76F2-4559-A4FC-4B650C24416D}"/>
+              </a:ext>
+            </a:extLst>
+          </p:cNvPr>
+          <p:cNvGrpSpPr/>
+          <p:nvPr/>
+        </p:nvGrpSpPr>
+        <p:grpSpPr>
+          <a:xfrm>
+            <a:off x="784430" y="1559953"/>
+            <a:ext cx="10156855" cy="2599466"/>
+            <a:chOff x="6338829" y="2452629"/>
+            <a:chExt cx="10156855" cy="1445254"/>
+          </a:xfrm>
+        </p:grpSpPr>
+        <p:sp>
+          <p:nvSpPr>
+            <p:cNvPr id="16" name="橢圓 15">
+              <a:extLst>
+                <a:ext uri="{FF2B5EF4-FFF2-40B4-BE49-F238E27FC236}">
+                  <a16:creationId xmlns:a16="http://schemas.microsoft.com/office/drawing/2014/main" id="{1868D27F-7A91-4B67-92FA-B95E4DD69BE3}"/>
+                </a:ext>
+              </a:extLst>
+            </p:cNvPr>
+            <p:cNvSpPr/>
+            <p:nvPr/>
+          </p:nvSpPr>
+          <p:spPr>
+            <a:xfrm>
+              <a:off x="6338829" y="2452629"/>
+              <a:ext cx="450000" cy="450000"/>
+            </a:xfrm>
+            <a:prstGeom prst="ellipse">
+              <a:avLst/>
+            </a:prstGeom>
+            <a:solidFill>
+              <a:schemeClr val="bg1">
+                <a:lumMod val="95000"/>
+              </a:schemeClr>
+            </a:solidFill>
+            <a:ln>
+              <a:noFill/>
+            </a:ln>
+          </p:spPr>
+          <p:style>
+            <a:lnRef idx="2">
+              <a:schemeClr val="accent1">
+                <a:shade val="50000"/>
+              </a:schemeClr>
+            </a:lnRef>
+            <a:fillRef idx="1">
+              <a:schemeClr val="accent1"/>
+            </a:fillRef>
+            <a:effectRef idx="0">
+              <a:schemeClr val="accent1"/>
+            </a:effectRef>
+            <a:fontRef idx="minor">
+              <a:schemeClr val="lt1"/>
+            </a:fontRef>
+          </p:style>
+          <p:txBody>
+            <a:bodyPr rtlCol="0" anchor="ctr"/>
+            <a:lstStyle/>
+            <a:p>
+              <a:pPr algn="ctr"/>
+              <a:endParaRPr lang="zh-TW" altLang="en-US" sz="1050" dirty="0"/>
+            </a:p>
+          </p:txBody>
+        </p:sp>
+        <p:sp>
+          <p:nvSpPr>
+            <p:cNvPr id="17" name="文字方塊 16">
+              <a:extLst>
+                <a:ext uri="{FF2B5EF4-FFF2-40B4-BE49-F238E27FC236}">
+                  <a16:creationId xmlns:a16="http://schemas.microsoft.com/office/drawing/2014/main" id="{DD5D0093-B647-482D-84EE-33C0106C0634}"/>
+                </a:ext>
+              </a:extLst>
+            </p:cNvPr>
+            <p:cNvSpPr txBox="1"/>
+            <p:nvPr/>
+          </p:nvSpPr>
+          <p:spPr>
+            <a:xfrm>
+              <a:off x="6348354" y="2477604"/>
+              <a:ext cx="10147330" cy="1420279"/>
+            </a:xfrm>
+            <a:prstGeom prst="rect">
+              <a:avLst/>
+            </a:prstGeom>
+            <a:noFill/>
+          </p:spPr>
+          <p:txBody>
+            <a:bodyPr wrap="none" rtlCol="0">
+              <a:spAutoFit/>
+            </a:bodyPr>
+            <a:lstStyle/>
+            <a:p>
+              <a:pPr eaLnBrk="0" fontAlgn="base" hangingPunct="0">
+                <a:spcBef>
+                  <a:spcPct val="0"/>
+                </a:spcBef>
+                <a:spcAft>
+                  <a:spcPct val="0"/>
+                </a:spcAft>
+              </a:pPr>
+              <a:r>
+                <a:rPr lang="en-US" altLang="zh-TW" sz="3200" b="1" dirty="0">
+                  <a:solidFill>
+                    <a:srgbClr val="149CCA"/>
+                  </a:solidFill>
+                  <a:latin typeface="Arial" panose="020B0604020202020204" pitchFamily="34" charset="0"/>
+                </a:rPr>
+                <a:t>JSON </a:t>
+              </a:r>
+              <a:r>
+                <a:rPr lang="zh-TW" altLang="en-US" sz="3200" b="1" dirty="0">
+                  <a:solidFill>
+                    <a:srgbClr val="149CCA"/>
+                  </a:solidFill>
+                  <a:latin typeface="Arial" panose="020B0604020202020204" pitchFamily="34" charset="0"/>
+                </a:rPr>
+                <a:t>格式強制</a:t>
+              </a:r>
+              <a:endParaRPr lang="en-US" altLang="zh-TW" sz="3200" b="1" dirty="0">
+                <a:solidFill>
+                  <a:srgbClr val="149CCA"/>
+                </a:solidFill>
+                <a:latin typeface="Arial" panose="020B0604020202020204" pitchFamily="34" charset="0"/>
+              </a:endParaRPr>
+            </a:p>
+            <a:p>
+              <a:pPr eaLnBrk="0" fontAlgn="base" hangingPunct="0">
+                <a:spcBef>
+                  <a:spcPct val="0"/>
+                </a:spcBef>
+                <a:spcAft>
+                  <a:spcPct val="0"/>
+                </a:spcAft>
+              </a:pPr>
+              <a:r>
+                <a:rPr lang="zh-TW" altLang="en-US" sz="3200" b="1" dirty="0">
+                  <a:solidFill>
+                    <a:schemeClr val="tx1">
+                      <a:lumMod val="85000"/>
+                      <a:lumOff val="15000"/>
+                    </a:schemeClr>
+                  </a:solidFill>
+                  <a:latin typeface="Arial" panose="020B0604020202020204" pitchFamily="34" charset="0"/>
+                </a:rPr>
+                <a:t>生成程式碼採用統一 </a:t>
+              </a:r>
+              <a:r>
+                <a:rPr lang="en-US" altLang="zh-TW" sz="3200" b="1" dirty="0">
+                  <a:solidFill>
+                    <a:schemeClr val="tx1">
+                      <a:lumMod val="85000"/>
+                      <a:lumOff val="15000"/>
+                    </a:schemeClr>
+                  </a:solidFill>
+                  <a:latin typeface="Arial" panose="020B0604020202020204" pitchFamily="34" charset="0"/>
+                </a:rPr>
+                <a:t>JSON </a:t>
+              </a:r>
+              <a:r>
+                <a:rPr lang="zh-TW" altLang="en-US" sz="3200" b="1" dirty="0">
+                  <a:solidFill>
+                    <a:schemeClr val="tx1">
+                      <a:lumMod val="85000"/>
+                      <a:lumOff val="15000"/>
+                    </a:schemeClr>
+                  </a:solidFill>
+                  <a:latin typeface="Arial" panose="020B0604020202020204" pitchFamily="34" charset="0"/>
+                </a:rPr>
+                <a:t>格式輸出，內含完整程式碼</a:t>
+              </a:r>
+              <a:endParaRPr lang="en-US" altLang="zh-TW" sz="3200" b="1" dirty="0">
+                <a:solidFill>
+                  <a:schemeClr val="tx1">
+                    <a:lumMod val="85000"/>
+                    <a:lumOff val="15000"/>
+                  </a:schemeClr>
+                </a:solidFill>
+                <a:latin typeface="Arial" panose="020B0604020202020204" pitchFamily="34" charset="0"/>
+              </a:endParaRPr>
+            </a:p>
+            <a:p>
+              <a:pPr eaLnBrk="0" fontAlgn="base" hangingPunct="0">
+                <a:spcBef>
+                  <a:spcPct val="0"/>
+                </a:spcBef>
+                <a:spcAft>
+                  <a:spcPct val="0"/>
+                </a:spcAft>
+              </a:pPr>
+              <a:r>
+                <a:rPr lang="zh-TW" altLang="en-US" sz="3200" b="1" dirty="0">
+                  <a:solidFill>
+                    <a:schemeClr val="tx1">
+                      <a:lumMod val="85000"/>
+                      <a:lumOff val="15000"/>
+                    </a:schemeClr>
+                  </a:solidFill>
+                  <a:latin typeface="Arial" panose="020B0604020202020204" pitchFamily="34" charset="0"/>
+                </a:rPr>
+                <a:t>、時間與空間複雜度分析，以及簡明說明文字。這種結</a:t>
+              </a:r>
+              <a:endParaRPr lang="en-US" altLang="zh-TW" sz="3200" b="1" dirty="0">
+                <a:solidFill>
+                  <a:schemeClr val="tx1">
+                    <a:lumMod val="85000"/>
+                    <a:lumOff val="15000"/>
+                  </a:schemeClr>
+                </a:solidFill>
+                <a:latin typeface="Arial" panose="020B0604020202020204" pitchFamily="34" charset="0"/>
+              </a:endParaRPr>
+            </a:p>
+            <a:p>
+              <a:pPr eaLnBrk="0" fontAlgn="base" hangingPunct="0">
+                <a:spcBef>
+                  <a:spcPct val="0"/>
+                </a:spcBef>
+                <a:spcAft>
+                  <a:spcPct val="0"/>
+                </a:spcAft>
+              </a:pPr>
+              <a:r>
+                <a:rPr lang="zh-TW" altLang="en-US" sz="3200" b="1" dirty="0">
+                  <a:solidFill>
+                    <a:schemeClr val="tx1">
+                      <a:lumMod val="85000"/>
+                      <a:lumOff val="15000"/>
+                    </a:schemeClr>
+                  </a:solidFill>
+                  <a:latin typeface="Arial" panose="020B0604020202020204" pitchFamily="34" charset="0"/>
+                </a:rPr>
+                <a:t>構化輸出方便系統進一步處理、解析或顯示，也便於使</a:t>
+              </a:r>
+              <a:endParaRPr lang="en-US" altLang="zh-TW" sz="3200" b="1" dirty="0">
+                <a:solidFill>
+                  <a:schemeClr val="tx1">
+                    <a:lumMod val="85000"/>
+                    <a:lumOff val="15000"/>
+                  </a:schemeClr>
+                </a:solidFill>
+                <a:latin typeface="Arial" panose="020B0604020202020204" pitchFamily="34" charset="0"/>
+              </a:endParaRPr>
+            </a:p>
+            <a:p>
+              <a:pPr eaLnBrk="0" fontAlgn="base" hangingPunct="0">
+                <a:spcBef>
+                  <a:spcPct val="0"/>
+                </a:spcBef>
+                <a:spcAft>
+                  <a:spcPct val="0"/>
+                </a:spcAft>
+              </a:pPr>
+              <a:r>
+                <a:rPr lang="zh-TW" altLang="en-US" sz="3200" b="1" dirty="0">
+                  <a:solidFill>
+                    <a:schemeClr val="tx1">
+                      <a:lumMod val="85000"/>
+                      <a:lumOff val="15000"/>
+                    </a:schemeClr>
+                  </a:solidFill>
+                  <a:latin typeface="Arial" panose="020B0604020202020204" pitchFamily="34" charset="0"/>
+                </a:rPr>
+                <a:t>用者直接在不同平台或工具中引用與操作。</a:t>
+              </a:r>
+            </a:p>
+          </p:txBody>
+        </p:sp>
+      </p:grpSp>
+      <p:sp>
+        <p:nvSpPr>
+          <p:cNvPr id="23" name="矩形 22">
+            <a:extLst>
+              <a:ext uri="{FF2B5EF4-FFF2-40B4-BE49-F238E27FC236}">
+                <a16:creationId xmlns:a16="http://schemas.microsoft.com/office/drawing/2014/main" id="{6B9849F7-69C8-4E77-AEFA-4B573C198B64}"/>
+              </a:ext>
+            </a:extLst>
+          </p:cNvPr>
+          <p:cNvSpPr/>
+          <p:nvPr/>
+        </p:nvSpPr>
+        <p:spPr>
+          <a:xfrm>
+            <a:off x="926957" y="5118342"/>
+            <a:ext cx="10338086" cy="523220"/>
+          </a:xfrm>
+          <a:prstGeom prst="rect">
+            <a:avLst/>
+          </a:prstGeom>
+        </p:spPr>
+        <p:txBody>
+          <a:bodyPr wrap="none">
+            <a:spAutoFit/>
+          </a:bodyPr>
+          <a:lstStyle/>
+          <a:p>
+            <a:r>
+              <a:rPr lang="zh-TW" altLang="en-US" sz="2800" b="1" dirty="0">
+                <a:solidFill>
+                  <a:srgbClr val="149CCA"/>
+                </a:solidFill>
+                <a:latin typeface="Arial" panose="020B0604020202020204" pitchFamily="34" charset="0"/>
+              </a:rPr>
+              <a:t>程式碼以統一 </a:t>
+            </a:r>
+            <a:r>
+              <a:rPr lang="en-US" altLang="zh-TW" sz="2800" b="1" dirty="0">
+                <a:solidFill>
+                  <a:srgbClr val="149CCA"/>
+                </a:solidFill>
+                <a:latin typeface="Arial" panose="020B0604020202020204" pitchFamily="34" charset="0"/>
+              </a:rPr>
+              <a:t>JSON </a:t>
+            </a:r>
+            <a:r>
+              <a:rPr lang="zh-TW" altLang="en-US" sz="2800" b="1" dirty="0">
+                <a:solidFill>
+                  <a:srgbClr val="149CCA"/>
+                </a:solidFill>
+                <a:latin typeface="Arial" panose="020B0604020202020204" pitchFamily="34" charset="0"/>
+              </a:rPr>
+              <a:t>格式輸出，方便解析、展示與跨平台使用。</a:t>
+            </a:r>
+          </a:p>
+        </p:txBody>
+      </p:sp>
+    </p:spTree>
+    <p:extLst>
+      <p:ext uri="{BB962C8B-B14F-4D97-AF65-F5344CB8AC3E}">
+        <p14:creationId xmlns:p14="http://schemas.microsoft.com/office/powerpoint/2010/main" val="3828739911"/>
+      </p:ext>
+    </p:extLst>
+  </p:cSld>
+  <p:clrMapOvr>
+    <a:masterClrMapping/>
+  </p:clrMapOvr>
+  <p:timing>
+    <p:tnLst>
+      <p:par>
+        <p:cTn id="1" dur="indefinite" restart="never" nodeType="tmRoot">
+          <p:childTnLst>
+            <p:seq concurrent="1" nextAc="seek">
+              <p:cTn id="2" dur="indefinite" nodeType="mainSeq">
+                <p:childTnLst>
+                  <p:par>
+                    <p:cTn id="3" fill="hold">
+                      <p:stCondLst>
+                        <p:cond delay="indefinite"/>
+                        <p:cond evt="onBegin" delay="0">
+                          <p:tn val="2"/>
+                        </p:cond>
+                      </p:stCondLst>
+                      <p:childTnLst>
+                        <p:par>
+                          <p:cTn id="4" fill="hold">
+                            <p:stCondLst>
+                              <p:cond delay="0"/>
+                            </p:stCondLst>
+                            <p:childTnLst>
+                              <p:par>
+                                <p:cTn id="5" presetID="10" presetClass="entr" presetSubtype="0" fill="hold" nodeType="afterEffect">
+                                  <p:stCondLst>
+                                    <p:cond delay="0"/>
+                                  </p:stCondLst>
+                                  <p:childTnLst>
+                                    <p:set>
+                                      <p:cBhvr>
+                                        <p:cTn id="6" dur="1" fill="hold">
+                                          <p:stCondLst>
+                                            <p:cond delay="0"/>
+                                          </p:stCondLst>
+                                        </p:cTn>
+                                        <p:tgtEl>
+                                          <p:spTgt spid="15"/>
+                                        </p:tgtEl>
+                                        <p:attrNameLst>
+                                          <p:attrName>style.visibility</p:attrName>
+                                        </p:attrNameLst>
+                                      </p:cBhvr>
+                                      <p:to>
+                                        <p:strVal val="visible"/>
+                                      </p:to>
+                                    </p:set>
+                                    <p:animEffect transition="in" filter="fade">
+                                      <p:cBhvr>
+                                        <p:cTn id="7" dur="400"/>
+                                        <p:tgtEl>
+                                          <p:spTgt spid="15"/>
+                                        </p:tgtEl>
+                                      </p:cBhvr>
+                                    </p:animEffect>
+                                  </p:childTnLst>
+                                </p:cTn>
+                              </p:par>
+                            </p:childTnLst>
+                          </p:cTn>
+                        </p:par>
+                        <p:par>
+                          <p:cTn id="8" fill="hold">
+                            <p:stCondLst>
+                              <p:cond delay="400"/>
+                            </p:stCondLst>
+                            <p:childTnLst>
+                              <p:par>
+                                <p:cTn id="9" presetID="10" presetClass="entr" presetSubtype="0" fill="hold" grpId="0" nodeType="afterEffect">
+                                  <p:stCondLst>
+                                    <p:cond delay="0"/>
+                                  </p:stCondLst>
+                                  <p:childTnLst>
+                                    <p:set>
+                                      <p:cBhvr>
+                                        <p:cTn id="10" dur="1" fill="hold">
+                                          <p:stCondLst>
+                                            <p:cond delay="0"/>
+                                          </p:stCondLst>
+                                        </p:cTn>
+                                        <p:tgtEl>
+                                          <p:spTgt spid="23"/>
+                                        </p:tgtEl>
+                                        <p:attrNameLst>
+                                          <p:attrName>style.visibility</p:attrName>
+                                        </p:attrNameLst>
+                                      </p:cBhvr>
+                                      <p:to>
+                                        <p:strVal val="visible"/>
+                                      </p:to>
+                                    </p:set>
+                                    <p:animEffect transition="in" filter="fade">
+                                      <p:cBhvr>
+                                        <p:cTn id="11" dur="400"/>
+                                        <p:tgtEl>
+                                          <p:spTgt spid="23"/>
+                                        </p:tgtEl>
+                                      </p:cBhvr>
+                                    </p:animEffect>
+                                  </p:childTnLst>
+                                </p:cTn>
+                              </p:par>
+                            </p:childTnLst>
+                          </p:cTn>
+                        </p:par>
+                      </p:childTnLst>
+                    </p:cTn>
+                  </p:par>
+                </p:childTnLst>
+              </p:cTn>
+              <p:prevCondLst>
+                <p:cond evt="onPrev" delay="0">
+                  <p:tgtEl>
+                    <p:sldTgt/>
+                  </p:tgtEl>
+                </p:cond>
+              </p:prevCondLst>
+              <p:nextCondLst>
+                <p:cond evt="onNext" delay="0">
+                  <p:tgtEl>
+                    <p:sldTgt/>
+                  </p:tgtEl>
+                </p:cond>
+              </p:nextCondLst>
+            </p:seq>
+          </p:childTnLst>
+        </p:cTn>
+      </p:par>
+    </p:tnLst>
+    <p:bldLst>
+      <p:bldP spid="23" grpId="0"/>
+    </p:bldLst>
+  </p:timing>
+</p:sld>
+</file>
+
+<file path=ppt/slides/slide18.xml><?xml version="1.0" encoding="utf-8"?>
+<p:sld xmlns:a="http://schemas.openxmlformats.org/drawingml/2006/main" xmlns:r="http://schemas.openxmlformats.org/officeDocument/2006/relationships" xmlns:p="http://schemas.openxmlformats.org/presentationml/2006/main">
+  <p:cSld>
+    <p:spTree>
+      <p:nvGrpSpPr>
+        <p:cNvPr id="1" name=""/>
+        <p:cNvGrpSpPr/>
+        <p:nvPr/>
+      </p:nvGrpSpPr>
+      <p:grpSpPr>
+        <a:xfrm>
+          <a:off x="0" y="0"/>
+          <a:ext cx="0" cy="0"/>
+          <a:chOff x="0" y="0"/>
+          <a:chExt cx="0" cy="0"/>
+        </a:xfrm>
+      </p:grpSpPr>
+      <p:grpSp>
+        <p:nvGrpSpPr>
+          <p:cNvPr id="15" name="群組 14">
+            <a:extLst>
+              <a:ext uri="{FF2B5EF4-FFF2-40B4-BE49-F238E27FC236}">
+                <a16:creationId xmlns:a16="http://schemas.microsoft.com/office/drawing/2014/main" id="{1E3C817B-76F2-4559-A4FC-4B650C24416D}"/>
+              </a:ext>
+            </a:extLst>
+          </p:cNvPr>
+          <p:cNvGrpSpPr/>
+          <p:nvPr/>
+        </p:nvGrpSpPr>
+        <p:grpSpPr>
+          <a:xfrm>
+            <a:off x="784430" y="1559952"/>
+            <a:ext cx="10179297" cy="3091908"/>
+            <a:chOff x="6338829" y="2452629"/>
+            <a:chExt cx="10179297" cy="1719043"/>
+          </a:xfrm>
+        </p:grpSpPr>
+        <p:sp>
+          <p:nvSpPr>
+            <p:cNvPr id="16" name="橢圓 15">
+              <a:extLst>
+                <a:ext uri="{FF2B5EF4-FFF2-40B4-BE49-F238E27FC236}">
+                  <a16:creationId xmlns:a16="http://schemas.microsoft.com/office/drawing/2014/main" id="{1868D27F-7A91-4B67-92FA-B95E4DD69BE3}"/>
+                </a:ext>
+              </a:extLst>
+            </p:cNvPr>
+            <p:cNvSpPr/>
+            <p:nvPr/>
+          </p:nvSpPr>
+          <p:spPr>
+            <a:xfrm>
+              <a:off x="6338829" y="2452629"/>
+              <a:ext cx="450000" cy="450000"/>
+            </a:xfrm>
+            <a:prstGeom prst="ellipse">
+              <a:avLst/>
+            </a:prstGeom>
+            <a:solidFill>
+              <a:schemeClr val="bg1">
+                <a:lumMod val="95000"/>
+              </a:schemeClr>
+            </a:solidFill>
+            <a:ln>
+              <a:noFill/>
+            </a:ln>
+          </p:spPr>
+          <p:style>
+            <a:lnRef idx="2">
+              <a:schemeClr val="accent1">
+                <a:shade val="50000"/>
+              </a:schemeClr>
+            </a:lnRef>
+            <a:fillRef idx="1">
+              <a:schemeClr val="accent1"/>
+            </a:fillRef>
+            <a:effectRef idx="0">
+              <a:schemeClr val="accent1"/>
+            </a:effectRef>
+            <a:fontRef idx="minor">
+              <a:schemeClr val="lt1"/>
+            </a:fontRef>
+          </p:style>
+          <p:txBody>
+            <a:bodyPr rtlCol="0" anchor="ctr"/>
+            <a:lstStyle/>
+            <a:p>
+              <a:pPr algn="ctr"/>
+              <a:endParaRPr lang="zh-TW" altLang="en-US" sz="1050" dirty="0"/>
+            </a:p>
+          </p:txBody>
+        </p:sp>
+        <p:sp>
+          <p:nvSpPr>
+            <p:cNvPr id="17" name="文字方塊 16">
+              <a:extLst>
+                <a:ext uri="{FF2B5EF4-FFF2-40B4-BE49-F238E27FC236}">
+                  <a16:creationId xmlns:a16="http://schemas.microsoft.com/office/drawing/2014/main" id="{DD5D0093-B647-482D-84EE-33C0106C0634}"/>
+                </a:ext>
+              </a:extLst>
+            </p:cNvPr>
+            <p:cNvSpPr txBox="1"/>
+            <p:nvPr/>
+          </p:nvSpPr>
+          <p:spPr>
+            <a:xfrm>
+              <a:off x="6348354" y="2477604"/>
+              <a:ext cx="10169772" cy="1694068"/>
+            </a:xfrm>
+            <a:prstGeom prst="rect">
+              <a:avLst/>
+            </a:prstGeom>
+            <a:noFill/>
+          </p:spPr>
+          <p:txBody>
+            <a:bodyPr wrap="none" rtlCol="0">
+              <a:spAutoFit/>
+            </a:bodyPr>
+            <a:lstStyle/>
+            <a:p>
+              <a:pPr eaLnBrk="0" fontAlgn="base" hangingPunct="0">
+                <a:spcBef>
+                  <a:spcPct val="0"/>
+                </a:spcBef>
+                <a:spcAft>
+                  <a:spcPct val="0"/>
+                </a:spcAft>
+              </a:pPr>
+              <a:r>
+                <a:rPr lang="en-US" altLang="zh-TW" sz="3200" b="1" dirty="0">
+                  <a:solidFill>
+                    <a:srgbClr val="149CCA"/>
+                  </a:solidFill>
+                  <a:latin typeface="Arial" panose="020B0604020202020204" pitchFamily="34" charset="0"/>
+                </a:rPr>
+                <a:t>GPT </a:t>
+              </a:r>
+              <a:r>
+                <a:rPr lang="zh-TW" altLang="en-US" sz="3200" b="1" dirty="0">
+                  <a:solidFill>
+                    <a:srgbClr val="149CCA"/>
+                  </a:solidFill>
+                  <a:latin typeface="Arial" panose="020B0604020202020204" pitchFamily="34" charset="0"/>
+                </a:rPr>
+                <a:t>模擬 </a:t>
+              </a:r>
+              <a:r>
+                <a:rPr lang="en-US" altLang="zh-TW" sz="3200" b="1" dirty="0">
+                  <a:solidFill>
+                    <a:srgbClr val="149CCA"/>
+                  </a:solidFill>
+                  <a:latin typeface="Arial" panose="020B0604020202020204" pitchFamily="34" charset="0"/>
+                </a:rPr>
+                <a:t>+ </a:t>
+              </a:r>
+              <a:r>
+                <a:rPr lang="en-US" altLang="zh-TW" sz="3200" b="1" dirty="0" err="1">
+                  <a:solidFill>
+                    <a:srgbClr val="149CCA"/>
+                  </a:solidFill>
+                  <a:latin typeface="Arial" panose="020B0604020202020204" pitchFamily="34" charset="0"/>
+                </a:rPr>
+                <a:t>JDoodle</a:t>
+              </a:r>
+              <a:r>
+                <a:rPr lang="en-US" altLang="zh-TW" sz="3200" b="1" dirty="0">
+                  <a:solidFill>
+                    <a:srgbClr val="149CCA"/>
+                  </a:solidFill>
+                  <a:latin typeface="Arial" panose="020B0604020202020204" pitchFamily="34" charset="0"/>
+                </a:rPr>
+                <a:t> </a:t>
+              </a:r>
+              <a:r>
+                <a:rPr lang="zh-TW" altLang="en-US" sz="3200" b="1" dirty="0">
+                  <a:solidFill>
+                    <a:srgbClr val="149CCA"/>
+                  </a:solidFill>
+                  <a:latin typeface="Arial" panose="020B0604020202020204" pitchFamily="34" charset="0"/>
+                </a:rPr>
+                <a:t>真實執行</a:t>
+              </a:r>
+              <a:endParaRPr lang="en-US" altLang="zh-TW" sz="3200" b="1" dirty="0">
+                <a:solidFill>
+                  <a:srgbClr val="149CCA"/>
+                </a:solidFill>
+                <a:latin typeface="Arial" panose="020B0604020202020204" pitchFamily="34" charset="0"/>
+              </a:endParaRPr>
+            </a:p>
+            <a:p>
+              <a:pPr eaLnBrk="0" fontAlgn="base" hangingPunct="0">
+                <a:spcBef>
+                  <a:spcPct val="0"/>
+                </a:spcBef>
+                <a:spcAft>
+                  <a:spcPct val="0"/>
+                </a:spcAft>
+              </a:pPr>
+              <a:r>
+                <a:rPr lang="zh-TW" altLang="en-US" sz="3200" b="1" dirty="0">
+                  <a:solidFill>
+                    <a:schemeClr val="tx1">
+                      <a:lumMod val="85000"/>
+                      <a:lumOff val="15000"/>
+                    </a:schemeClr>
+                  </a:solidFill>
+                  <a:latin typeface="Arial" panose="020B0604020202020204" pitchFamily="34" charset="0"/>
+                </a:rPr>
+                <a:t>系統提供雙重程式執行功能：</a:t>
+              </a:r>
+              <a:r>
+                <a:rPr lang="en-US" altLang="zh-TW" sz="3200" b="1" dirty="0">
+                  <a:solidFill>
+                    <a:schemeClr val="tx1">
+                      <a:lumMod val="85000"/>
+                      <a:lumOff val="15000"/>
+                    </a:schemeClr>
+                  </a:solidFill>
+                  <a:latin typeface="Arial" panose="020B0604020202020204" pitchFamily="34" charset="0"/>
+                </a:rPr>
+                <a:t>GPT </a:t>
+              </a:r>
+              <a:r>
+                <a:rPr lang="zh-TW" altLang="en-US" sz="3200" b="1" dirty="0">
+                  <a:solidFill>
+                    <a:schemeClr val="tx1">
+                      <a:lumMod val="85000"/>
+                      <a:lumOff val="15000"/>
+                    </a:schemeClr>
+                  </a:solidFill>
+                  <a:latin typeface="Arial" panose="020B0604020202020204" pitchFamily="34" charset="0"/>
+                </a:rPr>
+                <a:t>模擬可快速預覽程式</a:t>
+              </a:r>
+              <a:endParaRPr lang="en-US" altLang="zh-TW" sz="3200" b="1" dirty="0">
+                <a:solidFill>
+                  <a:schemeClr val="tx1">
+                    <a:lumMod val="85000"/>
+                    <a:lumOff val="15000"/>
+                  </a:schemeClr>
+                </a:solidFill>
+                <a:latin typeface="Arial" panose="020B0604020202020204" pitchFamily="34" charset="0"/>
+              </a:endParaRPr>
+            </a:p>
+            <a:p>
+              <a:pPr eaLnBrk="0" fontAlgn="base" hangingPunct="0">
+                <a:spcBef>
+                  <a:spcPct val="0"/>
+                </a:spcBef>
+                <a:spcAft>
+                  <a:spcPct val="0"/>
+                </a:spcAft>
+              </a:pPr>
+              <a:r>
+                <a:rPr lang="zh-TW" altLang="en-US" sz="3200" b="1" dirty="0">
+                  <a:solidFill>
+                    <a:schemeClr val="tx1">
+                      <a:lumMod val="85000"/>
+                      <a:lumOff val="15000"/>
+                    </a:schemeClr>
+                  </a:solidFill>
+                  <a:latin typeface="Arial" panose="020B0604020202020204" pitchFamily="34" charset="0"/>
+                </a:rPr>
+                <a:t>執行結果，適合快速驗證邏輯；</a:t>
+              </a:r>
+              <a:r>
+                <a:rPr lang="en-US" altLang="zh-TW" sz="3200" b="1" dirty="0" err="1">
+                  <a:solidFill>
+                    <a:schemeClr val="tx1">
+                      <a:lumMod val="85000"/>
+                      <a:lumOff val="15000"/>
+                    </a:schemeClr>
+                  </a:solidFill>
+                  <a:latin typeface="Arial" panose="020B0604020202020204" pitchFamily="34" charset="0"/>
+                </a:rPr>
+                <a:t>JDoodle</a:t>
+              </a:r>
+              <a:r>
+                <a:rPr lang="en-US" altLang="zh-TW" sz="3200" b="1" dirty="0">
+                  <a:solidFill>
+                    <a:schemeClr val="tx1">
+                      <a:lumMod val="85000"/>
+                      <a:lumOff val="15000"/>
+                    </a:schemeClr>
+                  </a:solidFill>
+                  <a:latin typeface="Arial" panose="020B0604020202020204" pitchFamily="34" charset="0"/>
+                </a:rPr>
+                <a:t> API </a:t>
+              </a:r>
+              <a:r>
+                <a:rPr lang="zh-TW" altLang="en-US" sz="3200" b="1" dirty="0">
+                  <a:solidFill>
+                    <a:schemeClr val="tx1">
+                      <a:lumMod val="85000"/>
+                      <a:lumOff val="15000"/>
+                    </a:schemeClr>
+                  </a:solidFill>
+                  <a:latin typeface="Arial" panose="020B0604020202020204" pitchFamily="34" charset="0"/>
+                </a:rPr>
+                <a:t>則能真實</a:t>
+              </a:r>
+              <a:endParaRPr lang="en-US" altLang="zh-TW" sz="3200" b="1" dirty="0">
+                <a:solidFill>
+                  <a:schemeClr val="tx1">
+                    <a:lumMod val="85000"/>
+                    <a:lumOff val="15000"/>
+                  </a:schemeClr>
+                </a:solidFill>
+                <a:latin typeface="Arial" panose="020B0604020202020204" pitchFamily="34" charset="0"/>
+              </a:endParaRPr>
+            </a:p>
+            <a:p>
+              <a:pPr eaLnBrk="0" fontAlgn="base" hangingPunct="0">
+                <a:spcBef>
+                  <a:spcPct val="0"/>
+                </a:spcBef>
+                <a:spcAft>
+                  <a:spcPct val="0"/>
+                </a:spcAft>
+              </a:pPr>
+              <a:r>
+                <a:rPr lang="zh-TW" altLang="en-US" sz="3200" b="1" dirty="0">
+                  <a:solidFill>
+                    <a:schemeClr val="tx1">
+                      <a:lumMod val="85000"/>
+                      <a:lumOff val="15000"/>
+                    </a:schemeClr>
+                  </a:solidFill>
+                  <a:latin typeface="Arial" panose="020B0604020202020204" pitchFamily="34" charset="0"/>
+                </a:rPr>
+                <a:t>執行程式碼，返回正確測試輸出。這種設計讓使用者同</a:t>
+              </a:r>
+              <a:endParaRPr lang="en-US" altLang="zh-TW" sz="3200" b="1" dirty="0">
+                <a:solidFill>
+                  <a:schemeClr val="tx1">
+                    <a:lumMod val="85000"/>
+                    <a:lumOff val="15000"/>
+                  </a:schemeClr>
+                </a:solidFill>
+                <a:latin typeface="Arial" panose="020B0604020202020204" pitchFamily="34" charset="0"/>
+              </a:endParaRPr>
+            </a:p>
+            <a:p>
+              <a:pPr eaLnBrk="0" fontAlgn="base" hangingPunct="0">
+                <a:spcBef>
+                  <a:spcPct val="0"/>
+                </a:spcBef>
+                <a:spcAft>
+                  <a:spcPct val="0"/>
+                </a:spcAft>
+              </a:pPr>
+              <a:r>
+                <a:rPr lang="zh-TW" altLang="en-US" sz="3200" b="1" dirty="0">
+                  <a:solidFill>
+                    <a:schemeClr val="tx1">
+                      <a:lumMod val="85000"/>
+                      <a:lumOff val="15000"/>
+                    </a:schemeClr>
+                  </a:solidFill>
+                  <a:latin typeface="Arial" panose="020B0604020202020204" pitchFamily="34" charset="0"/>
+                </a:rPr>
+                <a:t>時得到預覽與可靠測試結果，避免單純依賴 </a:t>
+              </a:r>
+              <a:r>
+                <a:rPr lang="en-US" altLang="zh-TW" sz="3200" b="1" dirty="0">
+                  <a:solidFill>
+                    <a:schemeClr val="tx1">
+                      <a:lumMod val="85000"/>
+                      <a:lumOff val="15000"/>
+                    </a:schemeClr>
+                  </a:solidFill>
+                  <a:latin typeface="Arial" panose="020B0604020202020204" pitchFamily="34" charset="0"/>
+                </a:rPr>
+                <a:t>AI </a:t>
+              </a:r>
+              <a:r>
+                <a:rPr lang="zh-TW" altLang="en-US" sz="3200" b="1" dirty="0">
+                  <a:solidFill>
+                    <a:schemeClr val="tx1">
+                      <a:lumMod val="85000"/>
+                      <a:lumOff val="15000"/>
+                    </a:schemeClr>
+                  </a:solidFill>
+                  <a:latin typeface="Arial" panose="020B0604020202020204" pitchFamily="34" charset="0"/>
+                </a:rPr>
+                <a:t>模擬可</a:t>
+              </a:r>
+              <a:endParaRPr lang="en-US" altLang="zh-TW" sz="3200" b="1" dirty="0">
+                <a:solidFill>
+                  <a:schemeClr val="tx1">
+                    <a:lumMod val="85000"/>
+                    <a:lumOff val="15000"/>
+                  </a:schemeClr>
+                </a:solidFill>
+                <a:latin typeface="Arial" panose="020B0604020202020204" pitchFamily="34" charset="0"/>
+              </a:endParaRPr>
+            </a:p>
+            <a:p>
+              <a:pPr eaLnBrk="0" fontAlgn="base" hangingPunct="0">
+                <a:spcBef>
+                  <a:spcPct val="0"/>
+                </a:spcBef>
+                <a:spcAft>
+                  <a:spcPct val="0"/>
+                </a:spcAft>
+              </a:pPr>
+              <a:r>
+                <a:rPr lang="zh-TW" altLang="en-US" sz="3200" b="1" dirty="0">
+                  <a:solidFill>
+                    <a:schemeClr val="tx1">
+                      <a:lumMod val="85000"/>
+                      <a:lumOff val="15000"/>
+                    </a:schemeClr>
+                  </a:solidFill>
+                  <a:latin typeface="Arial" panose="020B0604020202020204" pitchFamily="34" charset="0"/>
+                </a:rPr>
+                <a:t>能出現的錯誤。</a:t>
+              </a:r>
+            </a:p>
+          </p:txBody>
+        </p:sp>
+      </p:grpSp>
+      <p:sp>
+        <p:nvSpPr>
+          <p:cNvPr id="23" name="矩形 22">
+            <a:extLst>
+              <a:ext uri="{FF2B5EF4-FFF2-40B4-BE49-F238E27FC236}">
+                <a16:creationId xmlns:a16="http://schemas.microsoft.com/office/drawing/2014/main" id="{6B9849F7-69C8-4E77-AEFA-4B573C198B64}"/>
+              </a:ext>
+            </a:extLst>
+          </p:cNvPr>
+          <p:cNvSpPr/>
+          <p:nvPr/>
+        </p:nvSpPr>
+        <p:spPr>
+          <a:xfrm>
+            <a:off x="1233130" y="5298048"/>
+            <a:ext cx="9725739" cy="461665"/>
+          </a:xfrm>
+          <a:prstGeom prst="rect">
+            <a:avLst/>
+          </a:prstGeom>
+        </p:spPr>
+        <p:txBody>
+          <a:bodyPr wrap="none">
+            <a:spAutoFit/>
+          </a:bodyPr>
+          <a:lstStyle/>
+          <a:p>
+            <a:r>
+              <a:rPr lang="zh-TW" altLang="en-US" sz="2400" b="1" dirty="0">
+                <a:solidFill>
+                  <a:srgbClr val="149CCA"/>
+                </a:solidFill>
+                <a:latin typeface="Arial" panose="020B0604020202020204" pitchFamily="34" charset="0"/>
+              </a:rPr>
+              <a:t>雙重執行功能同時提供程式預覽與真實測試結果，確保程式碼可靠性。</a:t>
+            </a:r>
+          </a:p>
+        </p:txBody>
+      </p:sp>
+    </p:spTree>
+    <p:extLst>
+      <p:ext uri="{BB962C8B-B14F-4D97-AF65-F5344CB8AC3E}">
+        <p14:creationId xmlns:p14="http://schemas.microsoft.com/office/powerpoint/2010/main" val="2746836740"/>
+      </p:ext>
+    </p:extLst>
+  </p:cSld>
+  <p:clrMapOvr>
+    <a:masterClrMapping/>
+  </p:clrMapOvr>
+  <p:timing>
+    <p:tnLst>
+      <p:par>
+        <p:cTn id="1" dur="indefinite" restart="never" nodeType="tmRoot">
+          <p:childTnLst>
+            <p:seq concurrent="1" nextAc="seek">
+              <p:cTn id="2" dur="indefinite" nodeType="mainSeq">
+                <p:childTnLst>
+                  <p:par>
+                    <p:cTn id="3" fill="hold">
+                      <p:stCondLst>
+                        <p:cond delay="indefinite"/>
+                        <p:cond evt="onBegin" delay="0">
+                          <p:tn val="2"/>
+                        </p:cond>
+                      </p:stCondLst>
+                      <p:childTnLst>
+                        <p:par>
+                          <p:cTn id="4" fill="hold">
+                            <p:stCondLst>
+                              <p:cond delay="0"/>
+                            </p:stCondLst>
+                            <p:childTnLst>
+                              <p:par>
+                                <p:cTn id="5" presetID="10" presetClass="entr" presetSubtype="0" fill="hold" nodeType="afterEffect">
+                                  <p:stCondLst>
+                                    <p:cond delay="0"/>
+                                  </p:stCondLst>
+                                  <p:childTnLst>
+                                    <p:set>
+                                      <p:cBhvr>
+                                        <p:cTn id="6" dur="1" fill="hold">
+                                          <p:stCondLst>
+                                            <p:cond delay="0"/>
+                                          </p:stCondLst>
+                                        </p:cTn>
+                                        <p:tgtEl>
+                                          <p:spTgt spid="15"/>
+                                        </p:tgtEl>
+                                        <p:attrNameLst>
+                                          <p:attrName>style.visibility</p:attrName>
+                                        </p:attrNameLst>
+                                      </p:cBhvr>
+                                      <p:to>
+                                        <p:strVal val="visible"/>
+                                      </p:to>
+                                    </p:set>
+                                    <p:animEffect transition="in" filter="fade">
+                                      <p:cBhvr>
+                                        <p:cTn id="7" dur="400"/>
+                                        <p:tgtEl>
+                                          <p:spTgt spid="15"/>
+                                        </p:tgtEl>
+                                      </p:cBhvr>
+                                    </p:animEffect>
+                                  </p:childTnLst>
+                                </p:cTn>
+                              </p:par>
+                            </p:childTnLst>
+                          </p:cTn>
+                        </p:par>
+                        <p:par>
+                          <p:cTn id="8" fill="hold">
+                            <p:stCondLst>
+                              <p:cond delay="400"/>
+                            </p:stCondLst>
+                            <p:childTnLst>
+                              <p:par>
+                                <p:cTn id="9" presetID="10" presetClass="entr" presetSubtype="0" fill="hold" grpId="0" nodeType="afterEffect">
+                                  <p:stCondLst>
+                                    <p:cond delay="0"/>
+                                  </p:stCondLst>
+                                  <p:childTnLst>
+                                    <p:set>
+                                      <p:cBhvr>
+                                        <p:cTn id="10" dur="1" fill="hold">
+                                          <p:stCondLst>
+                                            <p:cond delay="0"/>
+                                          </p:stCondLst>
+                                        </p:cTn>
+                                        <p:tgtEl>
+                                          <p:spTgt spid="23"/>
+                                        </p:tgtEl>
+                                        <p:attrNameLst>
+                                          <p:attrName>style.visibility</p:attrName>
+                                        </p:attrNameLst>
+                                      </p:cBhvr>
+                                      <p:to>
+                                        <p:strVal val="visible"/>
+                                      </p:to>
+                                    </p:set>
+                                    <p:animEffect transition="in" filter="fade">
+                                      <p:cBhvr>
+                                        <p:cTn id="11" dur="400"/>
+                                        <p:tgtEl>
+                                          <p:spTgt spid="23"/>
+                                        </p:tgtEl>
+                                      </p:cBhvr>
+                                    </p:animEffect>
+                                  </p:childTnLst>
+                                </p:cTn>
+                              </p:par>
+                            </p:childTnLst>
+                          </p:cTn>
+                        </p:par>
+                      </p:childTnLst>
+                    </p:cTn>
+                  </p:par>
+                </p:childTnLst>
+              </p:cTn>
+              <p:prevCondLst>
+                <p:cond evt="onPrev" delay="0">
+                  <p:tgtEl>
+                    <p:sldTgt/>
+                  </p:tgtEl>
+                </p:cond>
+              </p:prevCondLst>
+              <p:nextCondLst>
+                <p:cond evt="onNext" delay="0">
+                  <p:tgtEl>
+                    <p:sldTgt/>
+                  </p:tgtEl>
+                </p:cond>
+              </p:nextCondLst>
+            </p:seq>
+          </p:childTnLst>
+        </p:cTn>
+      </p:par>
+    </p:tnLst>
+    <p:bldLst>
+      <p:bldP spid="23" grpId="0"/>
+    </p:bldLst>
+  </p:timing>
+</p:sld>
+</file>
+
+<file path=ppt/slides/slide19.xml><?xml version="1.0" encoding="utf-8"?>
+<p:sld xmlns:a="http://schemas.openxmlformats.org/drawingml/2006/main" xmlns:r="http://schemas.openxmlformats.org/officeDocument/2006/relationships" xmlns:p="http://schemas.openxmlformats.org/presentationml/2006/main">
+  <p:cSld>
+    <p:spTree>
+      <p:nvGrpSpPr>
+        <p:cNvPr id="1" name=""/>
+        <p:cNvGrpSpPr/>
+        <p:nvPr/>
+      </p:nvGrpSpPr>
+      <p:grpSpPr>
+        <a:xfrm>
+          <a:off x="0" y="0"/>
+          <a:ext cx="0" cy="0"/>
+          <a:chOff x="0" y="0"/>
+          <a:chExt cx="0" cy="0"/>
+        </a:xfrm>
+      </p:grpSpPr>
+      <p:grpSp>
+        <p:nvGrpSpPr>
+          <p:cNvPr id="15" name="群組 14">
+            <a:extLst>
+              <a:ext uri="{FF2B5EF4-FFF2-40B4-BE49-F238E27FC236}">
+                <a16:creationId xmlns:a16="http://schemas.microsoft.com/office/drawing/2014/main" id="{1E3C817B-76F2-4559-A4FC-4B650C24416D}"/>
+              </a:ext>
+            </a:extLst>
+          </p:cNvPr>
+          <p:cNvGrpSpPr/>
+          <p:nvPr/>
+        </p:nvGrpSpPr>
+        <p:grpSpPr>
+          <a:xfrm>
+            <a:off x="784430" y="1559952"/>
+            <a:ext cx="9632672" cy="2599465"/>
+            <a:chOff x="6338829" y="2452629"/>
+            <a:chExt cx="9632672" cy="1445254"/>
+          </a:xfrm>
+        </p:grpSpPr>
+        <p:sp>
+          <p:nvSpPr>
+            <p:cNvPr id="16" name="橢圓 15">
+              <a:extLst>
+                <a:ext uri="{FF2B5EF4-FFF2-40B4-BE49-F238E27FC236}">
+                  <a16:creationId xmlns:a16="http://schemas.microsoft.com/office/drawing/2014/main" id="{1868D27F-7A91-4B67-92FA-B95E4DD69BE3}"/>
+                </a:ext>
+              </a:extLst>
+            </p:cNvPr>
+            <p:cNvSpPr/>
+            <p:nvPr/>
+          </p:nvSpPr>
+          <p:spPr>
+            <a:xfrm>
+              <a:off x="6338829" y="2452629"/>
+              <a:ext cx="450000" cy="450000"/>
+            </a:xfrm>
+            <a:prstGeom prst="ellipse">
+              <a:avLst/>
+            </a:prstGeom>
+            <a:solidFill>
+              <a:schemeClr val="bg1">
+                <a:lumMod val="95000"/>
+              </a:schemeClr>
+            </a:solidFill>
+            <a:ln>
+              <a:noFill/>
+            </a:ln>
+          </p:spPr>
+          <p:style>
+            <a:lnRef idx="2">
+              <a:schemeClr val="accent1">
+                <a:shade val="50000"/>
+              </a:schemeClr>
+            </a:lnRef>
+            <a:fillRef idx="1">
+              <a:schemeClr val="accent1"/>
+            </a:fillRef>
+            <a:effectRef idx="0">
+              <a:schemeClr val="accent1"/>
+            </a:effectRef>
+            <a:fontRef idx="minor">
+              <a:schemeClr val="lt1"/>
+            </a:fontRef>
+          </p:style>
+          <p:txBody>
+            <a:bodyPr rtlCol="0" anchor="ctr"/>
+            <a:lstStyle/>
+            <a:p>
+              <a:pPr algn="ctr"/>
+              <a:endParaRPr lang="zh-TW" altLang="en-US" sz="1050" dirty="0"/>
+            </a:p>
+          </p:txBody>
+        </p:sp>
+        <p:sp>
+          <p:nvSpPr>
+            <p:cNvPr id="17" name="文字方塊 16">
+              <a:extLst>
+                <a:ext uri="{FF2B5EF4-FFF2-40B4-BE49-F238E27FC236}">
+                  <a16:creationId xmlns:a16="http://schemas.microsoft.com/office/drawing/2014/main" id="{DD5D0093-B647-482D-84EE-33C0106C0634}"/>
+                </a:ext>
+              </a:extLst>
+            </p:cNvPr>
+            <p:cNvSpPr txBox="1"/>
+            <p:nvPr/>
+          </p:nvSpPr>
+          <p:spPr>
+            <a:xfrm>
+              <a:off x="6348354" y="2477604"/>
+              <a:ext cx="9623147" cy="1420279"/>
+            </a:xfrm>
+            <a:prstGeom prst="rect">
+              <a:avLst/>
+            </a:prstGeom>
+            <a:noFill/>
+          </p:spPr>
+          <p:txBody>
+            <a:bodyPr wrap="none" rtlCol="0">
+              <a:spAutoFit/>
+            </a:bodyPr>
+            <a:lstStyle/>
+            <a:p>
+              <a:pPr eaLnBrk="0" fontAlgn="base" hangingPunct="0">
+                <a:spcBef>
+                  <a:spcPct val="0"/>
+                </a:spcBef>
+                <a:spcAft>
+                  <a:spcPct val="0"/>
+                </a:spcAft>
+              </a:pPr>
+              <a:r>
+                <a:rPr lang="zh-TW" altLang="en-US" sz="3200" b="1" dirty="0">
+                  <a:solidFill>
+                    <a:srgbClr val="149CCA"/>
+                  </a:solidFill>
+                  <a:latin typeface="Arial" panose="020B0604020202020204" pitchFamily="34" charset="0"/>
+                </a:rPr>
+                <a:t>複雜度分析、語法檢查</a:t>
+              </a:r>
+              <a:endParaRPr lang="en-US" altLang="zh-TW" sz="3200" b="1" dirty="0">
+                <a:solidFill>
+                  <a:srgbClr val="149CCA"/>
+                </a:solidFill>
+                <a:latin typeface="Arial" panose="020B0604020202020204" pitchFamily="34" charset="0"/>
+              </a:endParaRPr>
+            </a:p>
+            <a:p>
+              <a:pPr eaLnBrk="0" fontAlgn="base" hangingPunct="0">
+                <a:spcBef>
+                  <a:spcPct val="0"/>
+                </a:spcBef>
+                <a:spcAft>
+                  <a:spcPct val="0"/>
+                </a:spcAft>
+              </a:pPr>
+              <a:r>
+                <a:rPr lang="zh-TW" altLang="en-US" sz="3200" b="1" dirty="0">
+                  <a:solidFill>
+                    <a:schemeClr val="tx1">
+                      <a:lumMod val="85000"/>
+                      <a:lumOff val="15000"/>
+                    </a:schemeClr>
+                  </a:solidFill>
+                  <a:latin typeface="Arial" panose="020B0604020202020204" pitchFamily="34" charset="0"/>
+                </a:rPr>
+                <a:t>系統自動分析生成程式碼的時間與空間複雜度，提供</a:t>
+              </a:r>
+              <a:endParaRPr lang="en-US" altLang="zh-TW" sz="3200" b="1" dirty="0">
+                <a:solidFill>
+                  <a:schemeClr val="tx1">
+                    <a:lumMod val="85000"/>
+                    <a:lumOff val="15000"/>
+                  </a:schemeClr>
+                </a:solidFill>
+                <a:latin typeface="Arial" panose="020B0604020202020204" pitchFamily="34" charset="0"/>
+              </a:endParaRPr>
+            </a:p>
+            <a:p>
+              <a:pPr eaLnBrk="0" fontAlgn="base" hangingPunct="0">
+                <a:spcBef>
+                  <a:spcPct val="0"/>
+                </a:spcBef>
+                <a:spcAft>
+                  <a:spcPct val="0"/>
+                </a:spcAft>
+              </a:pPr>
+              <a:r>
+                <a:rPr lang="zh-TW" altLang="en-US" sz="3200" b="1" dirty="0">
+                  <a:solidFill>
+                    <a:schemeClr val="tx1">
+                      <a:lumMod val="85000"/>
+                      <a:lumOff val="15000"/>
+                    </a:schemeClr>
+                  </a:solidFill>
+                  <a:latin typeface="Arial" panose="020B0604020202020204" pitchFamily="34" charset="0"/>
+                </a:rPr>
+                <a:t>使用者對程式效率的直觀了解。同時進行語法檢查與</a:t>
+              </a:r>
+              <a:endParaRPr lang="en-US" altLang="zh-TW" sz="3200" b="1" dirty="0">
+                <a:solidFill>
+                  <a:schemeClr val="tx1">
+                    <a:lumMod val="85000"/>
+                    <a:lumOff val="15000"/>
+                  </a:schemeClr>
+                </a:solidFill>
+                <a:latin typeface="Arial" panose="020B0604020202020204" pitchFamily="34" charset="0"/>
+              </a:endParaRPr>
+            </a:p>
+            <a:p>
+              <a:pPr eaLnBrk="0" fontAlgn="base" hangingPunct="0">
+                <a:spcBef>
+                  <a:spcPct val="0"/>
+                </a:spcBef>
+                <a:spcAft>
+                  <a:spcPct val="0"/>
+                </a:spcAft>
+              </a:pPr>
+              <a:r>
+                <a:rPr lang="zh-TW" altLang="en-US" sz="3200" b="1" dirty="0">
+                  <a:solidFill>
+                    <a:schemeClr val="tx1">
+                      <a:lumMod val="85000"/>
+                      <a:lumOff val="15000"/>
+                    </a:schemeClr>
+                  </a:solidFill>
+                  <a:latin typeface="Arial" panose="020B0604020202020204" pitchFamily="34" charset="0"/>
+                </a:rPr>
+                <a:t>優化建議，幫助使用者提高程式碼品質、可讀性與維</a:t>
+              </a:r>
+              <a:endParaRPr lang="en-US" altLang="zh-TW" sz="3200" b="1" dirty="0">
+                <a:solidFill>
+                  <a:schemeClr val="tx1">
+                    <a:lumMod val="85000"/>
+                    <a:lumOff val="15000"/>
+                  </a:schemeClr>
+                </a:solidFill>
+                <a:latin typeface="Arial" panose="020B0604020202020204" pitchFamily="34" charset="0"/>
+              </a:endParaRPr>
+            </a:p>
+            <a:p>
+              <a:pPr eaLnBrk="0" fontAlgn="base" hangingPunct="0">
+                <a:spcBef>
+                  <a:spcPct val="0"/>
+                </a:spcBef>
+                <a:spcAft>
+                  <a:spcPct val="0"/>
+                </a:spcAft>
+              </a:pPr>
+              <a:r>
+                <a:rPr lang="zh-TW" altLang="en-US" sz="3200" b="1" dirty="0">
+                  <a:solidFill>
+                    <a:schemeClr val="tx1">
+                      <a:lumMod val="85000"/>
+                      <a:lumOff val="15000"/>
+                    </a:schemeClr>
+                  </a:solidFill>
+                  <a:latin typeface="Arial" panose="020B0604020202020204" pitchFamily="34" charset="0"/>
+                </a:rPr>
+                <a:t>護性，降低潛在錯誤發生率。</a:t>
+              </a:r>
+            </a:p>
+          </p:txBody>
+        </p:sp>
+      </p:grpSp>
+      <p:sp>
+        <p:nvSpPr>
+          <p:cNvPr id="23" name="矩形 22">
+            <a:extLst>
+              <a:ext uri="{FF2B5EF4-FFF2-40B4-BE49-F238E27FC236}">
+                <a16:creationId xmlns:a16="http://schemas.microsoft.com/office/drawing/2014/main" id="{6B9849F7-69C8-4E77-AEFA-4B573C198B64}"/>
+              </a:ext>
+            </a:extLst>
+          </p:cNvPr>
+          <p:cNvSpPr/>
+          <p:nvPr/>
+        </p:nvSpPr>
+        <p:spPr>
+          <a:xfrm>
+            <a:off x="1009430" y="5253127"/>
+            <a:ext cx="10033516" cy="461665"/>
+          </a:xfrm>
+          <a:prstGeom prst="rect">
+            <a:avLst/>
+          </a:prstGeom>
+        </p:spPr>
+        <p:txBody>
+          <a:bodyPr wrap="none">
+            <a:spAutoFit/>
+          </a:bodyPr>
+          <a:lstStyle/>
+          <a:p>
+            <a:r>
+              <a:rPr lang="zh-TW" altLang="en-US" sz="2400" b="1" dirty="0">
+                <a:solidFill>
+                  <a:srgbClr val="149CCA"/>
+                </a:solidFill>
+                <a:latin typeface="Arial" panose="020B0604020202020204" pitchFamily="34" charset="0"/>
+              </a:rPr>
+              <a:t>自動提供時間與空間複雜度分析及語法檢查，提升程式碼品質與可讀性。</a:t>
+            </a:r>
+          </a:p>
+        </p:txBody>
+      </p:sp>
+    </p:spTree>
+    <p:extLst>
+      <p:ext uri="{BB962C8B-B14F-4D97-AF65-F5344CB8AC3E}">
+        <p14:creationId xmlns:p14="http://schemas.microsoft.com/office/powerpoint/2010/main" val="4220024281"/>
+      </p:ext>
+    </p:extLst>
+  </p:cSld>
+  <p:clrMapOvr>
+    <a:masterClrMapping/>
+  </p:clrMapOvr>
+  <p:timing>
+    <p:tnLst>
+      <p:par>
+        <p:cTn id="1" dur="indefinite" restart="never" nodeType="tmRoot">
+          <p:childTnLst>
+            <p:seq concurrent="1" nextAc="seek">
+              <p:cTn id="2" dur="indefinite" nodeType="mainSeq">
+                <p:childTnLst>
+                  <p:par>
+                    <p:cTn id="3" fill="hold">
+                      <p:stCondLst>
+                        <p:cond delay="indefinite"/>
+                        <p:cond evt="onBegin" delay="0">
+                          <p:tn val="2"/>
+                        </p:cond>
+                      </p:stCondLst>
+                      <p:childTnLst>
+                        <p:par>
+                          <p:cTn id="4" fill="hold">
+                            <p:stCondLst>
+                              <p:cond delay="0"/>
+                            </p:stCondLst>
+                            <p:childTnLst>
+                              <p:par>
+                                <p:cTn id="5" presetID="10" presetClass="entr" presetSubtype="0" fill="hold" nodeType="afterEffect">
+                                  <p:stCondLst>
+                                    <p:cond delay="0"/>
+                                  </p:stCondLst>
+                                  <p:childTnLst>
+                                    <p:set>
+                                      <p:cBhvr>
+                                        <p:cTn id="6" dur="1" fill="hold">
+                                          <p:stCondLst>
+                                            <p:cond delay="0"/>
+                                          </p:stCondLst>
+                                        </p:cTn>
+                                        <p:tgtEl>
+                                          <p:spTgt spid="15"/>
+                                        </p:tgtEl>
+                                        <p:attrNameLst>
+                                          <p:attrName>style.visibility</p:attrName>
+                                        </p:attrNameLst>
+                                      </p:cBhvr>
+                                      <p:to>
+                                        <p:strVal val="visible"/>
+                                      </p:to>
+                                    </p:set>
+                                    <p:animEffect transition="in" filter="fade">
+                                      <p:cBhvr>
+                                        <p:cTn id="7" dur="400"/>
+                                        <p:tgtEl>
+                                          <p:spTgt spid="15"/>
+                                        </p:tgtEl>
+                                      </p:cBhvr>
+                                    </p:animEffect>
+                                  </p:childTnLst>
+                                </p:cTn>
+                              </p:par>
+                            </p:childTnLst>
+                          </p:cTn>
+                        </p:par>
+                        <p:par>
+                          <p:cTn id="8" fill="hold">
+                            <p:stCondLst>
+                              <p:cond delay="400"/>
+                            </p:stCondLst>
+                            <p:childTnLst>
+                              <p:par>
+                                <p:cTn id="9" presetID="10" presetClass="entr" presetSubtype="0" fill="hold" grpId="0" nodeType="afterEffect">
+                                  <p:stCondLst>
+                                    <p:cond delay="0"/>
+                                  </p:stCondLst>
+                                  <p:childTnLst>
+                                    <p:set>
+                                      <p:cBhvr>
+                                        <p:cTn id="10" dur="1" fill="hold">
+                                          <p:stCondLst>
+                                            <p:cond delay="0"/>
+                                          </p:stCondLst>
+                                        </p:cTn>
+                                        <p:tgtEl>
+                                          <p:spTgt spid="23"/>
+                                        </p:tgtEl>
+                                        <p:attrNameLst>
+                                          <p:attrName>style.visibility</p:attrName>
+                                        </p:attrNameLst>
+                                      </p:cBhvr>
+                                      <p:to>
+                                        <p:strVal val="visible"/>
+                                      </p:to>
+                                    </p:set>
+                                    <p:animEffect transition="in" filter="fade">
+                                      <p:cBhvr>
+                                        <p:cTn id="11" dur="400"/>
+                                        <p:tgtEl>
+                                          <p:spTgt spid="23"/>
+                                        </p:tgtEl>
+                                      </p:cBhvr>
+                                    </p:animEffect>
+                                  </p:childTnLst>
+                                </p:cTn>
+                              </p:par>
+                            </p:childTnLst>
+                          </p:cTn>
+                        </p:par>
+                      </p:childTnLst>
+                    </p:cTn>
+                  </p:par>
+                </p:childTnLst>
+              </p:cTn>
+              <p:prevCondLst>
+                <p:cond evt="onPrev" delay="0">
+                  <p:tgtEl>
+                    <p:sldTgt/>
+                  </p:tgtEl>
+                </p:cond>
+              </p:prevCondLst>
+              <p:nextCondLst>
+                <p:cond evt="onNext" delay="0">
+                  <p:tgtEl>
+                    <p:sldTgt/>
+                  </p:tgtEl>
+                </p:cond>
+              </p:nextCondLst>
+            </p:seq>
+          </p:childTnLst>
+        </p:cTn>
+      </p:par>
+    </p:tnLst>
+    <p:bldLst>
+      <p:bldP spid="23" grpId="0"/>
+    </p:bldLst>
+  </p:timing>
+</p:sld>
+</file>
+
+<file path=ppt/slides/slide2.xml><?xml version="1.0" encoding="utf-8"?>
+<p:sld xmlns:a="http://schemas.openxmlformats.org/drawingml/2006/main" xmlns:r="http://schemas.openxmlformats.org/officeDocument/2006/relationships" xmlns:p="http://schemas.openxmlformats.org/presentationml/2006/main">
+  <p:cSld>
+    <p:spTree>
+      <p:nvGrpSpPr>
+        <p:cNvPr id="1" name=""/>
+        <p:cNvGrpSpPr/>
+        <p:nvPr/>
+      </p:nvGrpSpPr>
+      <p:grpSpPr>
+        <a:xfrm>
+          <a:off x="0" y="0"/>
+          <a:ext cx="0" cy="0"/>
+          <a:chOff x="0" y="0"/>
+          <a:chExt cx="0" cy="0"/>
+        </a:xfrm>
+      </p:grpSpPr>
+    </p:spTree>
+    <p:extLst>
+      <p:ext uri="{BB962C8B-B14F-4D97-AF65-F5344CB8AC3E}">
+        <p14:creationId xmlns:p14="http://schemas.microsoft.com/office/powerpoint/2010/main" val="3888911615"/>
+      </p:ext>
+    </p:extLst>
+  </p:cSld>
+  <p:clrMapOvr>
+    <a:masterClrMapping/>
+  </p:clrMapOvr>
+</p:sld>
+</file>
+
+<file path=ppt/slides/slide20.xml><?xml version="1.0" encoding="utf-8"?>
+<p:sld xmlns:a="http://schemas.openxmlformats.org/drawingml/2006/main" xmlns:r="http://schemas.openxmlformats.org/officeDocument/2006/relationships" xmlns:p="http://schemas.openxmlformats.org/presentationml/2006/main">
+  <p:cSld>
+    <p:spTree>
+      <p:nvGrpSpPr>
+        <p:cNvPr id="1" name=""/>
+        <p:cNvGrpSpPr/>
+        <p:nvPr/>
+      </p:nvGrpSpPr>
+      <p:grpSpPr>
+        <a:xfrm>
+          <a:off x="0" y="0"/>
+          <a:ext cx="0" cy="0"/>
+          <a:chOff x="0" y="0"/>
+          <a:chExt cx="0" cy="0"/>
+        </a:xfrm>
+      </p:grpSpPr>
       <p:sp>
         <p:nvSpPr>
           <p:cNvPr id="2" name="圓角矩形 1"/>
@@ -17793,7 +19795,7 @@
 </p:sld>
 </file>
 
-<file path=ppt/slides/slide18.xml><?xml version="1.0" encoding="utf-8"?>
+<file path=ppt/slides/slide21.xml><?xml version="1.0" encoding="utf-8"?>
 <p:sld xmlns:a="http://schemas.openxmlformats.org/drawingml/2006/main" xmlns:r="http://schemas.openxmlformats.org/officeDocument/2006/relationships" xmlns:p="http://schemas.openxmlformats.org/presentationml/2006/main">
   <p:cSld>
     <p:spTree>
@@ -18270,7 +20272,7 @@
 </p:sld>
 </file>
 
-<file path=ppt/slides/slide19.xml><?xml version="1.0" encoding="utf-8"?>
+<file path=ppt/slides/slide22.xml><?xml version="1.0" encoding="utf-8"?>
 <p:sld xmlns:a="http://schemas.openxmlformats.org/drawingml/2006/main" xmlns:r="http://schemas.openxmlformats.org/officeDocument/2006/relationships" xmlns:p="http://schemas.openxmlformats.org/presentationml/2006/main">
   <p:cSld>
     <p:spTree>
@@ -18858,37 +20860,7 @@
 </p:sld>
 </file>
 
-<file path=ppt/slides/slide2.xml><?xml version="1.0" encoding="utf-8"?>
-<p:sld xmlns:a="http://schemas.openxmlformats.org/drawingml/2006/main" xmlns:r="http://schemas.openxmlformats.org/officeDocument/2006/relationships" xmlns:p="http://schemas.openxmlformats.org/presentationml/2006/main">
-  <p:cSld>
-    <p:spTree>
-      <p:nvGrpSpPr>
-        <p:cNvPr id="1" name=""/>
-        <p:cNvGrpSpPr/>
-        <p:nvPr/>
-      </p:nvGrpSpPr>
-      <p:grpSpPr>
-        <a:xfrm>
-          <a:off x="0" y="0"/>
-          <a:ext cx="0" cy="0"/>
-          <a:chOff x="0" y="0"/>
-          <a:chExt cx="0" cy="0"/>
-        </a:xfrm>
-      </p:grpSpPr>
-    </p:spTree>
-    <p:extLst>
-      <p:ext uri="{BB962C8B-B14F-4D97-AF65-F5344CB8AC3E}">
-        <p14:creationId xmlns:p14="http://schemas.microsoft.com/office/powerpoint/2010/main" val="3888911615"/>
-      </p:ext>
-    </p:extLst>
-  </p:cSld>
-  <p:clrMapOvr>
-    <a:masterClrMapping/>
-  </p:clrMapOvr>
-</p:sld>
-</file>
-
-<file path=ppt/slides/slide20.xml><?xml version="1.0" encoding="utf-8"?>
+<file path=ppt/slides/slide23.xml><?xml version="1.0" encoding="utf-8"?>
 <p:sld xmlns:a="http://schemas.openxmlformats.org/drawingml/2006/main" xmlns:r="http://schemas.openxmlformats.org/officeDocument/2006/relationships" xmlns:p="http://schemas.openxmlformats.org/presentationml/2006/main">
   <p:cSld>
     <p:spTree>
@@ -19508,7 +21480,7 @@
 </p:sld>
 </file>
 
-<file path=ppt/slides/slide21.xml><?xml version="1.0" encoding="utf-8"?>
+<file path=ppt/slides/slide24.xml><?xml version="1.0" encoding="utf-8"?>
 <p:sld xmlns:a="http://schemas.openxmlformats.org/drawingml/2006/main" xmlns:r="http://schemas.openxmlformats.org/officeDocument/2006/relationships" xmlns:p="http://schemas.openxmlformats.org/presentationml/2006/main">
   <p:cSld>
     <p:spTree>
@@ -19687,7 +21659,7 @@
 </p:sld>
 </file>
 
-<file path=ppt/slides/slide22.xml><?xml version="1.0" encoding="utf-8"?>
+<file path=ppt/slides/slide25.xml><?xml version="1.0" encoding="utf-8"?>
 <p:sld xmlns:a="http://schemas.openxmlformats.org/drawingml/2006/main" xmlns:r="http://schemas.openxmlformats.org/officeDocument/2006/relationships" xmlns:p="http://schemas.openxmlformats.org/presentationml/2006/main">
   <p:cSld>
     <p:spTree>
@@ -20245,7 +22217,7 @@
 </p:sld>
 </file>
 
-<file path=ppt/slides/slide23.xml><?xml version="1.0" encoding="utf-8"?>
+<file path=ppt/slides/slide26.xml><?xml version="1.0" encoding="utf-8"?>
 <p:sld xmlns:a="http://schemas.openxmlformats.org/drawingml/2006/main" xmlns:r="http://schemas.openxmlformats.org/officeDocument/2006/relationships" xmlns:p="http://schemas.openxmlformats.org/presentationml/2006/main">
   <p:cSld>
     <p:spTree>
@@ -20833,7 +22805,7 @@
 </p:sld>
 </file>
 
-<file path=ppt/slides/slide24.xml><?xml version="1.0" encoding="utf-8"?>
+<file path=ppt/slides/slide27.xml><?xml version="1.0" encoding="utf-8"?>
 <p:sld xmlns:a="http://schemas.openxmlformats.org/drawingml/2006/main" xmlns:r="http://schemas.openxmlformats.org/officeDocument/2006/relationships" xmlns:p="http://schemas.openxmlformats.org/presentationml/2006/main">
   <p:cSld>
     <p:spTree>
@@ -21323,7 +23295,7 @@
 </p:sld>
 </file>
 
-<file path=ppt/slides/slide25.xml><?xml version="1.0" encoding="utf-8"?>
+<file path=ppt/slides/slide28.xml><?xml version="1.0" encoding="utf-8"?>
 <p:sld xmlns:a="http://schemas.openxmlformats.org/drawingml/2006/main" xmlns:r="http://schemas.openxmlformats.org/officeDocument/2006/relationships" xmlns:p="http://schemas.openxmlformats.org/presentationml/2006/main">
   <p:cSld>
     <p:spTree>
@@ -21723,7 +23695,7 @@
         <p:spPr>
           <a:xfrm>
             <a:off x="2139134" y="3429000"/>
-            <a:ext cx="1460570" cy="440635"/>
+            <a:ext cx="1460570" cy="440636"/>
           </a:xfrm>
           <a:prstGeom prst="roundRect">
             <a:avLst>
@@ -21765,6 +23737,67 @@
                 </a:solidFill>
               </a:rPr>
               <a:t>問題背景</a:t>
+            </a:r>
+          </a:p>
+        </p:txBody>
+      </p:sp>
+      <p:sp>
+        <p:nvSpPr>
+          <p:cNvPr id="4" name="圓角矩形 1">
+            <a:extLst>
+              <a:ext uri="{FF2B5EF4-FFF2-40B4-BE49-F238E27FC236}">
+                <a16:creationId xmlns:a16="http://schemas.microsoft.com/office/drawing/2014/main" id="{FBD58DAA-1D37-463E-A3CE-4BDD1332BB91}"/>
+              </a:ext>
+            </a:extLst>
+          </p:cNvPr>
+          <p:cNvSpPr/>
+          <p:nvPr/>
+        </p:nvSpPr>
+        <p:spPr>
+          <a:xfrm>
+            <a:off x="3870280" y="3429000"/>
+            <a:ext cx="1460570" cy="440636"/>
+          </a:xfrm>
+          <a:prstGeom prst="roundRect">
+            <a:avLst>
+              <a:gd name="adj" fmla="val 50000"/>
+            </a:avLst>
+          </a:prstGeom>
+          <a:solidFill>
+            <a:srgbClr val="FFFFFF"/>
+          </a:solidFill>
+        </p:spPr>
+        <p:style>
+          <a:lnRef idx="2">
+            <a:schemeClr val="accent1">
+              <a:shade val="50000"/>
+            </a:schemeClr>
+          </a:lnRef>
+          <a:fillRef idx="1">
+            <a:schemeClr val="accent1"/>
+          </a:fillRef>
+          <a:effectRef idx="0">
+            <a:schemeClr val="accent1"/>
+          </a:effectRef>
+          <a:fontRef idx="minor">
+            <a:schemeClr val="lt1"/>
+          </a:fontRef>
+        </p:style>
+        <p:txBody>
+          <a:bodyPr rtlCol="0" anchor="ctr"/>
+          <a:lstStyle/>
+          <a:p>
+            <a:pPr algn="ctr"/>
+            <a:r>
+              <a:rPr lang="zh-TW" altLang="en-US" dirty="0">
+                <a:solidFill>
+                  <a:schemeClr val="tx1">
+                    <a:lumMod val="50000"/>
+                    <a:lumOff val="50000"/>
+                  </a:schemeClr>
+                </a:solidFill>
+              </a:rPr>
+              <a:t>工作分配</a:t>
             </a:r>
           </a:p>
         </p:txBody>
@@ -21884,6 +23917,50 @@
                             </p:childTnLst>
                           </p:cTn>
                         </p:par>
+                        <p:par>
+                          <p:cTn id="12" fill="hold">
+                            <p:stCondLst>
+                              <p:cond delay="600"/>
+                            </p:stCondLst>
+                            <p:childTnLst>
+                              <p:par>
+                                <p:cTn id="13" presetID="10" presetClass="entr" presetSubtype="0" fill="hold" grpId="0" nodeType="afterEffect">
+                                  <p:stCondLst>
+                                    <p:cond delay="0"/>
+                                  </p:stCondLst>
+                                  <p:childTnLst>
+                                    <p:set>
+                                      <p:cBhvr>
+                                        <p:cTn id="14" dur="1" fill="hold">
+                                          <p:stCondLst>
+                                            <p:cond delay="0"/>
+                                          </p:stCondLst>
+                                        </p:cTn>
+                                        <p:tgtEl>
+                                          <p:spTgt spid="4"/>
+                                        </p:tgtEl>
+                                        <p:attrNameLst>
+                                          <p:attrName>style.visibility</p:attrName>
+                                        </p:attrNameLst>
+                                      </p:cBhvr>
+                                      <p:to>
+                                        <p:strVal val="visible"/>
+                                      </p:to>
+                                    </p:set>
+                                    <p:animEffect transition="in" filter="fade">
+                                      <p:cBhvr>
+                                        <p:cTn id="15" dur="300"/>
+                                        <p:tgtEl>
+                                          <p:spTgt spid="4"/>
+                                        </p:tgtEl>
+                                      </p:cBhvr>
+                                    </p:animEffect>
+                                  </p:childTnLst>
+                                </p:cTn>
+                              </p:par>
+                            </p:childTnLst>
+                          </p:cTn>
+                        </p:par>
                       </p:childTnLst>
                     </p:cTn>
                   </p:par>
@@ -21911,6 +23988,7 @@
     <p:bldLst>
       <p:bldP spid="2" grpId="0" animBg="1"/>
       <p:bldP spid="3" grpId="0" animBg="1"/>
+      <p:bldP spid="4" grpId="0" animBg="1"/>
     </p:bldLst>
   </p:timing>
 </p:sld>
@@ -23000,6 +25078,418 @@
       </p:grpSpPr>
       <p:sp>
         <p:nvSpPr>
+          <p:cNvPr id="2" name="矩形 1">
+            <a:extLst>
+              <a:ext uri="{FF2B5EF4-FFF2-40B4-BE49-F238E27FC236}">
+                <a16:creationId xmlns:a16="http://schemas.microsoft.com/office/drawing/2014/main" id="{E65C2FCD-E860-491B-9B42-39762F975BB5}"/>
+              </a:ext>
+            </a:extLst>
+          </p:cNvPr>
+          <p:cNvSpPr/>
+          <p:nvPr/>
+        </p:nvSpPr>
+        <p:spPr>
+          <a:xfrm>
+            <a:off x="9837869" y="374983"/>
+            <a:ext cx="2031325" cy="646331"/>
+          </a:xfrm>
+          <a:prstGeom prst="rect">
+            <a:avLst/>
+          </a:prstGeom>
+        </p:spPr>
+        <p:txBody>
+          <a:bodyPr wrap="none">
+            <a:spAutoFit/>
+          </a:bodyPr>
+          <a:lstStyle/>
+          <a:p>
+            <a:pPr algn="r"/>
+            <a:r>
+              <a:rPr lang="zh-TW" altLang="en-US" sz="3600" b="1" dirty="0">
+                <a:solidFill>
+                  <a:srgbClr val="FFFFFF"/>
+                </a:solidFill>
+                <a:effectLst>
+                  <a:outerShdw blurRad="38100" dist="38100" dir="2700000" algn="tl">
+                    <a:srgbClr val="000000">
+                      <a:alpha val="43137"/>
+                    </a:srgbClr>
+                  </a:outerShdw>
+                </a:effectLst>
+              </a:rPr>
+              <a:t>工作分配</a:t>
+            </a:r>
+          </a:p>
+        </p:txBody>
+      </p:sp>
+      <p:sp>
+        <p:nvSpPr>
+          <p:cNvPr id="3" name="文字方塊 2">
+            <a:extLst>
+              <a:ext uri="{FF2B5EF4-FFF2-40B4-BE49-F238E27FC236}">
+                <a16:creationId xmlns:a16="http://schemas.microsoft.com/office/drawing/2014/main" id="{256CAD8D-23F3-45A4-B84A-A44CFDE4424A}"/>
+              </a:ext>
+            </a:extLst>
+          </p:cNvPr>
+          <p:cNvSpPr txBox="1"/>
+          <p:nvPr/>
+        </p:nvSpPr>
+        <p:spPr>
+          <a:xfrm>
+            <a:off x="565747" y="2490281"/>
+            <a:ext cx="2954655" cy="1877437"/>
+          </a:xfrm>
+          <a:prstGeom prst="rect">
+            <a:avLst/>
+          </a:prstGeom>
+          <a:noFill/>
+        </p:spPr>
+        <p:txBody>
+          <a:bodyPr wrap="none" rtlCol="0">
+            <a:spAutoFit/>
+          </a:bodyPr>
+          <a:lstStyle/>
+          <a:p>
+            <a:pPr lvl="0" fontAlgn="base">
+              <a:spcBef>
+                <a:spcPct val="0"/>
+              </a:spcBef>
+              <a:spcAft>
+                <a:spcPct val="0"/>
+              </a:spcAft>
+            </a:pPr>
+            <a:r>
+              <a:rPr lang="zh-TW" altLang="en-US" sz="4400" b="1" dirty="0">
+                <a:solidFill>
+                  <a:srgbClr val="E03E0D"/>
+                </a:solidFill>
+              </a:rPr>
+              <a:t>陳秉彥</a:t>
+            </a:r>
+            <a:endParaRPr lang="en-US" altLang="zh-TW" sz="4400" b="1" dirty="0">
+              <a:solidFill>
+                <a:srgbClr val="E03E0D"/>
+              </a:solidFill>
+            </a:endParaRPr>
+          </a:p>
+          <a:p>
+            <a:pPr lvl="0" fontAlgn="base">
+              <a:spcBef>
+                <a:spcPct val="0"/>
+              </a:spcBef>
+              <a:spcAft>
+                <a:spcPct val="0"/>
+              </a:spcAft>
+            </a:pPr>
+            <a:r>
+              <a:rPr lang="zh-TW" altLang="en-US" sz="3600" b="1" dirty="0">
+                <a:solidFill>
+                  <a:schemeClr val="tx1">
+                    <a:lumMod val="50000"/>
+                    <a:lumOff val="50000"/>
+                  </a:schemeClr>
+                </a:solidFill>
+              </a:rPr>
+              <a:t>程式整體架構</a:t>
+            </a:r>
+            <a:endParaRPr lang="en-US" altLang="zh-TW" sz="3600" b="1" dirty="0">
+              <a:solidFill>
+                <a:schemeClr val="tx1">
+                  <a:lumMod val="50000"/>
+                  <a:lumOff val="50000"/>
+                </a:schemeClr>
+              </a:solidFill>
+            </a:endParaRPr>
+          </a:p>
+          <a:p>
+            <a:pPr lvl="0" fontAlgn="base">
+              <a:spcBef>
+                <a:spcPct val="0"/>
+              </a:spcBef>
+              <a:spcAft>
+                <a:spcPct val="0"/>
+              </a:spcAft>
+            </a:pPr>
+            <a:r>
+              <a:rPr lang="en-US" altLang="zh-TW" sz="3600" b="1" dirty="0">
+                <a:solidFill>
+                  <a:schemeClr val="tx1">
+                    <a:lumMod val="50000"/>
+                    <a:lumOff val="50000"/>
+                  </a:schemeClr>
+                </a:solidFill>
+              </a:rPr>
+              <a:t>PPT</a:t>
+            </a:r>
+            <a:endParaRPr lang="zh-TW" altLang="zh-TW" sz="3600" b="1" dirty="0">
+              <a:solidFill>
+                <a:schemeClr val="tx1">
+                  <a:lumMod val="50000"/>
+                  <a:lumOff val="50000"/>
+                </a:schemeClr>
+              </a:solidFill>
+            </a:endParaRPr>
+          </a:p>
+        </p:txBody>
+      </p:sp>
+      <p:sp>
+        <p:nvSpPr>
+          <p:cNvPr id="4" name="文字方塊 3">
+            <a:extLst>
+              <a:ext uri="{FF2B5EF4-FFF2-40B4-BE49-F238E27FC236}">
+                <a16:creationId xmlns:a16="http://schemas.microsoft.com/office/drawing/2014/main" id="{AE680690-01B1-42D9-A703-C3CC56AF8D40}"/>
+              </a:ext>
+            </a:extLst>
+          </p:cNvPr>
+          <p:cNvSpPr txBox="1"/>
+          <p:nvPr/>
+        </p:nvSpPr>
+        <p:spPr>
+          <a:xfrm>
+            <a:off x="3855702" y="2490281"/>
+            <a:ext cx="2954655" cy="1877437"/>
+          </a:xfrm>
+          <a:prstGeom prst="rect">
+            <a:avLst/>
+          </a:prstGeom>
+          <a:noFill/>
+        </p:spPr>
+        <p:txBody>
+          <a:bodyPr wrap="none" rtlCol="0">
+            <a:spAutoFit/>
+          </a:bodyPr>
+          <a:lstStyle/>
+          <a:p>
+            <a:pPr lvl="0" fontAlgn="base">
+              <a:spcBef>
+                <a:spcPct val="0"/>
+              </a:spcBef>
+              <a:spcAft>
+                <a:spcPct val="0"/>
+              </a:spcAft>
+            </a:pPr>
+            <a:r>
+              <a:rPr lang="zh-TW" altLang="en-US" sz="4400" b="1" dirty="0">
+                <a:solidFill>
+                  <a:srgbClr val="E03E0D"/>
+                </a:solidFill>
+              </a:rPr>
+              <a:t>陳宥儒</a:t>
+            </a:r>
+            <a:endParaRPr lang="en-US" altLang="zh-TW" sz="4400" b="1" dirty="0">
+              <a:solidFill>
+                <a:srgbClr val="E03E0D"/>
+              </a:solidFill>
+            </a:endParaRPr>
+          </a:p>
+          <a:p>
+            <a:pPr lvl="0" fontAlgn="base">
+              <a:spcBef>
+                <a:spcPct val="0"/>
+              </a:spcBef>
+              <a:spcAft>
+                <a:spcPct val="0"/>
+              </a:spcAft>
+            </a:pPr>
+            <a:r>
+              <a:rPr lang="zh-TW" altLang="en-US" sz="3600" b="1" dirty="0">
+                <a:solidFill>
+                  <a:schemeClr val="tx1">
+                    <a:lumMod val="50000"/>
+                    <a:lumOff val="50000"/>
+                  </a:schemeClr>
+                </a:solidFill>
+              </a:rPr>
+              <a:t>程式整體架構</a:t>
+            </a:r>
+            <a:br>
+              <a:rPr lang="en-US" altLang="zh-TW" sz="3600" b="1" dirty="0">
+                <a:solidFill>
+                  <a:schemeClr val="tx1">
+                    <a:lumMod val="50000"/>
+                    <a:lumOff val="50000"/>
+                  </a:schemeClr>
+                </a:solidFill>
+              </a:rPr>
+            </a:br>
+            <a:r>
+              <a:rPr lang="zh-TW" altLang="en-US" sz="3600" b="1" dirty="0">
+                <a:solidFill>
+                  <a:schemeClr val="tx1">
+                    <a:lumMod val="50000"/>
+                    <a:lumOff val="50000"/>
+                  </a:schemeClr>
+                </a:solidFill>
+              </a:rPr>
+              <a:t>優化程式碼</a:t>
+            </a:r>
+            <a:endParaRPr lang="zh-TW" altLang="zh-TW" sz="3600" b="1" dirty="0">
+              <a:solidFill>
+                <a:schemeClr val="tx1">
+                  <a:lumMod val="50000"/>
+                  <a:lumOff val="50000"/>
+                </a:schemeClr>
+              </a:solidFill>
+            </a:endParaRPr>
+          </a:p>
+        </p:txBody>
+      </p:sp>
+      <p:sp>
+        <p:nvSpPr>
+          <p:cNvPr id="5" name="文字方塊 4">
+            <a:extLst>
+              <a:ext uri="{FF2B5EF4-FFF2-40B4-BE49-F238E27FC236}">
+                <a16:creationId xmlns:a16="http://schemas.microsoft.com/office/drawing/2014/main" id="{C34C3FEB-5584-4F08-B643-FBC71F13D3E7}"/>
+              </a:ext>
+            </a:extLst>
+          </p:cNvPr>
+          <p:cNvSpPr txBox="1"/>
+          <p:nvPr/>
+        </p:nvSpPr>
+        <p:spPr>
+          <a:xfrm>
+            <a:off x="7937509" y="2490280"/>
+            <a:ext cx="2351926" cy="1877437"/>
+          </a:xfrm>
+          <a:prstGeom prst="rect">
+            <a:avLst/>
+          </a:prstGeom>
+          <a:noFill/>
+        </p:spPr>
+        <p:txBody>
+          <a:bodyPr wrap="none" rtlCol="0">
+            <a:spAutoFit/>
+          </a:bodyPr>
+          <a:lstStyle/>
+          <a:p>
+            <a:pPr lvl="0" fontAlgn="base">
+              <a:spcBef>
+                <a:spcPct val="0"/>
+              </a:spcBef>
+              <a:spcAft>
+                <a:spcPct val="0"/>
+              </a:spcAft>
+            </a:pPr>
+            <a:r>
+              <a:rPr lang="zh-TW" altLang="en-US" sz="4400" b="1" dirty="0">
+                <a:solidFill>
+                  <a:srgbClr val="E03E0D"/>
+                </a:solidFill>
+              </a:rPr>
+              <a:t>巫雨樹</a:t>
+            </a:r>
+            <a:endParaRPr lang="en-US" altLang="zh-TW" sz="4400" b="1" dirty="0">
+              <a:solidFill>
+                <a:srgbClr val="E03E0D"/>
+              </a:solidFill>
+            </a:endParaRPr>
+          </a:p>
+          <a:p>
+            <a:pPr lvl="0" fontAlgn="base">
+              <a:spcBef>
+                <a:spcPct val="0"/>
+              </a:spcBef>
+              <a:spcAft>
+                <a:spcPct val="0"/>
+              </a:spcAft>
+            </a:pPr>
+            <a:r>
+              <a:rPr lang="en-US" altLang="zh-TW" sz="3600" b="1" dirty="0" err="1">
+                <a:solidFill>
+                  <a:schemeClr val="tx1">
+                    <a:lumMod val="50000"/>
+                    <a:lumOff val="50000"/>
+                  </a:schemeClr>
+                </a:solidFill>
+              </a:rPr>
+              <a:t>Joodle</a:t>
+            </a:r>
+            <a:r>
+              <a:rPr lang="zh-TW" altLang="en-US" sz="3600" b="1" dirty="0">
+                <a:solidFill>
+                  <a:schemeClr val="tx1">
+                    <a:lumMod val="50000"/>
+                    <a:lumOff val="50000"/>
+                  </a:schemeClr>
+                </a:solidFill>
+              </a:rPr>
+              <a:t>部分</a:t>
+            </a:r>
+            <a:br>
+              <a:rPr lang="en-US" altLang="zh-TW" sz="3600" b="1" dirty="0">
+                <a:solidFill>
+                  <a:schemeClr val="tx1">
+                    <a:lumMod val="50000"/>
+                    <a:lumOff val="50000"/>
+                  </a:schemeClr>
+                </a:solidFill>
+              </a:rPr>
+            </a:br>
+            <a:r>
+              <a:rPr lang="zh-TW" altLang="en-US" sz="3600" b="1" dirty="0">
+                <a:solidFill>
+                  <a:schemeClr val="tx1">
+                    <a:lumMod val="50000"/>
+                    <a:lumOff val="50000"/>
+                  </a:schemeClr>
+                </a:solidFill>
+              </a:rPr>
+              <a:t>提供</a:t>
+            </a:r>
+            <a:r>
+              <a:rPr lang="en-US" altLang="zh-TW" sz="3600" b="1" dirty="0">
+                <a:solidFill>
+                  <a:schemeClr val="tx1">
+                    <a:lumMod val="50000"/>
+                    <a:lumOff val="50000"/>
+                  </a:schemeClr>
+                </a:solidFill>
+              </a:rPr>
+              <a:t>key</a:t>
+            </a:r>
+            <a:endParaRPr lang="zh-TW" altLang="zh-TW" sz="3600" b="1" dirty="0">
+              <a:solidFill>
+                <a:schemeClr val="tx1">
+                  <a:lumMod val="50000"/>
+                  <a:lumOff val="50000"/>
+                </a:schemeClr>
+              </a:solidFill>
+            </a:endParaRPr>
+          </a:p>
+        </p:txBody>
+      </p:sp>
+    </p:spTree>
+    <p:extLst>
+      <p:ext uri="{BB962C8B-B14F-4D97-AF65-F5344CB8AC3E}">
+        <p14:creationId xmlns:p14="http://schemas.microsoft.com/office/powerpoint/2010/main" val="1796723454"/>
+      </p:ext>
+    </p:extLst>
+  </p:cSld>
+  <p:clrMapOvr>
+    <a:masterClrMapping/>
+  </p:clrMapOvr>
+</p:sld>
+</file>
+
+<file path=ppt/slides/slide7.xml><?xml version="1.0" encoding="utf-8"?>
+<p:sld xmlns:a="http://schemas.openxmlformats.org/drawingml/2006/main" xmlns:r="http://schemas.openxmlformats.org/officeDocument/2006/relationships" xmlns:p="http://schemas.openxmlformats.org/presentationml/2006/main">
+  <p:cSld>
+    <p:spTree>
+      <p:nvGrpSpPr>
+        <p:cNvPr id="1" name=""/>
+        <p:cNvGrpSpPr/>
+        <p:nvPr/>
+      </p:nvGrpSpPr>
+      <p:grpSpPr>
+        <a:xfrm>
+          <a:off x="0" y="0"/>
+          <a:ext cx="0" cy="0"/>
+          <a:chOff x="0" y="0"/>
+          <a:chExt cx="0" cy="0"/>
+        </a:xfrm>
+      </p:grpSpPr>
+      <p:sp>
+        <p:nvSpPr>
           <p:cNvPr id="2" name="圓角矩形 1"/>
           <p:cNvSpPr/>
           <p:nvPr/>
@@ -23195,6 +25685,72 @@
                 </a:schemeClr>
               </a:solidFill>
             </a:endParaRPr>
+          </a:p>
+        </p:txBody>
+      </p:sp>
+      <p:sp>
+        <p:nvSpPr>
+          <p:cNvPr id="5" name="圓角矩形 1">
+            <a:extLst>
+              <a:ext uri="{FF2B5EF4-FFF2-40B4-BE49-F238E27FC236}">
+                <a16:creationId xmlns:a16="http://schemas.microsoft.com/office/drawing/2014/main" id="{3C169F0C-B0D9-4527-AAC1-5799E74BF7D3}"/>
+              </a:ext>
+            </a:extLst>
+          </p:cNvPr>
+          <p:cNvSpPr/>
+          <p:nvPr/>
+        </p:nvSpPr>
+        <p:spPr>
+          <a:xfrm>
+            <a:off x="5841123" y="3429000"/>
+            <a:ext cx="1460570" cy="440635"/>
+          </a:xfrm>
+          <a:prstGeom prst="roundRect">
+            <a:avLst>
+              <a:gd name="adj" fmla="val 50000"/>
+            </a:avLst>
+          </a:prstGeom>
+          <a:solidFill>
+            <a:srgbClr val="FFFFFF"/>
+          </a:solidFill>
+          <a:ln>
+            <a:solidFill>
+              <a:srgbClr val="F8B70C"/>
+            </a:solidFill>
+          </a:ln>
+        </p:spPr>
+        <p:style>
+          <a:lnRef idx="2">
+            <a:schemeClr val="accent1">
+              <a:shade val="50000"/>
+            </a:schemeClr>
+          </a:lnRef>
+          <a:fillRef idx="1">
+            <a:schemeClr val="accent1"/>
+          </a:fillRef>
+          <a:effectRef idx="0">
+            <a:schemeClr val="accent1"/>
+          </a:effectRef>
+          <a:fontRef idx="minor">
+            <a:schemeClr val="lt1"/>
+          </a:fontRef>
+        </p:style>
+        <p:txBody>
+          <a:bodyPr rtlCol="0" anchor="ctr"/>
+          <a:lstStyle/>
+          <a:p>
+            <a:pPr algn="ctr"/>
+            <a:r>
+              <a:rPr lang="zh-TW" altLang="en-US" dirty="0">
+                <a:solidFill>
+                  <a:schemeClr val="tx1">
+                    <a:lumMod val="50000"/>
+                    <a:lumOff val="50000"/>
+                  </a:schemeClr>
+                </a:solidFill>
+              </a:rPr>
+              <a:t>執行結果</a:t>
+            </a:r>
           </a:p>
         </p:txBody>
       </p:sp>
@@ -23357,6 +25913,50 @@
                             </p:childTnLst>
                           </p:cTn>
                         </p:par>
+                        <p:par>
+                          <p:cTn id="16" fill="hold">
+                            <p:stCondLst>
+                              <p:cond delay="900"/>
+                            </p:stCondLst>
+                            <p:childTnLst>
+                              <p:par>
+                                <p:cTn id="17" presetID="10" presetClass="entr" presetSubtype="0" fill="hold" grpId="0" nodeType="afterEffect">
+                                  <p:stCondLst>
+                                    <p:cond delay="0"/>
+                                  </p:stCondLst>
+                                  <p:childTnLst>
+                                    <p:set>
+                                      <p:cBhvr>
+                                        <p:cTn id="18" dur="1" fill="hold">
+                                          <p:stCondLst>
+                                            <p:cond delay="0"/>
+                                          </p:stCondLst>
+                                        </p:cTn>
+                                        <p:tgtEl>
+                                          <p:spTgt spid="5"/>
+                                        </p:tgtEl>
+                                        <p:attrNameLst>
+                                          <p:attrName>style.visibility</p:attrName>
+                                        </p:attrNameLst>
+                                      </p:cBhvr>
+                                      <p:to>
+                                        <p:strVal val="visible"/>
+                                      </p:to>
+                                    </p:set>
+                                    <p:animEffect transition="in" filter="fade">
+                                      <p:cBhvr>
+                                        <p:cTn id="19" dur="300"/>
+                                        <p:tgtEl>
+                                          <p:spTgt spid="5"/>
+                                        </p:tgtEl>
+                                      </p:cBhvr>
+                                    </p:animEffect>
+                                  </p:childTnLst>
+                                </p:cTn>
+                              </p:par>
+                            </p:childTnLst>
+                          </p:cTn>
+                        </p:par>
                       </p:childTnLst>
                     </p:cTn>
                   </p:par>
@@ -23385,12 +25985,13 @@
       <p:bldP spid="2" grpId="0" animBg="1"/>
       <p:bldP spid="3" grpId="0" animBg="1"/>
       <p:bldP spid="4" grpId="0" animBg="1"/>
+      <p:bldP spid="5" grpId="0" animBg="1"/>
     </p:bldLst>
   </p:timing>
 </p:sld>
 </file>
 
-<file path=ppt/slides/slide7.xml><?xml version="1.0" encoding="utf-8"?>
+<file path=ppt/slides/slide8.xml><?xml version="1.0" encoding="utf-8"?>
 <p:sld xmlns:a="http://schemas.openxmlformats.org/drawingml/2006/main" xmlns:r="http://schemas.openxmlformats.org/officeDocument/2006/relationships" xmlns:p="http://schemas.openxmlformats.org/presentationml/2006/main">
   <p:cSld>
     <p:spTree>
@@ -24108,7 +26709,7 @@
 </p:sld>
 </file>
 
-<file path=ppt/slides/slide8.xml><?xml version="1.0" encoding="utf-8"?>
+<file path=ppt/slides/slide9.xml><?xml version="1.0" encoding="utf-8"?>
 <p:sld xmlns:a="http://schemas.openxmlformats.org/drawingml/2006/main" xmlns:r="http://schemas.openxmlformats.org/officeDocument/2006/relationships" xmlns:p="http://schemas.openxmlformats.org/presentationml/2006/main">
   <p:cSld>
     <p:spTree>
@@ -25126,685 +27727,6 @@
         </p:cTn>
       </p:par>
     </p:tnLst>
-  </p:timing>
-</p:sld>
-</file>
-
-<file path=ppt/slides/slide9.xml><?xml version="1.0" encoding="utf-8"?>
-<p:sld xmlns:a="http://schemas.openxmlformats.org/drawingml/2006/main" xmlns:r="http://schemas.openxmlformats.org/officeDocument/2006/relationships" xmlns:p="http://schemas.openxmlformats.org/presentationml/2006/main">
-  <p:cSld>
-    <p:spTree>
-      <p:nvGrpSpPr>
-        <p:cNvPr id="1" name=""/>
-        <p:cNvGrpSpPr/>
-        <p:nvPr/>
-      </p:nvGrpSpPr>
-      <p:grpSpPr>
-        <a:xfrm>
-          <a:off x="0" y="0"/>
-          <a:ext cx="0" cy="0"/>
-          <a:chOff x="0" y="0"/>
-          <a:chExt cx="0" cy="0"/>
-        </a:xfrm>
-      </p:grpSpPr>
-      <p:sp>
-        <p:nvSpPr>
-          <p:cNvPr id="15" name="矩形 14"/>
-          <p:cNvSpPr/>
-          <p:nvPr/>
-        </p:nvSpPr>
-        <p:spPr>
-          <a:xfrm>
-            <a:off x="11035311" y="374983"/>
-            <a:ext cx="833883" cy="646331"/>
-          </a:xfrm>
-          <a:prstGeom prst="rect">
-            <a:avLst/>
-          </a:prstGeom>
-        </p:spPr>
-        <p:txBody>
-          <a:bodyPr wrap="none">
-            <a:spAutoFit/>
-          </a:bodyPr>
-          <a:lstStyle/>
-          <a:p>
-            <a:pPr algn="r"/>
-            <a:r>
-              <a:rPr lang="en-US" altLang="zh-TW" sz="3600" b="1" dirty="0">
-                <a:solidFill>
-                  <a:srgbClr val="FFFFFF"/>
-                </a:solidFill>
-                <a:effectLst>
-                  <a:outerShdw blurRad="38100" dist="38100" dir="2700000" algn="tl">
-                    <a:srgbClr val="000000">
-                      <a:alpha val="43137"/>
-                    </a:srgbClr>
-                  </a:outerShdw>
-                </a:effectLst>
-              </a:rPr>
-              <a:t>API</a:t>
-            </a:r>
-            <a:endParaRPr lang="zh-TW" altLang="en-US" sz="3600" b="1" dirty="0">
-              <a:solidFill>
-                <a:srgbClr val="FFFFFF"/>
-              </a:solidFill>
-              <a:effectLst>
-                <a:outerShdw blurRad="38100" dist="38100" dir="2700000" algn="tl">
-                  <a:srgbClr val="000000">
-                    <a:alpha val="43137"/>
-                  </a:srgbClr>
-                </a:outerShdw>
-              </a:effectLst>
-            </a:endParaRPr>
-          </a:p>
-        </p:txBody>
-      </p:sp>
-      <p:grpSp>
-        <p:nvGrpSpPr>
-          <p:cNvPr id="8" name="群組 7">
-            <a:extLst>
-              <a:ext uri="{FF2B5EF4-FFF2-40B4-BE49-F238E27FC236}">
-                <a16:creationId xmlns:a16="http://schemas.microsoft.com/office/drawing/2014/main" id="{B00C3B08-55F0-43FE-8D45-2C554FF04F80}"/>
-              </a:ext>
-            </a:extLst>
-          </p:cNvPr>
-          <p:cNvGrpSpPr/>
-          <p:nvPr/>
-        </p:nvGrpSpPr>
-        <p:grpSpPr>
-          <a:xfrm>
-            <a:off x="707807" y="1789518"/>
-            <a:ext cx="10966371" cy="3564405"/>
-            <a:chOff x="6338829" y="2452629"/>
-            <a:chExt cx="10966371" cy="3564405"/>
-          </a:xfrm>
-        </p:grpSpPr>
-        <p:sp>
-          <p:nvSpPr>
-            <p:cNvPr id="9" name="橢圓 8">
-              <a:extLst>
-                <a:ext uri="{FF2B5EF4-FFF2-40B4-BE49-F238E27FC236}">
-                  <a16:creationId xmlns:a16="http://schemas.microsoft.com/office/drawing/2014/main" id="{30122278-F9F0-4F74-9B24-51D0D2BA6549}"/>
-                </a:ext>
-              </a:extLst>
-            </p:cNvPr>
-            <p:cNvSpPr/>
-            <p:nvPr/>
-          </p:nvSpPr>
-          <p:spPr>
-            <a:xfrm>
-              <a:off x="6338829" y="2452629"/>
-              <a:ext cx="450000" cy="450000"/>
-            </a:xfrm>
-            <a:prstGeom prst="ellipse">
-              <a:avLst/>
-            </a:prstGeom>
-            <a:solidFill>
-              <a:schemeClr val="bg1">
-                <a:lumMod val="95000"/>
-              </a:schemeClr>
-            </a:solidFill>
-            <a:ln>
-              <a:noFill/>
-            </a:ln>
-          </p:spPr>
-          <p:style>
-            <a:lnRef idx="2">
-              <a:schemeClr val="accent1">
-                <a:shade val="50000"/>
-              </a:schemeClr>
-            </a:lnRef>
-            <a:fillRef idx="1">
-              <a:schemeClr val="accent1"/>
-            </a:fillRef>
-            <a:effectRef idx="0">
-              <a:schemeClr val="accent1"/>
-            </a:effectRef>
-            <a:fontRef idx="minor">
-              <a:schemeClr val="lt1"/>
-            </a:fontRef>
-          </p:style>
-          <p:txBody>
-            <a:bodyPr rtlCol="0" anchor="ctr"/>
-            <a:lstStyle/>
-            <a:p>
-              <a:pPr algn="ctr"/>
-              <a:endParaRPr lang="zh-TW" altLang="en-US" dirty="0"/>
-            </a:p>
-          </p:txBody>
-        </p:sp>
-        <p:sp>
-          <p:nvSpPr>
-            <p:cNvPr id="10" name="文字方塊 9">
-              <a:extLst>
-                <a:ext uri="{FF2B5EF4-FFF2-40B4-BE49-F238E27FC236}">
-                  <a16:creationId xmlns:a16="http://schemas.microsoft.com/office/drawing/2014/main" id="{93E31F15-D162-4465-952A-C58AA31DAD72}"/>
-                </a:ext>
-              </a:extLst>
-            </p:cNvPr>
-            <p:cNvSpPr txBox="1"/>
-            <p:nvPr/>
-          </p:nvSpPr>
-          <p:spPr>
-            <a:xfrm>
-              <a:off x="6348354" y="2477604"/>
-              <a:ext cx="10956846" cy="3539430"/>
-            </a:xfrm>
-            <a:prstGeom prst="rect">
-              <a:avLst/>
-            </a:prstGeom>
-            <a:noFill/>
-          </p:spPr>
-          <p:txBody>
-            <a:bodyPr wrap="none" rtlCol="0">
-              <a:spAutoFit/>
-            </a:bodyPr>
-            <a:lstStyle/>
-            <a:p>
-              <a:r>
-                <a:rPr lang="zh-TW" altLang="en-US" sz="2800" b="1" dirty="0">
-                  <a:solidFill>
-                    <a:schemeClr val="tx1">
-                      <a:lumMod val="50000"/>
-                      <a:lumOff val="50000"/>
-                    </a:schemeClr>
-                  </a:solidFill>
-                </a:rPr>
-                <a:t>本系統主要整合兩大 </a:t>
-              </a:r>
-              <a:r>
-                <a:rPr lang="en-US" altLang="zh-TW" sz="2800" b="1" dirty="0">
-                  <a:solidFill>
-                    <a:schemeClr val="tx1">
-                      <a:lumMod val="50000"/>
-                      <a:lumOff val="50000"/>
-                    </a:schemeClr>
-                  </a:solidFill>
-                </a:rPr>
-                <a:t>API </a:t>
-              </a:r>
-              <a:r>
-                <a:rPr lang="zh-TW" altLang="en-US" sz="2800" b="1" dirty="0">
-                  <a:solidFill>
-                    <a:schemeClr val="tx1">
-                      <a:lumMod val="50000"/>
-                      <a:lumOff val="50000"/>
-                    </a:schemeClr>
-                  </a:solidFill>
-                </a:rPr>
-                <a:t>以實現智慧程式碼生成與執行功能。</a:t>
-              </a:r>
-              <a:endParaRPr lang="en-US" altLang="zh-TW" sz="2800" b="1" dirty="0">
-                <a:solidFill>
-                  <a:schemeClr val="tx1">
-                    <a:lumMod val="50000"/>
-                    <a:lumOff val="50000"/>
-                  </a:schemeClr>
-                </a:solidFill>
-              </a:endParaRPr>
-            </a:p>
-            <a:p>
-              <a:r>
-                <a:rPr lang="zh-TW" altLang="en-US" sz="2800" b="1" dirty="0">
-                  <a:solidFill>
-                    <a:schemeClr val="tx1">
-                      <a:lumMod val="50000"/>
-                      <a:lumOff val="50000"/>
-                    </a:schemeClr>
-                  </a:solidFill>
-                </a:rPr>
-                <a:t>首先，</a:t>
-              </a:r>
-              <a:r>
-                <a:rPr lang="en-US" altLang="zh-TW" sz="2800" b="1" dirty="0" err="1">
-                  <a:solidFill>
-                    <a:schemeClr val="tx1">
-                      <a:lumMod val="50000"/>
-                      <a:lumOff val="50000"/>
-                    </a:schemeClr>
-                  </a:solidFill>
-                </a:rPr>
-                <a:t>OpenAI</a:t>
-              </a:r>
-              <a:r>
-                <a:rPr lang="en-US" altLang="zh-TW" sz="2800" b="1" dirty="0">
-                  <a:solidFill>
-                    <a:schemeClr val="tx1">
-                      <a:lumMod val="50000"/>
-                      <a:lumOff val="50000"/>
-                    </a:schemeClr>
-                  </a:solidFill>
-                </a:rPr>
-                <a:t> API </a:t>
-              </a:r>
-              <a:r>
-                <a:rPr lang="zh-TW" altLang="en-US" sz="2800" b="1" dirty="0">
-                  <a:solidFill>
-                    <a:schemeClr val="tx1">
-                      <a:lumMod val="50000"/>
-                      <a:lumOff val="50000"/>
-                    </a:schemeClr>
-                  </a:solidFill>
-                </a:rPr>
-                <a:t>用於分析使用者需求、選擇合適模板，並生</a:t>
-              </a:r>
-              <a:endParaRPr lang="en-US" altLang="zh-TW" sz="2800" b="1" dirty="0">
-                <a:solidFill>
-                  <a:schemeClr val="tx1">
-                    <a:lumMod val="50000"/>
-                    <a:lumOff val="50000"/>
-                  </a:schemeClr>
-                </a:solidFill>
-              </a:endParaRPr>
-            </a:p>
-            <a:p>
-              <a:r>
-                <a:rPr lang="zh-TW" altLang="en-US" sz="2800" b="1" dirty="0">
-                  <a:solidFill>
-                    <a:schemeClr val="tx1">
-                      <a:lumMod val="50000"/>
-                      <a:lumOff val="50000"/>
-                    </a:schemeClr>
-                  </a:solidFill>
-                </a:rPr>
-                <a:t>成完整程式碼，同時提供時間與空間複雜度分析以及簡明的程</a:t>
-              </a:r>
-              <a:endParaRPr lang="en-US" altLang="zh-TW" sz="2800" b="1" dirty="0">
-                <a:solidFill>
-                  <a:schemeClr val="tx1">
-                    <a:lumMod val="50000"/>
-                    <a:lumOff val="50000"/>
-                  </a:schemeClr>
-                </a:solidFill>
-              </a:endParaRPr>
-            </a:p>
-            <a:p>
-              <a:r>
-                <a:rPr lang="zh-TW" altLang="en-US" sz="2800" b="1" dirty="0">
-                  <a:solidFill>
-                    <a:schemeClr val="tx1">
-                      <a:lumMod val="50000"/>
-                      <a:lumOff val="50000"/>
-                    </a:schemeClr>
-                  </a:solidFill>
-                </a:rPr>
-                <a:t>式優化建議。此外，</a:t>
-              </a:r>
-              <a:r>
-                <a:rPr lang="en-US" altLang="zh-TW" sz="2800" b="1" dirty="0" err="1">
-                  <a:solidFill>
-                    <a:schemeClr val="tx1">
-                      <a:lumMod val="50000"/>
-                      <a:lumOff val="50000"/>
-                    </a:schemeClr>
-                  </a:solidFill>
-                </a:rPr>
-                <a:t>OpenAI</a:t>
-              </a:r>
-              <a:r>
-                <a:rPr lang="en-US" altLang="zh-TW" sz="2800" b="1" dirty="0">
-                  <a:solidFill>
-                    <a:schemeClr val="tx1">
-                      <a:lumMod val="50000"/>
-                      <a:lumOff val="50000"/>
-                    </a:schemeClr>
-                  </a:solidFill>
-                </a:rPr>
-                <a:t> API </a:t>
-              </a:r>
-              <a:r>
-                <a:rPr lang="zh-TW" altLang="en-US" sz="2800" b="1" dirty="0">
-                  <a:solidFill>
-                    <a:schemeClr val="tx1">
-                      <a:lumMod val="50000"/>
-                      <a:lumOff val="50000"/>
-                    </a:schemeClr>
-                  </a:solidFill>
-                </a:rPr>
-                <a:t>還可模擬程式執行結果，幫助</a:t>
-              </a:r>
-              <a:endParaRPr lang="en-US" altLang="zh-TW" sz="2800" b="1" dirty="0">
-                <a:solidFill>
-                  <a:schemeClr val="tx1">
-                    <a:lumMod val="50000"/>
-                    <a:lumOff val="50000"/>
-                  </a:schemeClr>
-                </a:solidFill>
-              </a:endParaRPr>
-            </a:p>
-            <a:p>
-              <a:r>
-                <a:rPr lang="zh-TW" altLang="en-US" sz="2800" b="1" dirty="0">
-                  <a:solidFill>
-                    <a:schemeClr val="tx1">
-                      <a:lumMod val="50000"/>
-                      <a:lumOff val="50000"/>
-                    </a:schemeClr>
-                  </a:solidFill>
-                </a:rPr>
-                <a:t>使用者預覽程式運行狀態。其次，</a:t>
-              </a:r>
-              <a:r>
-                <a:rPr lang="en-US" altLang="zh-TW" sz="2800" b="1" dirty="0" err="1">
-                  <a:solidFill>
-                    <a:schemeClr val="tx1">
-                      <a:lumMod val="50000"/>
-                      <a:lumOff val="50000"/>
-                    </a:schemeClr>
-                  </a:solidFill>
-                </a:rPr>
-                <a:t>JDoodle</a:t>
-              </a:r>
-              <a:r>
-                <a:rPr lang="en-US" altLang="zh-TW" sz="2800" b="1" dirty="0">
-                  <a:solidFill>
-                    <a:schemeClr val="tx1">
-                      <a:lumMod val="50000"/>
-                      <a:lumOff val="50000"/>
-                    </a:schemeClr>
-                  </a:solidFill>
-                </a:rPr>
-                <a:t> API </a:t>
-              </a:r>
-              <a:r>
-                <a:rPr lang="zh-TW" altLang="en-US" sz="2800" b="1" dirty="0">
-                  <a:solidFill>
-                    <a:schemeClr val="tx1">
-                      <a:lumMod val="50000"/>
-                      <a:lumOff val="50000"/>
-                    </a:schemeClr>
-                  </a:solidFill>
-                </a:rPr>
-                <a:t>負責將生成程式</a:t>
-              </a:r>
-              <a:endParaRPr lang="en-US" altLang="zh-TW" sz="2800" b="1" dirty="0">
-                <a:solidFill>
-                  <a:schemeClr val="tx1">
-                    <a:lumMod val="50000"/>
-                    <a:lumOff val="50000"/>
-                  </a:schemeClr>
-                </a:solidFill>
-              </a:endParaRPr>
-            </a:p>
-            <a:p>
-              <a:r>
-                <a:rPr lang="zh-TW" altLang="en-US" sz="2800" b="1" dirty="0">
-                  <a:solidFill>
-                    <a:schemeClr val="tx1">
-                      <a:lumMod val="50000"/>
-                      <a:lumOff val="50000"/>
-                    </a:schemeClr>
-                  </a:solidFill>
-                </a:rPr>
-                <a:t>碼實際執行，回傳真實測試輸出結果，確保程式碼能正確運作</a:t>
-              </a:r>
-              <a:endParaRPr lang="en-US" altLang="zh-TW" sz="2800" b="1" dirty="0">
-                <a:solidFill>
-                  <a:schemeClr val="tx1">
-                    <a:lumMod val="50000"/>
-                    <a:lumOff val="50000"/>
-                  </a:schemeClr>
-                </a:solidFill>
-              </a:endParaRPr>
-            </a:p>
-            <a:p>
-              <a:r>
-                <a:rPr lang="zh-TW" altLang="en-US" sz="2800" b="1" dirty="0">
-                  <a:solidFill>
-                    <a:schemeClr val="tx1">
-                      <a:lumMod val="50000"/>
-                      <a:lumOff val="50000"/>
-                    </a:schemeClr>
-                  </a:solidFill>
-                </a:rPr>
-                <a:t>。透過這兩個 </a:t>
-              </a:r>
-              <a:r>
-                <a:rPr lang="en-US" altLang="zh-TW" sz="2800" b="1" dirty="0">
-                  <a:solidFill>
-                    <a:schemeClr val="tx1">
-                      <a:lumMod val="50000"/>
-                      <a:lumOff val="50000"/>
-                    </a:schemeClr>
-                  </a:solidFill>
-                </a:rPr>
-                <a:t>API </a:t>
-              </a:r>
-              <a:r>
-                <a:rPr lang="zh-TW" altLang="en-US" sz="2800" b="1" dirty="0">
-                  <a:solidFill>
-                    <a:schemeClr val="tx1">
-                      <a:lumMod val="50000"/>
-                      <a:lumOff val="50000"/>
-                    </a:schemeClr>
-                  </a:solidFill>
-                </a:rPr>
-                <a:t>的結合，系統能夠自動化從需求分析到程式</a:t>
-              </a:r>
-              <a:endParaRPr lang="en-US" altLang="zh-TW" sz="2800" b="1" dirty="0">
-                <a:solidFill>
-                  <a:schemeClr val="tx1">
-                    <a:lumMod val="50000"/>
-                    <a:lumOff val="50000"/>
-                  </a:schemeClr>
-                </a:solidFill>
-              </a:endParaRPr>
-            </a:p>
-            <a:p>
-              <a:r>
-                <a:rPr lang="zh-TW" altLang="en-US" sz="2800" b="1" dirty="0">
-                  <a:solidFill>
-                    <a:schemeClr val="tx1">
-                      <a:lumMod val="50000"/>
-                      <a:lumOff val="50000"/>
-                    </a:schemeClr>
-                  </a:solidFill>
-                </a:rPr>
-                <a:t>生成，再到測試執行的完整流程，大幅提升開發效率與使用者體驗。</a:t>
-              </a:r>
-            </a:p>
-          </p:txBody>
-        </p:sp>
-      </p:grpSp>
-      <p:sp>
-        <p:nvSpPr>
-          <p:cNvPr id="11" name="矩形 10">
-            <a:extLst>
-              <a:ext uri="{FF2B5EF4-FFF2-40B4-BE49-F238E27FC236}">
-                <a16:creationId xmlns:a16="http://schemas.microsoft.com/office/drawing/2014/main" id="{F31BC870-AABC-44BA-B64C-5BB5EDAD63EB}"/>
-              </a:ext>
-            </a:extLst>
-          </p:cNvPr>
-          <p:cNvSpPr/>
-          <p:nvPr/>
-        </p:nvSpPr>
-        <p:spPr>
-          <a:xfrm>
-            <a:off x="2424899" y="5746992"/>
-            <a:ext cx="7342203" cy="400110"/>
-          </a:xfrm>
-          <a:prstGeom prst="rect">
-            <a:avLst/>
-          </a:prstGeom>
-        </p:spPr>
-        <p:txBody>
-          <a:bodyPr wrap="none">
-            <a:spAutoFit/>
-          </a:bodyPr>
-          <a:lstStyle/>
-          <a:p>
-            <a:r>
-              <a:rPr lang="zh-TW" altLang="en-US" sz="2000" b="1" dirty="0">
-                <a:solidFill>
-                  <a:srgbClr val="F8B70C"/>
-                </a:solidFill>
-                <a:latin typeface="Arial" panose="020B0604020202020204" pitchFamily="34" charset="0"/>
-              </a:rPr>
-              <a:t>系統整合前後端與 </a:t>
-            </a:r>
-            <a:r>
-              <a:rPr lang="en-US" altLang="zh-TW" sz="2000" b="1" dirty="0">
-                <a:solidFill>
-                  <a:srgbClr val="F8B70C"/>
-                </a:solidFill>
-                <a:latin typeface="Arial" panose="020B0604020202020204" pitchFamily="34" charset="0"/>
-              </a:rPr>
-              <a:t>API</a:t>
-            </a:r>
-            <a:r>
-              <a:rPr lang="zh-TW" altLang="en-US" sz="2000" b="1" dirty="0">
-                <a:solidFill>
-                  <a:srgbClr val="F8B70C"/>
-                </a:solidFill>
-                <a:latin typeface="Arial" panose="020B0604020202020204" pitchFamily="34" charset="0"/>
-              </a:rPr>
-              <a:t>，自動生成程式碼並提供分析與執行結果</a:t>
-            </a:r>
-          </a:p>
-        </p:txBody>
-      </p:sp>
-    </p:spTree>
-    <p:extLst>
-      <p:ext uri="{BB962C8B-B14F-4D97-AF65-F5344CB8AC3E}">
-        <p14:creationId xmlns:p14="http://schemas.microsoft.com/office/powerpoint/2010/main" val="1086093454"/>
-      </p:ext>
-    </p:extLst>
-  </p:cSld>
-  <p:clrMapOvr>
-    <a:masterClrMapping/>
-  </p:clrMapOvr>
-  <p:timing>
-    <p:tnLst>
-      <p:par>
-        <p:cTn id="1" dur="indefinite" restart="never" nodeType="tmRoot">
-          <p:childTnLst>
-            <p:seq concurrent="1" nextAc="seek">
-              <p:cTn id="2" dur="indefinite" nodeType="mainSeq">
-                <p:childTnLst>
-                  <p:par>
-                    <p:cTn id="3" fill="hold">
-                      <p:stCondLst>
-                        <p:cond delay="indefinite"/>
-                        <p:cond evt="onBegin" delay="0">
-                          <p:tn val="2"/>
-                        </p:cond>
-                      </p:stCondLst>
-                      <p:childTnLst>
-                        <p:par>
-                          <p:cTn id="4" fill="hold">
-                            <p:stCondLst>
-                              <p:cond delay="0"/>
-                            </p:stCondLst>
-                            <p:childTnLst>
-                              <p:par>
-                                <p:cTn id="5" presetID="10" presetClass="entr" presetSubtype="0" fill="hold" nodeType="afterEffect">
-                                  <p:stCondLst>
-                                    <p:cond delay="0"/>
-                                  </p:stCondLst>
-                                  <p:childTnLst>
-                                    <p:set>
-                                      <p:cBhvr>
-                                        <p:cTn id="6" dur="1" fill="hold">
-                                          <p:stCondLst>
-                                            <p:cond delay="0"/>
-                                          </p:stCondLst>
-                                        </p:cTn>
-                                        <p:tgtEl>
-                                          <p:spTgt spid="8"/>
-                                        </p:tgtEl>
-                                        <p:attrNameLst>
-                                          <p:attrName>style.visibility</p:attrName>
-                                        </p:attrNameLst>
-                                      </p:cBhvr>
-                                      <p:to>
-                                        <p:strVal val="visible"/>
-                                      </p:to>
-                                    </p:set>
-                                    <p:animEffect transition="in" filter="fade">
-                                      <p:cBhvr>
-                                        <p:cTn id="7" dur="400"/>
-                                        <p:tgtEl>
-                                          <p:spTgt spid="8"/>
-                                        </p:tgtEl>
-                                      </p:cBhvr>
-                                    </p:animEffect>
-                                  </p:childTnLst>
-                                </p:cTn>
-                              </p:par>
-                            </p:childTnLst>
-                          </p:cTn>
-                        </p:par>
-                        <p:par>
-                          <p:cTn id="8" fill="hold">
-                            <p:stCondLst>
-                              <p:cond delay="400"/>
-                            </p:stCondLst>
-                            <p:childTnLst>
-                              <p:par>
-                                <p:cTn id="9" presetID="10" presetClass="entr" presetSubtype="0" fill="hold" grpId="0" nodeType="afterEffect">
-                                  <p:stCondLst>
-                                    <p:cond delay="0"/>
-                                  </p:stCondLst>
-                                  <p:childTnLst>
-                                    <p:set>
-                                      <p:cBhvr>
-                                        <p:cTn id="10" dur="1" fill="hold">
-                                          <p:stCondLst>
-                                            <p:cond delay="0"/>
-                                          </p:stCondLst>
-                                        </p:cTn>
-                                        <p:tgtEl>
-                                          <p:spTgt spid="11"/>
-                                        </p:tgtEl>
-                                        <p:attrNameLst>
-                                          <p:attrName>style.visibility</p:attrName>
-                                        </p:attrNameLst>
-                                      </p:cBhvr>
-                                      <p:to>
-                                        <p:strVal val="visible"/>
-                                      </p:to>
-                                    </p:set>
-                                    <p:animEffect transition="in" filter="fade">
-                                      <p:cBhvr>
-                                        <p:cTn id="11" dur="400"/>
-                                        <p:tgtEl>
-                                          <p:spTgt spid="11"/>
-                                        </p:tgtEl>
-                                      </p:cBhvr>
-                                    </p:animEffect>
-                                  </p:childTnLst>
-                                </p:cTn>
-                              </p:par>
-                            </p:childTnLst>
-                          </p:cTn>
-                        </p:par>
-                      </p:childTnLst>
-                    </p:cTn>
-                  </p:par>
-                </p:childTnLst>
-              </p:cTn>
-              <p:prevCondLst>
-                <p:cond evt="onPrev" delay="0">
-                  <p:tgtEl>
-                    <p:sldTgt/>
-                  </p:tgtEl>
-                </p:cond>
-              </p:prevCondLst>
-              <p:nextCondLst>
-                <p:cond evt="onNext" delay="0">
-                  <p:tgtEl>
-                    <p:sldTgt/>
-                  </p:tgtEl>
-                </p:cond>
-              </p:nextCondLst>
-            </p:seq>
-          </p:childTnLst>
-        </p:cTn>
-      </p:par>
-    </p:tnLst>
-    <p:bldLst>
-      <p:bldP spid="11" grpId="0"/>
-    </p:bldLst>
   </p:timing>
 </p:sld>
 </file>
